--- a/presentation/haggerty_energy_gdp_1.pptx
+++ b/presentation/haggerty_energy_gdp_1.pptx
@@ -37164,8 +37164,8 @@
         </p:nvSpPr>
         <p:spPr>
           <a:xfrm>
-            <a:off x="9918607" y="1852783"/>
-            <a:ext cx="2273393" cy="2828613"/>
+            <a:off x="9288438" y="1523599"/>
+            <a:ext cx="2903562" cy="4481700"/>
           </a:xfrm>
           <a:prstGeom prst="rect">
             <a:avLst/>
@@ -37173,7 +37173,7 @@
         </p:spPr>
         <p:txBody>
           <a:bodyPr vert="horz" lIns="91440" tIns="45720" rIns="91440" bIns="45720" rtlCol="0" anchor="t">
-            <a:normAutofit/>
+            <a:normAutofit fontScale="92500" lnSpcReduction="20000"/>
           </a:bodyPr>
           <a:lstStyle>
             <a:lvl1pPr marL="228600" indent="-228600" algn="l" defTabSz="914400" rtl="0" eaLnBrk="1" latinLnBrk="0" hangingPunct="1">
@@ -37358,21 +37358,13 @@
               <a:defRPr/>
             </a:pPr>
             <a:r>
-              <a:rPr kumimoji="0" lang="en-US" sz="2800" b="0" i="0" u="none" strike="noStrike" kern="1200" cap="none" spc="0" normalizeH="0" baseline="0" noProof="0" dirty="0">
-                <a:ln>
-                  <a:noFill/>
-                </a:ln>
+              <a:rPr lang="en-US" sz="1800" dirty="0">
                 <a:solidFill>
                   <a:srgbClr val="000000"/>
                 </a:solidFill>
-                <a:effectLst/>
-                <a:uLnTx/>
-                <a:uFillTx/>
                 <a:latin typeface="Tenorite"/>
-                <a:ea typeface="+mn-ea"/>
-                <a:cs typeface="+mn-cs"/>
               </a:rPr>
-              <a:t>XXXX</a:t>
+              <a:t>Most States Remained Under 5M (BN Btu) for Consumption and Production </a:t>
             </a:r>
           </a:p>
           <a:p>
@@ -37394,7 +37386,67 @@
               <a:defRPr/>
             </a:pPr>
             <a:r>
-              <a:rPr kumimoji="0" lang="en-US" sz="2800" b="0" i="0" u="none" strike="noStrike" kern="1200" cap="none" spc="0" normalizeH="0" baseline="0" noProof="0" dirty="0">
+              <a:rPr lang="en-US" sz="1800" dirty="0">
+                <a:solidFill>
+                  <a:srgbClr val="000000"/>
+                </a:solidFill>
+                <a:latin typeface="Tenorite"/>
+              </a:rPr>
+              <a:t>The Range of Values for GDP per Capita Appeared to Begin a Wider Dispersion in 2000</a:t>
+            </a:r>
+          </a:p>
+          <a:p>
+            <a:pPr marL="0" marR="0" lvl="0" indent="0" algn="l" defTabSz="914400" rtl="0" eaLnBrk="1" fontAlgn="auto" latinLnBrk="0" hangingPunct="1">
+              <a:lnSpc>
+                <a:spcPct val="90000"/>
+              </a:lnSpc>
+              <a:spcBef>
+                <a:spcPts val="1000"/>
+              </a:spcBef>
+              <a:spcAft>
+                <a:spcPts val="0"/>
+              </a:spcAft>
+              <a:buClrTx/>
+              <a:buSzTx/>
+              <a:buNone/>
+              <a:tabLst/>
+              <a:defRPr/>
+            </a:pPr>
+            <a:endParaRPr kumimoji="0" lang="en-US" sz="1800" b="0" i="0" u="none" strike="noStrike" kern="1200" cap="none" spc="0" normalizeH="0" baseline="0" noProof="0" dirty="0">
+              <a:ln>
+                <a:noFill/>
+              </a:ln>
+              <a:solidFill>
+                <a:srgbClr val="000000"/>
+              </a:solidFill>
+              <a:effectLst/>
+              <a:uLnTx/>
+              <a:uFillTx/>
+              <a:latin typeface="Tenorite"/>
+              <a:ea typeface="+mn-ea"/>
+              <a:cs typeface="+mn-cs"/>
+            </a:endParaRPr>
+          </a:p>
+          <a:p>
+            <a:pPr marL="228600" marR="0" lvl="0" indent="-228600" algn="l" defTabSz="914400" rtl="0" eaLnBrk="1" fontAlgn="auto" latinLnBrk="0" hangingPunct="1">
+              <a:lnSpc>
+                <a:spcPct val="90000"/>
+              </a:lnSpc>
+              <a:spcBef>
+                <a:spcPts val="1000"/>
+              </a:spcBef>
+              <a:spcAft>
+                <a:spcPts val="0"/>
+              </a:spcAft>
+              <a:buClrTx/>
+              <a:buSzTx/>
+              <a:buFont typeface="Arial" panose="020B0604020202020204" pitchFamily="34" charset="0"/>
+              <a:buChar char="•"/>
+              <a:tabLst/>
+              <a:defRPr/>
+            </a:pPr>
+            <a:r>
+              <a:rPr kumimoji="0" lang="en-US" sz="1800" b="0" i="0" u="none" strike="noStrike" kern="1200" cap="none" spc="0" normalizeH="0" baseline="0" noProof="0" dirty="0">
                 <a:ln>
                   <a:noFill/>
                 </a:ln>
@@ -37408,7 +37460,137 @@
                 <a:ea typeface="+mn-ea"/>
                 <a:cs typeface="+mn-cs"/>
               </a:rPr>
-              <a:t>XXXX</a:t>
+              <a:t>2020 Outliers for Consumption: TX &amp; CA</a:t>
+            </a:r>
+          </a:p>
+          <a:p>
+            <a:pPr marL="228600" marR="0" lvl="0" indent="-228600" algn="l" defTabSz="914400" rtl="0" eaLnBrk="1" fontAlgn="auto" latinLnBrk="0" hangingPunct="1">
+              <a:lnSpc>
+                <a:spcPct val="90000"/>
+              </a:lnSpc>
+              <a:spcBef>
+                <a:spcPts val="1000"/>
+              </a:spcBef>
+              <a:spcAft>
+                <a:spcPts val="0"/>
+              </a:spcAft>
+              <a:buClrTx/>
+              <a:buSzTx/>
+              <a:buFont typeface="Arial" panose="020B0604020202020204" pitchFamily="34" charset="0"/>
+              <a:buChar char="•"/>
+              <a:tabLst/>
+              <a:defRPr/>
+            </a:pPr>
+            <a:endParaRPr kumimoji="0" lang="en-US" sz="1800" b="0" i="0" u="none" strike="noStrike" kern="1200" cap="none" spc="0" normalizeH="0" baseline="0" noProof="0" dirty="0">
+              <a:ln>
+                <a:noFill/>
+              </a:ln>
+              <a:solidFill>
+                <a:srgbClr val="000000"/>
+              </a:solidFill>
+              <a:effectLst/>
+              <a:uLnTx/>
+              <a:uFillTx/>
+              <a:latin typeface="Tenorite"/>
+              <a:ea typeface="+mn-ea"/>
+              <a:cs typeface="+mn-cs"/>
+            </a:endParaRPr>
+          </a:p>
+          <a:p>
+            <a:pPr marL="228600" marR="0" lvl="0" indent="-228600" algn="l" defTabSz="914400" rtl="0" eaLnBrk="1" fontAlgn="auto" latinLnBrk="0" hangingPunct="1">
+              <a:lnSpc>
+                <a:spcPct val="90000"/>
+              </a:lnSpc>
+              <a:spcBef>
+                <a:spcPts val="1000"/>
+              </a:spcBef>
+              <a:spcAft>
+                <a:spcPts val="0"/>
+              </a:spcAft>
+              <a:buClrTx/>
+              <a:buSzTx/>
+              <a:buFont typeface="Arial" panose="020B0604020202020204" pitchFamily="34" charset="0"/>
+              <a:buChar char="•"/>
+              <a:tabLst/>
+              <a:defRPr/>
+            </a:pPr>
+            <a:r>
+              <a:rPr kumimoji="0" lang="en-US" sz="1800" b="0" i="0" u="none" strike="noStrike" kern="1200" cap="none" spc="0" normalizeH="0" baseline="0" noProof="0" dirty="0">
+                <a:ln>
+                  <a:noFill/>
+                </a:ln>
+                <a:solidFill>
+                  <a:srgbClr val="000000"/>
+                </a:solidFill>
+                <a:effectLst/>
+                <a:uLnTx/>
+                <a:uFillTx/>
+                <a:latin typeface="Tenorite"/>
+                <a:ea typeface="+mn-ea"/>
+                <a:cs typeface="+mn-cs"/>
+              </a:rPr>
+              <a:t>2020 Outlier for Production: TX</a:t>
+            </a:r>
+          </a:p>
+          <a:p>
+            <a:pPr marL="228600" marR="0" lvl="0" indent="-228600" algn="l" defTabSz="914400" rtl="0" eaLnBrk="1" fontAlgn="auto" latinLnBrk="0" hangingPunct="1">
+              <a:lnSpc>
+                <a:spcPct val="90000"/>
+              </a:lnSpc>
+              <a:spcBef>
+                <a:spcPts val="1000"/>
+              </a:spcBef>
+              <a:spcAft>
+                <a:spcPts val="0"/>
+              </a:spcAft>
+              <a:buClrTx/>
+              <a:buSzTx/>
+              <a:buFont typeface="Arial" panose="020B0604020202020204" pitchFamily="34" charset="0"/>
+              <a:buChar char="•"/>
+              <a:tabLst/>
+              <a:defRPr/>
+            </a:pPr>
+            <a:endParaRPr lang="en-US" sz="1800" dirty="0">
+              <a:solidFill>
+                <a:srgbClr val="000000"/>
+              </a:solidFill>
+              <a:latin typeface="Tenorite"/>
+            </a:endParaRPr>
+          </a:p>
+          <a:p>
+            <a:pPr marL="228600" marR="0" lvl="0" indent="-228600" algn="l" defTabSz="914400" rtl="0" eaLnBrk="1" fontAlgn="auto" latinLnBrk="0" hangingPunct="1">
+              <a:lnSpc>
+                <a:spcPct val="90000"/>
+              </a:lnSpc>
+              <a:spcBef>
+                <a:spcPts val="1000"/>
+              </a:spcBef>
+              <a:spcAft>
+                <a:spcPts val="0"/>
+              </a:spcAft>
+              <a:buClrTx/>
+              <a:buSzTx/>
+              <a:buFont typeface="Arial" panose="020B0604020202020204" pitchFamily="34" charset="0"/>
+              <a:buChar char="•"/>
+              <a:tabLst/>
+              <a:defRPr/>
+            </a:pPr>
+            <a:r>
+              <a:rPr kumimoji="0" lang="en-US" sz="1800" b="0" i="0" u="none" strike="noStrike" kern="1200" cap="none" spc="0" normalizeH="0" baseline="0" noProof="0" dirty="0">
+                <a:ln>
+                  <a:noFill/>
+                </a:ln>
+                <a:solidFill>
+                  <a:srgbClr val="000000"/>
+                </a:solidFill>
+                <a:effectLst/>
+                <a:uLnTx/>
+                <a:uFillTx/>
+                <a:latin typeface="Tenorite"/>
+                <a:ea typeface="+mn-ea"/>
+                <a:cs typeface="+mn-cs"/>
+              </a:rPr>
+              <a:t>Outliers for GDP per Capita Included: MA, NY &amp; WA</a:t>
             </a:r>
           </a:p>
         </p:txBody>
@@ -37435,7 +37617,7 @@
         </p:blipFill>
         <p:spPr>
           <a:xfrm>
-            <a:off x="570706" y="800729"/>
+            <a:off x="95218" y="852700"/>
             <a:ext cx="9193220" cy="5152599"/>
           </a:xfrm>
           <a:prstGeom prst="rect">
@@ -37823,8 +38005,8 @@
         </p:nvSpPr>
         <p:spPr>
           <a:xfrm>
-            <a:off x="9918607" y="1852783"/>
-            <a:ext cx="2273393" cy="2828613"/>
+            <a:off x="9822730" y="1621135"/>
+            <a:ext cx="2369270" cy="2828613"/>
           </a:xfrm>
           <a:prstGeom prst="rect">
             <a:avLst/>
@@ -37835,171 +38017,10 @@
             <a:normAutofit/>
           </a:bodyPr>
           <a:lstStyle>
-            <a:lvl1pPr marL="228600" indent="-228600" algn="l" defTabSz="914400" rtl="0" eaLnBrk="1" latinLnBrk="0" hangingPunct="1">
-              <a:lnSpc>
-                <a:spcPct val="90000"/>
-              </a:lnSpc>
-              <a:spcBef>
-                <a:spcPts val="1000"/>
-              </a:spcBef>
-              <a:buFont typeface="Arial" panose="020B0604020202020204" pitchFamily="34" charset="0"/>
-              <a:buChar char="•"/>
-              <a:defRPr sz="2800" kern="1200">
-                <a:solidFill>
-                  <a:schemeClr val="tx1"/>
-                </a:solidFill>
-                <a:latin typeface="+mn-lt"/>
-                <a:ea typeface="+mn-ea"/>
-                <a:cs typeface="+mn-cs"/>
-              </a:defRPr>
-            </a:lvl1pPr>
-            <a:lvl2pPr marL="685800" indent="-228600" algn="l" defTabSz="914400" rtl="0" eaLnBrk="1" latinLnBrk="0" hangingPunct="1">
-              <a:lnSpc>
-                <a:spcPct val="90000"/>
-              </a:lnSpc>
-              <a:spcBef>
-                <a:spcPts val="500"/>
-              </a:spcBef>
-              <a:buFont typeface="Arial" panose="020B0604020202020204" pitchFamily="34" charset="0"/>
-              <a:buChar char="•"/>
-              <a:defRPr sz="2400" kern="1200">
-                <a:solidFill>
-                  <a:schemeClr val="tx1"/>
-                </a:solidFill>
-                <a:latin typeface="+mn-lt"/>
-                <a:ea typeface="+mn-ea"/>
-                <a:cs typeface="+mn-cs"/>
-              </a:defRPr>
-            </a:lvl2pPr>
-            <a:lvl3pPr marL="1143000" indent="-228600" algn="l" defTabSz="914400" rtl="0" eaLnBrk="1" latinLnBrk="0" hangingPunct="1">
-              <a:lnSpc>
-                <a:spcPct val="90000"/>
-              </a:lnSpc>
-              <a:spcBef>
-                <a:spcPts val="500"/>
-              </a:spcBef>
-              <a:buFont typeface="Arial" panose="020B0604020202020204" pitchFamily="34" charset="0"/>
-              <a:buChar char="•"/>
-              <a:defRPr sz="2000" kern="1200">
-                <a:solidFill>
-                  <a:schemeClr val="tx1"/>
-                </a:solidFill>
-                <a:latin typeface="+mn-lt"/>
-                <a:ea typeface="+mn-ea"/>
-                <a:cs typeface="+mn-cs"/>
-              </a:defRPr>
-            </a:lvl3pPr>
-            <a:lvl4pPr marL="1600200" indent="-228600" algn="l" defTabSz="914400" rtl="0" eaLnBrk="1" latinLnBrk="0" hangingPunct="1">
-              <a:lnSpc>
-                <a:spcPct val="90000"/>
-              </a:lnSpc>
-              <a:spcBef>
-                <a:spcPts val="500"/>
-              </a:spcBef>
-              <a:buFont typeface="Arial" panose="020B0604020202020204" pitchFamily="34" charset="0"/>
-              <a:buChar char="•"/>
-              <a:defRPr sz="1800" kern="1200">
-                <a:solidFill>
-                  <a:schemeClr val="tx1"/>
-                </a:solidFill>
-                <a:latin typeface="+mn-lt"/>
-                <a:ea typeface="+mn-ea"/>
-                <a:cs typeface="+mn-cs"/>
-              </a:defRPr>
-            </a:lvl4pPr>
-            <a:lvl5pPr marL="2057400" indent="-228600" algn="l" defTabSz="914400" rtl="0" eaLnBrk="1" latinLnBrk="0" hangingPunct="1">
-              <a:lnSpc>
-                <a:spcPct val="90000"/>
-              </a:lnSpc>
-              <a:spcBef>
-                <a:spcPts val="500"/>
-              </a:spcBef>
-              <a:buFont typeface="Arial" panose="020B0604020202020204" pitchFamily="34" charset="0"/>
-              <a:buChar char="•"/>
-              <a:defRPr sz="1800" kern="1200">
-                <a:solidFill>
-                  <a:schemeClr val="tx1"/>
-                </a:solidFill>
-                <a:latin typeface="+mn-lt"/>
-                <a:ea typeface="+mn-ea"/>
-                <a:cs typeface="+mn-cs"/>
-              </a:defRPr>
-            </a:lvl5pPr>
-            <a:lvl6pPr marL="2514600" indent="-228600" algn="l" defTabSz="914400" rtl="0" eaLnBrk="1" latinLnBrk="0" hangingPunct="1">
-              <a:lnSpc>
-                <a:spcPct val="90000"/>
-              </a:lnSpc>
-              <a:spcBef>
-                <a:spcPts val="500"/>
-              </a:spcBef>
-              <a:buFont typeface="Arial" panose="020B0604020202020204" pitchFamily="34" charset="0"/>
-              <a:buChar char="•"/>
-              <a:defRPr sz="1800" kern="1200">
-                <a:solidFill>
-                  <a:schemeClr val="tx1"/>
-                </a:solidFill>
-                <a:latin typeface="+mn-lt"/>
-                <a:ea typeface="+mn-ea"/>
-                <a:cs typeface="+mn-cs"/>
-              </a:defRPr>
-            </a:lvl6pPr>
-            <a:lvl7pPr marL="2971800" indent="-228600" algn="l" defTabSz="914400" rtl="0" eaLnBrk="1" latinLnBrk="0" hangingPunct="1">
-              <a:lnSpc>
-                <a:spcPct val="90000"/>
-              </a:lnSpc>
-              <a:spcBef>
-                <a:spcPts val="500"/>
-              </a:spcBef>
-              <a:buFont typeface="Arial" panose="020B0604020202020204" pitchFamily="34" charset="0"/>
-              <a:buChar char="•"/>
-              <a:defRPr sz="1800" kern="1200">
-                <a:solidFill>
-                  <a:schemeClr val="tx1"/>
-                </a:solidFill>
-                <a:latin typeface="+mn-lt"/>
-                <a:ea typeface="+mn-ea"/>
-                <a:cs typeface="+mn-cs"/>
-              </a:defRPr>
-            </a:lvl7pPr>
-            <a:lvl8pPr marL="3429000" indent="-228600" algn="l" defTabSz="914400" rtl="0" eaLnBrk="1" latinLnBrk="0" hangingPunct="1">
-              <a:lnSpc>
-                <a:spcPct val="90000"/>
-              </a:lnSpc>
-              <a:spcBef>
-                <a:spcPts val="500"/>
-              </a:spcBef>
-              <a:buFont typeface="Arial" panose="020B0604020202020204" pitchFamily="34" charset="0"/>
-              <a:buChar char="•"/>
-              <a:defRPr sz="1800" kern="1200">
-                <a:solidFill>
-                  <a:schemeClr val="tx1"/>
-                </a:solidFill>
-                <a:latin typeface="+mn-lt"/>
-                <a:ea typeface="+mn-ea"/>
-                <a:cs typeface="+mn-cs"/>
-              </a:defRPr>
-            </a:lvl8pPr>
-            <a:lvl9pPr marL="3886200" indent="-228600" algn="l" defTabSz="914400" rtl="0" eaLnBrk="1" latinLnBrk="0" hangingPunct="1">
-              <a:lnSpc>
-                <a:spcPct val="90000"/>
-              </a:lnSpc>
-              <a:spcBef>
-                <a:spcPts val="500"/>
-              </a:spcBef>
-              <a:buFont typeface="Arial" panose="020B0604020202020204" pitchFamily="34" charset="0"/>
-              <a:buChar char="•"/>
-              <a:defRPr sz="1800" kern="1200">
-                <a:solidFill>
-                  <a:schemeClr val="tx1"/>
-                </a:solidFill>
-                <a:latin typeface="+mn-lt"/>
-                <a:ea typeface="+mn-ea"/>
-                <a:cs typeface="+mn-cs"/>
-              </a:defRPr>
-            </a:lvl9pPr>
-          </a:lstStyle>
-          <a:p>
-            <a:pPr marL="228600" marR="0" lvl="0" indent="-228600" algn="l" defTabSz="914400" rtl="0" eaLnBrk="1" fontAlgn="auto" latinLnBrk="0" hangingPunct="1">
+            <a:defPPr>
+              <a:defRPr lang="en-US"/>
+            </a:defPPr>
+            <a:lvl1pPr marL="228600" marR="0" lvl="0" indent="-228600" fontAlgn="auto">
               <a:lnSpc>
                 <a:spcPct val="90000"/>
               </a:lnSpc>
@@ -38014,59 +38035,105 @@
               <a:buFont typeface="Arial" panose="020B0604020202020204" pitchFamily="34" charset="0"/>
               <a:buChar char="•"/>
               <a:tabLst/>
-              <a:defRPr/>
-            </a:pPr>
+              <a:defRPr>
+                <a:solidFill>
+                  <a:srgbClr val="000000"/>
+                </a:solidFill>
+                <a:latin typeface="Tenorite"/>
+              </a:defRPr>
+            </a:lvl1pPr>
+            <a:lvl2pPr marL="685800" indent="-228600">
+              <a:lnSpc>
+                <a:spcPct val="90000"/>
+              </a:lnSpc>
+              <a:spcBef>
+                <a:spcPts val="500"/>
+              </a:spcBef>
+              <a:buFont typeface="Arial" panose="020B0604020202020204" pitchFamily="34" charset="0"/>
+              <a:buChar char="•"/>
+              <a:defRPr sz="2400"/>
+            </a:lvl2pPr>
+            <a:lvl3pPr marL="1143000" indent="-228600">
+              <a:lnSpc>
+                <a:spcPct val="90000"/>
+              </a:lnSpc>
+              <a:spcBef>
+                <a:spcPts val="500"/>
+              </a:spcBef>
+              <a:buFont typeface="Arial" panose="020B0604020202020204" pitchFamily="34" charset="0"/>
+              <a:buChar char="•"/>
+              <a:defRPr sz="2000"/>
+            </a:lvl3pPr>
+            <a:lvl4pPr marL="1600200" indent="-228600">
+              <a:lnSpc>
+                <a:spcPct val="90000"/>
+              </a:lnSpc>
+              <a:spcBef>
+                <a:spcPts val="500"/>
+              </a:spcBef>
+              <a:buFont typeface="Arial" panose="020B0604020202020204" pitchFamily="34" charset="0"/>
+              <a:buChar char="•"/>
+            </a:lvl4pPr>
+            <a:lvl5pPr marL="2057400" indent="-228600">
+              <a:lnSpc>
+                <a:spcPct val="90000"/>
+              </a:lnSpc>
+              <a:spcBef>
+                <a:spcPts val="500"/>
+              </a:spcBef>
+              <a:buFont typeface="Arial" panose="020B0604020202020204" pitchFamily="34" charset="0"/>
+              <a:buChar char="•"/>
+            </a:lvl5pPr>
+            <a:lvl6pPr marL="2514600" indent="-228600">
+              <a:lnSpc>
+                <a:spcPct val="90000"/>
+              </a:lnSpc>
+              <a:spcBef>
+                <a:spcPts val="500"/>
+              </a:spcBef>
+              <a:buFont typeface="Arial" panose="020B0604020202020204" pitchFamily="34" charset="0"/>
+              <a:buChar char="•"/>
+            </a:lvl6pPr>
+            <a:lvl7pPr marL="2971800" indent="-228600">
+              <a:lnSpc>
+                <a:spcPct val="90000"/>
+              </a:lnSpc>
+              <a:spcBef>
+                <a:spcPts val="500"/>
+              </a:spcBef>
+              <a:buFont typeface="Arial" panose="020B0604020202020204" pitchFamily="34" charset="0"/>
+              <a:buChar char="•"/>
+            </a:lvl7pPr>
+            <a:lvl8pPr marL="3429000" indent="-228600">
+              <a:lnSpc>
+                <a:spcPct val="90000"/>
+              </a:lnSpc>
+              <a:spcBef>
+                <a:spcPts val="500"/>
+              </a:spcBef>
+              <a:buFont typeface="Arial" panose="020B0604020202020204" pitchFamily="34" charset="0"/>
+              <a:buChar char="•"/>
+            </a:lvl8pPr>
+            <a:lvl9pPr marL="3886200" indent="-228600">
+              <a:lnSpc>
+                <a:spcPct val="90000"/>
+              </a:lnSpc>
+              <a:spcBef>
+                <a:spcPts val="500"/>
+              </a:spcBef>
+              <a:buFont typeface="Arial" panose="020B0604020202020204" pitchFamily="34" charset="0"/>
+              <a:buChar char="•"/>
+            </a:lvl9pPr>
+          </a:lstStyle>
+          <a:p>
             <a:r>
-              <a:rPr kumimoji="0" lang="en-US" sz="2800" b="0" i="0" u="none" strike="noStrike" kern="1200" cap="none" spc="0" normalizeH="0" baseline="0" noProof="0" dirty="0">
-                <a:ln>
-                  <a:noFill/>
-                </a:ln>
-                <a:solidFill>
-                  <a:srgbClr val="000000"/>
-                </a:solidFill>
-                <a:effectLst/>
-                <a:uLnTx/>
-                <a:uFillTx/>
-                <a:latin typeface="Tenorite"/>
-                <a:ea typeface="+mn-ea"/>
-                <a:cs typeface="+mn-cs"/>
-              </a:rPr>
+              <a:rPr lang="en-US" dirty="0"/>
               <a:t>XXXX</a:t>
             </a:r>
           </a:p>
           <a:p>
-            <a:pPr marL="228600" marR="0" lvl="0" indent="-228600" algn="l" defTabSz="914400" rtl="0" eaLnBrk="1" fontAlgn="auto" latinLnBrk="0" hangingPunct="1">
-              <a:lnSpc>
-                <a:spcPct val="90000"/>
-              </a:lnSpc>
-              <a:spcBef>
-                <a:spcPts val="1000"/>
-              </a:spcBef>
-              <a:spcAft>
-                <a:spcPts val="0"/>
-              </a:spcAft>
-              <a:buClrTx/>
-              <a:buSzTx/>
-              <a:buFont typeface="Arial" panose="020B0604020202020204" pitchFamily="34" charset="0"/>
-              <a:buChar char="•"/>
-              <a:tabLst/>
-              <a:defRPr/>
-            </a:pPr>
             <a:r>
-              <a:rPr kumimoji="0" lang="en-US" sz="2800" b="0" i="0" u="none" strike="noStrike" kern="1200" cap="none" spc="0" normalizeH="0" baseline="0" noProof="0" dirty="0">
-                <a:ln>
-                  <a:noFill/>
-                </a:ln>
-                <a:solidFill>
-                  <a:srgbClr val="000000"/>
-                </a:solidFill>
-                <a:effectLst/>
-                <a:uLnTx/>
-                <a:uFillTx/>
-                <a:latin typeface="Tenorite"/>
-                <a:ea typeface="+mn-ea"/>
-                <a:cs typeface="+mn-cs"/>
-              </a:rPr>
+              <a:rPr lang="en-US" dirty="0"/>
               <a:t>XXXX</a:t>
             </a:r>
           </a:p>
@@ -38494,171 +38561,10 @@
             <a:normAutofit/>
           </a:bodyPr>
           <a:lstStyle>
-            <a:lvl1pPr marL="228600" indent="-228600" algn="l" defTabSz="914400" rtl="0" eaLnBrk="1" latinLnBrk="0" hangingPunct="1">
-              <a:lnSpc>
-                <a:spcPct val="90000"/>
-              </a:lnSpc>
-              <a:spcBef>
-                <a:spcPts val="1000"/>
-              </a:spcBef>
-              <a:buFont typeface="Arial" panose="020B0604020202020204" pitchFamily="34" charset="0"/>
-              <a:buChar char="•"/>
-              <a:defRPr sz="2800" kern="1200">
-                <a:solidFill>
-                  <a:schemeClr val="tx1"/>
-                </a:solidFill>
-                <a:latin typeface="+mn-lt"/>
-                <a:ea typeface="+mn-ea"/>
-                <a:cs typeface="+mn-cs"/>
-              </a:defRPr>
-            </a:lvl1pPr>
-            <a:lvl2pPr marL="685800" indent="-228600" algn="l" defTabSz="914400" rtl="0" eaLnBrk="1" latinLnBrk="0" hangingPunct="1">
-              <a:lnSpc>
-                <a:spcPct val="90000"/>
-              </a:lnSpc>
-              <a:spcBef>
-                <a:spcPts val="500"/>
-              </a:spcBef>
-              <a:buFont typeface="Arial" panose="020B0604020202020204" pitchFamily="34" charset="0"/>
-              <a:buChar char="•"/>
-              <a:defRPr sz="2400" kern="1200">
-                <a:solidFill>
-                  <a:schemeClr val="tx1"/>
-                </a:solidFill>
-                <a:latin typeface="+mn-lt"/>
-                <a:ea typeface="+mn-ea"/>
-                <a:cs typeface="+mn-cs"/>
-              </a:defRPr>
-            </a:lvl2pPr>
-            <a:lvl3pPr marL="1143000" indent="-228600" algn="l" defTabSz="914400" rtl="0" eaLnBrk="1" latinLnBrk="0" hangingPunct="1">
-              <a:lnSpc>
-                <a:spcPct val="90000"/>
-              </a:lnSpc>
-              <a:spcBef>
-                <a:spcPts val="500"/>
-              </a:spcBef>
-              <a:buFont typeface="Arial" panose="020B0604020202020204" pitchFamily="34" charset="0"/>
-              <a:buChar char="•"/>
-              <a:defRPr sz="2000" kern="1200">
-                <a:solidFill>
-                  <a:schemeClr val="tx1"/>
-                </a:solidFill>
-                <a:latin typeface="+mn-lt"/>
-                <a:ea typeface="+mn-ea"/>
-                <a:cs typeface="+mn-cs"/>
-              </a:defRPr>
-            </a:lvl3pPr>
-            <a:lvl4pPr marL="1600200" indent="-228600" algn="l" defTabSz="914400" rtl="0" eaLnBrk="1" latinLnBrk="0" hangingPunct="1">
-              <a:lnSpc>
-                <a:spcPct val="90000"/>
-              </a:lnSpc>
-              <a:spcBef>
-                <a:spcPts val="500"/>
-              </a:spcBef>
-              <a:buFont typeface="Arial" panose="020B0604020202020204" pitchFamily="34" charset="0"/>
-              <a:buChar char="•"/>
-              <a:defRPr sz="1800" kern="1200">
-                <a:solidFill>
-                  <a:schemeClr val="tx1"/>
-                </a:solidFill>
-                <a:latin typeface="+mn-lt"/>
-                <a:ea typeface="+mn-ea"/>
-                <a:cs typeface="+mn-cs"/>
-              </a:defRPr>
-            </a:lvl4pPr>
-            <a:lvl5pPr marL="2057400" indent="-228600" algn="l" defTabSz="914400" rtl="0" eaLnBrk="1" latinLnBrk="0" hangingPunct="1">
-              <a:lnSpc>
-                <a:spcPct val="90000"/>
-              </a:lnSpc>
-              <a:spcBef>
-                <a:spcPts val="500"/>
-              </a:spcBef>
-              <a:buFont typeface="Arial" panose="020B0604020202020204" pitchFamily="34" charset="0"/>
-              <a:buChar char="•"/>
-              <a:defRPr sz="1800" kern="1200">
-                <a:solidFill>
-                  <a:schemeClr val="tx1"/>
-                </a:solidFill>
-                <a:latin typeface="+mn-lt"/>
-                <a:ea typeface="+mn-ea"/>
-                <a:cs typeface="+mn-cs"/>
-              </a:defRPr>
-            </a:lvl5pPr>
-            <a:lvl6pPr marL="2514600" indent="-228600" algn="l" defTabSz="914400" rtl="0" eaLnBrk="1" latinLnBrk="0" hangingPunct="1">
-              <a:lnSpc>
-                <a:spcPct val="90000"/>
-              </a:lnSpc>
-              <a:spcBef>
-                <a:spcPts val="500"/>
-              </a:spcBef>
-              <a:buFont typeface="Arial" panose="020B0604020202020204" pitchFamily="34" charset="0"/>
-              <a:buChar char="•"/>
-              <a:defRPr sz="1800" kern="1200">
-                <a:solidFill>
-                  <a:schemeClr val="tx1"/>
-                </a:solidFill>
-                <a:latin typeface="+mn-lt"/>
-                <a:ea typeface="+mn-ea"/>
-                <a:cs typeface="+mn-cs"/>
-              </a:defRPr>
-            </a:lvl6pPr>
-            <a:lvl7pPr marL="2971800" indent="-228600" algn="l" defTabSz="914400" rtl="0" eaLnBrk="1" latinLnBrk="0" hangingPunct="1">
-              <a:lnSpc>
-                <a:spcPct val="90000"/>
-              </a:lnSpc>
-              <a:spcBef>
-                <a:spcPts val="500"/>
-              </a:spcBef>
-              <a:buFont typeface="Arial" panose="020B0604020202020204" pitchFamily="34" charset="0"/>
-              <a:buChar char="•"/>
-              <a:defRPr sz="1800" kern="1200">
-                <a:solidFill>
-                  <a:schemeClr val="tx1"/>
-                </a:solidFill>
-                <a:latin typeface="+mn-lt"/>
-                <a:ea typeface="+mn-ea"/>
-                <a:cs typeface="+mn-cs"/>
-              </a:defRPr>
-            </a:lvl7pPr>
-            <a:lvl8pPr marL="3429000" indent="-228600" algn="l" defTabSz="914400" rtl="0" eaLnBrk="1" latinLnBrk="0" hangingPunct="1">
-              <a:lnSpc>
-                <a:spcPct val="90000"/>
-              </a:lnSpc>
-              <a:spcBef>
-                <a:spcPts val="500"/>
-              </a:spcBef>
-              <a:buFont typeface="Arial" panose="020B0604020202020204" pitchFamily="34" charset="0"/>
-              <a:buChar char="•"/>
-              <a:defRPr sz="1800" kern="1200">
-                <a:solidFill>
-                  <a:schemeClr val="tx1"/>
-                </a:solidFill>
-                <a:latin typeface="+mn-lt"/>
-                <a:ea typeface="+mn-ea"/>
-                <a:cs typeface="+mn-cs"/>
-              </a:defRPr>
-            </a:lvl8pPr>
-            <a:lvl9pPr marL="3886200" indent="-228600" algn="l" defTabSz="914400" rtl="0" eaLnBrk="1" latinLnBrk="0" hangingPunct="1">
-              <a:lnSpc>
-                <a:spcPct val="90000"/>
-              </a:lnSpc>
-              <a:spcBef>
-                <a:spcPts val="500"/>
-              </a:spcBef>
-              <a:buFont typeface="Arial" panose="020B0604020202020204" pitchFamily="34" charset="0"/>
-              <a:buChar char="•"/>
-              <a:defRPr sz="1800" kern="1200">
-                <a:solidFill>
-                  <a:schemeClr val="tx1"/>
-                </a:solidFill>
-                <a:latin typeface="+mn-lt"/>
-                <a:ea typeface="+mn-ea"/>
-                <a:cs typeface="+mn-cs"/>
-              </a:defRPr>
-            </a:lvl9pPr>
-          </a:lstStyle>
-          <a:p>
-            <a:pPr marL="228600" marR="0" lvl="0" indent="-228600" algn="l" defTabSz="914400" rtl="0" eaLnBrk="1" fontAlgn="auto" latinLnBrk="0" hangingPunct="1">
+            <a:defPPr>
+              <a:defRPr lang="en-US"/>
+            </a:defPPr>
+            <a:lvl1pPr marL="228600" marR="0" lvl="0" indent="-228600" fontAlgn="auto">
               <a:lnSpc>
                 <a:spcPct val="90000"/>
               </a:lnSpc>
@@ -38673,59 +38579,105 @@
               <a:buFont typeface="Arial" panose="020B0604020202020204" pitchFamily="34" charset="0"/>
               <a:buChar char="•"/>
               <a:tabLst/>
-              <a:defRPr/>
-            </a:pPr>
+              <a:defRPr>
+                <a:solidFill>
+                  <a:srgbClr val="000000"/>
+                </a:solidFill>
+                <a:latin typeface="Tenorite"/>
+              </a:defRPr>
+            </a:lvl1pPr>
+            <a:lvl2pPr marL="685800" indent="-228600">
+              <a:lnSpc>
+                <a:spcPct val="90000"/>
+              </a:lnSpc>
+              <a:spcBef>
+                <a:spcPts val="500"/>
+              </a:spcBef>
+              <a:buFont typeface="Arial" panose="020B0604020202020204" pitchFamily="34" charset="0"/>
+              <a:buChar char="•"/>
+              <a:defRPr sz="2400"/>
+            </a:lvl2pPr>
+            <a:lvl3pPr marL="1143000" indent="-228600">
+              <a:lnSpc>
+                <a:spcPct val="90000"/>
+              </a:lnSpc>
+              <a:spcBef>
+                <a:spcPts val="500"/>
+              </a:spcBef>
+              <a:buFont typeface="Arial" panose="020B0604020202020204" pitchFamily="34" charset="0"/>
+              <a:buChar char="•"/>
+              <a:defRPr sz="2000"/>
+            </a:lvl3pPr>
+            <a:lvl4pPr marL="1600200" indent="-228600">
+              <a:lnSpc>
+                <a:spcPct val="90000"/>
+              </a:lnSpc>
+              <a:spcBef>
+                <a:spcPts val="500"/>
+              </a:spcBef>
+              <a:buFont typeface="Arial" panose="020B0604020202020204" pitchFamily="34" charset="0"/>
+              <a:buChar char="•"/>
+            </a:lvl4pPr>
+            <a:lvl5pPr marL="2057400" indent="-228600">
+              <a:lnSpc>
+                <a:spcPct val="90000"/>
+              </a:lnSpc>
+              <a:spcBef>
+                <a:spcPts val="500"/>
+              </a:spcBef>
+              <a:buFont typeface="Arial" panose="020B0604020202020204" pitchFamily="34" charset="0"/>
+              <a:buChar char="•"/>
+            </a:lvl5pPr>
+            <a:lvl6pPr marL="2514600" indent="-228600">
+              <a:lnSpc>
+                <a:spcPct val="90000"/>
+              </a:lnSpc>
+              <a:spcBef>
+                <a:spcPts val="500"/>
+              </a:spcBef>
+              <a:buFont typeface="Arial" panose="020B0604020202020204" pitchFamily="34" charset="0"/>
+              <a:buChar char="•"/>
+            </a:lvl6pPr>
+            <a:lvl7pPr marL="2971800" indent="-228600">
+              <a:lnSpc>
+                <a:spcPct val="90000"/>
+              </a:lnSpc>
+              <a:spcBef>
+                <a:spcPts val="500"/>
+              </a:spcBef>
+              <a:buFont typeface="Arial" panose="020B0604020202020204" pitchFamily="34" charset="0"/>
+              <a:buChar char="•"/>
+            </a:lvl7pPr>
+            <a:lvl8pPr marL="3429000" indent="-228600">
+              <a:lnSpc>
+                <a:spcPct val="90000"/>
+              </a:lnSpc>
+              <a:spcBef>
+                <a:spcPts val="500"/>
+              </a:spcBef>
+              <a:buFont typeface="Arial" panose="020B0604020202020204" pitchFamily="34" charset="0"/>
+              <a:buChar char="•"/>
+            </a:lvl8pPr>
+            <a:lvl9pPr marL="3886200" indent="-228600">
+              <a:lnSpc>
+                <a:spcPct val="90000"/>
+              </a:lnSpc>
+              <a:spcBef>
+                <a:spcPts val="500"/>
+              </a:spcBef>
+              <a:buFont typeface="Arial" panose="020B0604020202020204" pitchFamily="34" charset="0"/>
+              <a:buChar char="•"/>
+            </a:lvl9pPr>
+          </a:lstStyle>
+          <a:p>
             <a:r>
-              <a:rPr kumimoji="0" lang="en-US" sz="2800" b="0" i="0" u="none" strike="noStrike" kern="1200" cap="none" spc="0" normalizeH="0" baseline="0" noProof="0" dirty="0">
-                <a:ln>
-                  <a:noFill/>
-                </a:ln>
-                <a:solidFill>
-                  <a:srgbClr val="000000"/>
-                </a:solidFill>
-                <a:effectLst/>
-                <a:uLnTx/>
-                <a:uFillTx/>
-                <a:latin typeface="Tenorite"/>
-                <a:ea typeface="+mn-ea"/>
-                <a:cs typeface="+mn-cs"/>
-              </a:rPr>
+              <a:rPr lang="en-US" dirty="0"/>
               <a:t>XXXX</a:t>
             </a:r>
           </a:p>
           <a:p>
-            <a:pPr marL="228600" marR="0" lvl="0" indent="-228600" algn="l" defTabSz="914400" rtl="0" eaLnBrk="1" fontAlgn="auto" latinLnBrk="0" hangingPunct="1">
-              <a:lnSpc>
-                <a:spcPct val="90000"/>
-              </a:lnSpc>
-              <a:spcBef>
-                <a:spcPts val="1000"/>
-              </a:spcBef>
-              <a:spcAft>
-                <a:spcPts val="0"/>
-              </a:spcAft>
-              <a:buClrTx/>
-              <a:buSzTx/>
-              <a:buFont typeface="Arial" panose="020B0604020202020204" pitchFamily="34" charset="0"/>
-              <a:buChar char="•"/>
-              <a:tabLst/>
-              <a:defRPr/>
-            </a:pPr>
             <a:r>
-              <a:rPr kumimoji="0" lang="en-US" sz="2800" b="0" i="0" u="none" strike="noStrike" kern="1200" cap="none" spc="0" normalizeH="0" baseline="0" noProof="0" dirty="0">
-                <a:ln>
-                  <a:noFill/>
-                </a:ln>
-                <a:solidFill>
-                  <a:srgbClr val="000000"/>
-                </a:solidFill>
-                <a:effectLst/>
-                <a:uLnTx/>
-                <a:uFillTx/>
-                <a:latin typeface="Tenorite"/>
-                <a:ea typeface="+mn-ea"/>
-                <a:cs typeface="+mn-cs"/>
-              </a:rPr>
+              <a:rPr lang="en-US" dirty="0"/>
               <a:t>XXXX</a:t>
             </a:r>
           </a:p>
@@ -39153,171 +39105,10 @@
             <a:normAutofit/>
           </a:bodyPr>
           <a:lstStyle>
-            <a:lvl1pPr marL="228600" indent="-228600" algn="l" defTabSz="914400" rtl="0" eaLnBrk="1" latinLnBrk="0" hangingPunct="1">
-              <a:lnSpc>
-                <a:spcPct val="90000"/>
-              </a:lnSpc>
-              <a:spcBef>
-                <a:spcPts val="1000"/>
-              </a:spcBef>
-              <a:buFont typeface="Arial" panose="020B0604020202020204" pitchFamily="34" charset="0"/>
-              <a:buChar char="•"/>
-              <a:defRPr sz="2800" kern="1200">
-                <a:solidFill>
-                  <a:schemeClr val="tx1"/>
-                </a:solidFill>
-                <a:latin typeface="+mn-lt"/>
-                <a:ea typeface="+mn-ea"/>
-                <a:cs typeface="+mn-cs"/>
-              </a:defRPr>
-            </a:lvl1pPr>
-            <a:lvl2pPr marL="685800" indent="-228600" algn="l" defTabSz="914400" rtl="0" eaLnBrk="1" latinLnBrk="0" hangingPunct="1">
-              <a:lnSpc>
-                <a:spcPct val="90000"/>
-              </a:lnSpc>
-              <a:spcBef>
-                <a:spcPts val="500"/>
-              </a:spcBef>
-              <a:buFont typeface="Arial" panose="020B0604020202020204" pitchFamily="34" charset="0"/>
-              <a:buChar char="•"/>
-              <a:defRPr sz="2400" kern="1200">
-                <a:solidFill>
-                  <a:schemeClr val="tx1"/>
-                </a:solidFill>
-                <a:latin typeface="+mn-lt"/>
-                <a:ea typeface="+mn-ea"/>
-                <a:cs typeface="+mn-cs"/>
-              </a:defRPr>
-            </a:lvl2pPr>
-            <a:lvl3pPr marL="1143000" indent="-228600" algn="l" defTabSz="914400" rtl="0" eaLnBrk="1" latinLnBrk="0" hangingPunct="1">
-              <a:lnSpc>
-                <a:spcPct val="90000"/>
-              </a:lnSpc>
-              <a:spcBef>
-                <a:spcPts val="500"/>
-              </a:spcBef>
-              <a:buFont typeface="Arial" panose="020B0604020202020204" pitchFamily="34" charset="0"/>
-              <a:buChar char="•"/>
-              <a:defRPr sz="2000" kern="1200">
-                <a:solidFill>
-                  <a:schemeClr val="tx1"/>
-                </a:solidFill>
-                <a:latin typeface="+mn-lt"/>
-                <a:ea typeface="+mn-ea"/>
-                <a:cs typeface="+mn-cs"/>
-              </a:defRPr>
-            </a:lvl3pPr>
-            <a:lvl4pPr marL="1600200" indent="-228600" algn="l" defTabSz="914400" rtl="0" eaLnBrk="1" latinLnBrk="0" hangingPunct="1">
-              <a:lnSpc>
-                <a:spcPct val="90000"/>
-              </a:lnSpc>
-              <a:spcBef>
-                <a:spcPts val="500"/>
-              </a:spcBef>
-              <a:buFont typeface="Arial" panose="020B0604020202020204" pitchFamily="34" charset="0"/>
-              <a:buChar char="•"/>
-              <a:defRPr sz="1800" kern="1200">
-                <a:solidFill>
-                  <a:schemeClr val="tx1"/>
-                </a:solidFill>
-                <a:latin typeface="+mn-lt"/>
-                <a:ea typeface="+mn-ea"/>
-                <a:cs typeface="+mn-cs"/>
-              </a:defRPr>
-            </a:lvl4pPr>
-            <a:lvl5pPr marL="2057400" indent="-228600" algn="l" defTabSz="914400" rtl="0" eaLnBrk="1" latinLnBrk="0" hangingPunct="1">
-              <a:lnSpc>
-                <a:spcPct val="90000"/>
-              </a:lnSpc>
-              <a:spcBef>
-                <a:spcPts val="500"/>
-              </a:spcBef>
-              <a:buFont typeface="Arial" panose="020B0604020202020204" pitchFamily="34" charset="0"/>
-              <a:buChar char="•"/>
-              <a:defRPr sz="1800" kern="1200">
-                <a:solidFill>
-                  <a:schemeClr val="tx1"/>
-                </a:solidFill>
-                <a:latin typeface="+mn-lt"/>
-                <a:ea typeface="+mn-ea"/>
-                <a:cs typeface="+mn-cs"/>
-              </a:defRPr>
-            </a:lvl5pPr>
-            <a:lvl6pPr marL="2514600" indent="-228600" algn="l" defTabSz="914400" rtl="0" eaLnBrk="1" latinLnBrk="0" hangingPunct="1">
-              <a:lnSpc>
-                <a:spcPct val="90000"/>
-              </a:lnSpc>
-              <a:spcBef>
-                <a:spcPts val="500"/>
-              </a:spcBef>
-              <a:buFont typeface="Arial" panose="020B0604020202020204" pitchFamily="34" charset="0"/>
-              <a:buChar char="•"/>
-              <a:defRPr sz="1800" kern="1200">
-                <a:solidFill>
-                  <a:schemeClr val="tx1"/>
-                </a:solidFill>
-                <a:latin typeface="+mn-lt"/>
-                <a:ea typeface="+mn-ea"/>
-                <a:cs typeface="+mn-cs"/>
-              </a:defRPr>
-            </a:lvl6pPr>
-            <a:lvl7pPr marL="2971800" indent="-228600" algn="l" defTabSz="914400" rtl="0" eaLnBrk="1" latinLnBrk="0" hangingPunct="1">
-              <a:lnSpc>
-                <a:spcPct val="90000"/>
-              </a:lnSpc>
-              <a:spcBef>
-                <a:spcPts val="500"/>
-              </a:spcBef>
-              <a:buFont typeface="Arial" panose="020B0604020202020204" pitchFamily="34" charset="0"/>
-              <a:buChar char="•"/>
-              <a:defRPr sz="1800" kern="1200">
-                <a:solidFill>
-                  <a:schemeClr val="tx1"/>
-                </a:solidFill>
-                <a:latin typeface="+mn-lt"/>
-                <a:ea typeface="+mn-ea"/>
-                <a:cs typeface="+mn-cs"/>
-              </a:defRPr>
-            </a:lvl7pPr>
-            <a:lvl8pPr marL="3429000" indent="-228600" algn="l" defTabSz="914400" rtl="0" eaLnBrk="1" latinLnBrk="0" hangingPunct="1">
-              <a:lnSpc>
-                <a:spcPct val="90000"/>
-              </a:lnSpc>
-              <a:spcBef>
-                <a:spcPts val="500"/>
-              </a:spcBef>
-              <a:buFont typeface="Arial" panose="020B0604020202020204" pitchFamily="34" charset="0"/>
-              <a:buChar char="•"/>
-              <a:defRPr sz="1800" kern="1200">
-                <a:solidFill>
-                  <a:schemeClr val="tx1"/>
-                </a:solidFill>
-                <a:latin typeface="+mn-lt"/>
-                <a:ea typeface="+mn-ea"/>
-                <a:cs typeface="+mn-cs"/>
-              </a:defRPr>
-            </a:lvl8pPr>
-            <a:lvl9pPr marL="3886200" indent="-228600" algn="l" defTabSz="914400" rtl="0" eaLnBrk="1" latinLnBrk="0" hangingPunct="1">
-              <a:lnSpc>
-                <a:spcPct val="90000"/>
-              </a:lnSpc>
-              <a:spcBef>
-                <a:spcPts val="500"/>
-              </a:spcBef>
-              <a:buFont typeface="Arial" panose="020B0604020202020204" pitchFamily="34" charset="0"/>
-              <a:buChar char="•"/>
-              <a:defRPr sz="1800" kern="1200">
-                <a:solidFill>
-                  <a:schemeClr val="tx1"/>
-                </a:solidFill>
-                <a:latin typeface="+mn-lt"/>
-                <a:ea typeface="+mn-ea"/>
-                <a:cs typeface="+mn-cs"/>
-              </a:defRPr>
-            </a:lvl9pPr>
-          </a:lstStyle>
-          <a:p>
-            <a:pPr marL="228600" marR="0" lvl="0" indent="-228600" algn="l" defTabSz="914400" rtl="0" eaLnBrk="1" fontAlgn="auto" latinLnBrk="0" hangingPunct="1">
+            <a:defPPr>
+              <a:defRPr lang="en-US"/>
+            </a:defPPr>
+            <a:lvl1pPr marL="228600" marR="0" lvl="0" indent="-228600" fontAlgn="auto">
               <a:lnSpc>
                 <a:spcPct val="90000"/>
               </a:lnSpc>
@@ -39332,59 +39123,105 @@
               <a:buFont typeface="Arial" panose="020B0604020202020204" pitchFamily="34" charset="0"/>
               <a:buChar char="•"/>
               <a:tabLst/>
-              <a:defRPr/>
-            </a:pPr>
+              <a:defRPr>
+                <a:solidFill>
+                  <a:srgbClr val="000000"/>
+                </a:solidFill>
+                <a:latin typeface="Tenorite"/>
+              </a:defRPr>
+            </a:lvl1pPr>
+            <a:lvl2pPr marL="685800" indent="-228600">
+              <a:lnSpc>
+                <a:spcPct val="90000"/>
+              </a:lnSpc>
+              <a:spcBef>
+                <a:spcPts val="500"/>
+              </a:spcBef>
+              <a:buFont typeface="Arial" panose="020B0604020202020204" pitchFamily="34" charset="0"/>
+              <a:buChar char="•"/>
+              <a:defRPr sz="2400"/>
+            </a:lvl2pPr>
+            <a:lvl3pPr marL="1143000" indent="-228600">
+              <a:lnSpc>
+                <a:spcPct val="90000"/>
+              </a:lnSpc>
+              <a:spcBef>
+                <a:spcPts val="500"/>
+              </a:spcBef>
+              <a:buFont typeface="Arial" panose="020B0604020202020204" pitchFamily="34" charset="0"/>
+              <a:buChar char="•"/>
+              <a:defRPr sz="2000"/>
+            </a:lvl3pPr>
+            <a:lvl4pPr marL="1600200" indent="-228600">
+              <a:lnSpc>
+                <a:spcPct val="90000"/>
+              </a:lnSpc>
+              <a:spcBef>
+                <a:spcPts val="500"/>
+              </a:spcBef>
+              <a:buFont typeface="Arial" panose="020B0604020202020204" pitchFamily="34" charset="0"/>
+              <a:buChar char="•"/>
+            </a:lvl4pPr>
+            <a:lvl5pPr marL="2057400" indent="-228600">
+              <a:lnSpc>
+                <a:spcPct val="90000"/>
+              </a:lnSpc>
+              <a:spcBef>
+                <a:spcPts val="500"/>
+              </a:spcBef>
+              <a:buFont typeface="Arial" panose="020B0604020202020204" pitchFamily="34" charset="0"/>
+              <a:buChar char="•"/>
+            </a:lvl5pPr>
+            <a:lvl6pPr marL="2514600" indent="-228600">
+              <a:lnSpc>
+                <a:spcPct val="90000"/>
+              </a:lnSpc>
+              <a:spcBef>
+                <a:spcPts val="500"/>
+              </a:spcBef>
+              <a:buFont typeface="Arial" panose="020B0604020202020204" pitchFamily="34" charset="0"/>
+              <a:buChar char="•"/>
+            </a:lvl6pPr>
+            <a:lvl7pPr marL="2971800" indent="-228600">
+              <a:lnSpc>
+                <a:spcPct val="90000"/>
+              </a:lnSpc>
+              <a:spcBef>
+                <a:spcPts val="500"/>
+              </a:spcBef>
+              <a:buFont typeface="Arial" panose="020B0604020202020204" pitchFamily="34" charset="0"/>
+              <a:buChar char="•"/>
+            </a:lvl7pPr>
+            <a:lvl8pPr marL="3429000" indent="-228600">
+              <a:lnSpc>
+                <a:spcPct val="90000"/>
+              </a:lnSpc>
+              <a:spcBef>
+                <a:spcPts val="500"/>
+              </a:spcBef>
+              <a:buFont typeface="Arial" panose="020B0604020202020204" pitchFamily="34" charset="0"/>
+              <a:buChar char="•"/>
+            </a:lvl8pPr>
+            <a:lvl9pPr marL="3886200" indent="-228600">
+              <a:lnSpc>
+                <a:spcPct val="90000"/>
+              </a:lnSpc>
+              <a:spcBef>
+                <a:spcPts val="500"/>
+              </a:spcBef>
+              <a:buFont typeface="Arial" panose="020B0604020202020204" pitchFamily="34" charset="0"/>
+              <a:buChar char="•"/>
+            </a:lvl9pPr>
+          </a:lstStyle>
+          <a:p>
             <a:r>
-              <a:rPr kumimoji="0" lang="en-US" sz="2800" b="0" i="0" u="none" strike="noStrike" kern="1200" cap="none" spc="0" normalizeH="0" baseline="0" noProof="0" dirty="0">
-                <a:ln>
-                  <a:noFill/>
-                </a:ln>
-                <a:solidFill>
-                  <a:srgbClr val="000000"/>
-                </a:solidFill>
-                <a:effectLst/>
-                <a:uLnTx/>
-                <a:uFillTx/>
-                <a:latin typeface="Tenorite"/>
-                <a:ea typeface="+mn-ea"/>
-                <a:cs typeface="+mn-cs"/>
-              </a:rPr>
+              <a:rPr lang="en-US" dirty="0"/>
               <a:t>XXXX</a:t>
             </a:r>
           </a:p>
           <a:p>
-            <a:pPr marL="228600" marR="0" lvl="0" indent="-228600" algn="l" defTabSz="914400" rtl="0" eaLnBrk="1" fontAlgn="auto" latinLnBrk="0" hangingPunct="1">
-              <a:lnSpc>
-                <a:spcPct val="90000"/>
-              </a:lnSpc>
-              <a:spcBef>
-                <a:spcPts val="1000"/>
-              </a:spcBef>
-              <a:spcAft>
-                <a:spcPts val="0"/>
-              </a:spcAft>
-              <a:buClrTx/>
-              <a:buSzTx/>
-              <a:buFont typeface="Arial" panose="020B0604020202020204" pitchFamily="34" charset="0"/>
-              <a:buChar char="•"/>
-              <a:tabLst/>
-              <a:defRPr/>
-            </a:pPr>
             <a:r>
-              <a:rPr kumimoji="0" lang="en-US" sz="2800" b="0" i="0" u="none" strike="noStrike" kern="1200" cap="none" spc="0" normalizeH="0" baseline="0" noProof="0" dirty="0">
-                <a:ln>
-                  <a:noFill/>
-                </a:ln>
-                <a:solidFill>
-                  <a:srgbClr val="000000"/>
-                </a:solidFill>
-                <a:effectLst/>
-                <a:uLnTx/>
-                <a:uFillTx/>
-                <a:latin typeface="Tenorite"/>
-                <a:ea typeface="+mn-ea"/>
-                <a:cs typeface="+mn-cs"/>
-              </a:rPr>
+              <a:rPr lang="en-US" dirty="0"/>
               <a:t>XXXX</a:t>
             </a:r>
           </a:p>
@@ -40884,25 +40721,6 @@
 </file>
 
 <file path=customXml/item1.xml><?xml version="1.0" encoding="utf-8"?>
-<p:properties xmlns:p="http://schemas.microsoft.com/office/2006/metadata/properties" xmlns:xsi="http://www.w3.org/2001/XMLSchema-instance" xmlns:pc="http://schemas.microsoft.com/office/infopath/2007/PartnerControls">
-  <documentManagement>
-    <_ip_UnifiedCompliancePolicyUIAction xmlns="http://schemas.microsoft.com/sharepoint/v3" xsi:nil="true"/>
-    <Image xmlns="71af3243-3dd4-4a8d-8c0d-dd76da1f02a5">
-      <Url xsi:nil="true"/>
-      <Description xsi:nil="true"/>
-    </Image>
-    <Status xmlns="71af3243-3dd4-4a8d-8c0d-dd76da1f02a5">Not started</Status>
-    <_ip_UnifiedCompliancePolicyProperties xmlns="http://schemas.microsoft.com/sharepoint/v3" xsi:nil="true"/>
-    <ImageTagsTaxHTField xmlns="71af3243-3dd4-4a8d-8c0d-dd76da1f02a5">
-      <Terms xmlns="http://schemas.microsoft.com/office/infopath/2007/PartnerControls"/>
-    </ImageTagsTaxHTField>
-    <TaxCatchAll xmlns="230e9df3-be65-4c73-a93b-d1236ebd677e"/>
-    <MediaServiceKeyPoints xmlns="71af3243-3dd4-4a8d-8c0d-dd76da1f02a5" xsi:nil="true"/>
-  </documentManagement>
-</p:properties>
-</file>
-
-<file path=customXml/item2.xml><?xml version="1.0" encoding="utf-8"?>
 <?mso-contentType ?>
 <FormTemplates xmlns="http://schemas.microsoft.com/sharepoint/v3/contenttype/forms">
   <Display>DocumentLibraryForm</Display>
@@ -40911,7 +40729,7 @@
 </FormTemplates>
 </file>
 
-<file path=customXml/item3.xml><?xml version="1.0" encoding="utf-8"?>
+<file path=customXml/item2.xml><?xml version="1.0" encoding="utf-8"?>
 <ct:contentTypeSchema xmlns:ct="http://schemas.microsoft.com/office/2006/metadata/contentType" xmlns:ma="http://schemas.microsoft.com/office/2006/metadata/properties/metaAttributes" ct:_="" ma:_="" ma:contentTypeName="Document" ma:contentTypeID="0x01010079F111ED35F8CC479449609E8A0923A6" ma:contentTypeVersion="21" ma:contentTypeDescription="Create a new document." ma:contentTypeScope="" ma:versionID="64dfb1555687e0874b4304b796b5b0c7">
   <xsd:schema xmlns:xsd="http://www.w3.org/2001/XMLSchema" xmlns:xs="http://www.w3.org/2001/XMLSchema" xmlns:p="http://schemas.microsoft.com/office/2006/metadata/properties" xmlns:ns1="http://schemas.microsoft.com/sharepoint/v3" xmlns:ns2="71af3243-3dd4-4a8d-8c0d-dd76da1f02a5" xmlns:ns3="16c05727-aa75-4e4a-9b5f-8a80a1165891" xmlns:ns4="230e9df3-be65-4c73-a93b-d1236ebd677e" targetNamespace="http://schemas.microsoft.com/office/2006/metadata/properties" ma:root="true" ma:fieldsID="e6e4c555b5e194d05b7203de9c4567b3" ns1:_="" ns2:_="" ns3:_="" ns4:_="">
     <xsd:import namespace="http://schemas.microsoft.com/sharepoint/v3"/>
@@ -41193,19 +41011,26 @@
 </ct:contentTypeSchema>
 </file>
 
-<file path=customXml/itemProps1.xml><?xml version="1.0" encoding="utf-8"?>
-<ds:datastoreItem xmlns:ds="http://schemas.openxmlformats.org/officeDocument/2006/customXml" ds:itemID="{4D5BAB77-79E1-4739-AA51-10C9079186D6}">
-  <ds:schemaRefs>
-    <ds:schemaRef ds:uri="http://schemas.microsoft.com/office/2006/metadata/properties"/>
-    <ds:schemaRef ds:uri="http://schemas.microsoft.com/office/infopath/2007/PartnerControls"/>
-    <ds:schemaRef ds:uri="http://schemas.microsoft.com/sharepoint/v3"/>
-    <ds:schemaRef ds:uri="71af3243-3dd4-4a8d-8c0d-dd76da1f02a5"/>
-    <ds:schemaRef ds:uri="230e9df3-be65-4c73-a93b-d1236ebd677e"/>
-  </ds:schemaRefs>
-</ds:datastoreItem>
+<file path=customXml/item3.xml><?xml version="1.0" encoding="utf-8"?>
+<p:properties xmlns:p="http://schemas.microsoft.com/office/2006/metadata/properties" xmlns:xsi="http://www.w3.org/2001/XMLSchema-instance" xmlns:pc="http://schemas.microsoft.com/office/infopath/2007/PartnerControls">
+  <documentManagement>
+    <_ip_UnifiedCompliancePolicyUIAction xmlns="http://schemas.microsoft.com/sharepoint/v3" xsi:nil="true"/>
+    <Image xmlns="71af3243-3dd4-4a8d-8c0d-dd76da1f02a5">
+      <Url xsi:nil="true"/>
+      <Description xsi:nil="true"/>
+    </Image>
+    <Status xmlns="71af3243-3dd4-4a8d-8c0d-dd76da1f02a5">Not started</Status>
+    <_ip_UnifiedCompliancePolicyProperties xmlns="http://schemas.microsoft.com/sharepoint/v3" xsi:nil="true"/>
+    <ImageTagsTaxHTField xmlns="71af3243-3dd4-4a8d-8c0d-dd76da1f02a5">
+      <Terms xmlns="http://schemas.microsoft.com/office/infopath/2007/PartnerControls"/>
+    </ImageTagsTaxHTField>
+    <TaxCatchAll xmlns="230e9df3-be65-4c73-a93b-d1236ebd677e"/>
+    <MediaServiceKeyPoints xmlns="71af3243-3dd4-4a8d-8c0d-dd76da1f02a5" xsi:nil="true"/>
+  </documentManagement>
+</p:properties>
 </file>
 
-<file path=customXml/itemProps2.xml><?xml version="1.0" encoding="utf-8"?>
+<file path=customXml/itemProps1.xml><?xml version="1.0" encoding="utf-8"?>
 <ds:datastoreItem xmlns:ds="http://schemas.openxmlformats.org/officeDocument/2006/customXml" ds:itemID="{85334180-0405-413B-834A-44FA9E05ADB7}">
   <ds:schemaRefs>
     <ds:schemaRef ds:uri="http://schemas.microsoft.com/sharepoint/v3/contenttype/forms"/>
@@ -41213,7 +41038,7 @@
 </ds:datastoreItem>
 </file>
 
-<file path=customXml/itemProps3.xml><?xml version="1.0" encoding="utf-8"?>
+<file path=customXml/itemProps2.xml><?xml version="1.0" encoding="utf-8"?>
 <ds:datastoreItem xmlns:ds="http://schemas.openxmlformats.org/officeDocument/2006/customXml" ds:itemID="{4A615295-94F6-4CE2-A1B1-6B7E1DAA5AD6}">
   <ds:schemaRefs>
     <ds:schemaRef ds:uri="http://schemas.microsoft.com/office/2006/metadata/contentType"/>
@@ -41234,6 +41059,18 @@
 </ds:datastoreItem>
 </file>
 
+<file path=customXml/itemProps3.xml><?xml version="1.0" encoding="utf-8"?>
+<ds:datastoreItem xmlns:ds="http://schemas.openxmlformats.org/officeDocument/2006/customXml" ds:itemID="{4D5BAB77-79E1-4739-AA51-10C9079186D6}">
+  <ds:schemaRefs>
+    <ds:schemaRef ds:uri="http://schemas.microsoft.com/office/2006/metadata/properties"/>
+    <ds:schemaRef ds:uri="http://schemas.microsoft.com/office/infopath/2007/PartnerControls"/>
+    <ds:schemaRef ds:uri="http://schemas.microsoft.com/sharepoint/v3"/>
+    <ds:schemaRef ds:uri="71af3243-3dd4-4a8d-8c0d-dd76da1f02a5"/>
+    <ds:schemaRef ds:uri="230e9df3-be65-4c73-a93b-d1236ebd677e"/>
+  </ds:schemaRefs>
+</ds:datastoreItem>
+</file>
+
 <file path=docMetadata/LabelInfo.xml><?xml version="1.0" encoding="utf-8"?>
 <clbl:labelList xmlns:clbl="http://schemas.microsoft.com/office/2020/mipLabelMetadata">
   <clbl:label id="{f42aa342-8706-4288-bd11-ebb85995028c}" enabled="1" method="Standard" siteId="{72f988bf-86f1-41af-91ab-2d7cd011db47}" removed="0"/>

--- a/presentation/haggerty_energy_gdp_1.pptx
+++ b/presentation/haggerty_energy_gdp_1.pptx
@@ -232,7 +232,7 @@
           <a:p>
             <a:fld id="{7487ADD9-2083-264C-A652-8D52D02F7E72}" type="datetimeFigureOut">
               <a:rPr lang="en-US" smtClean="0"/>
-              <a:t>6/19/2023</a:t>
+              <a:t>6/20/2023</a:t>
             </a:fld>
             <a:endParaRPr lang="en-US" dirty="0"/>
           </a:p>
@@ -1982,7 +1982,7 @@
             <a:fld id="{5F02DCD1-2C6B-F948-9F72-3BB0CF3D512E}" type="datetime1">
               <a:rPr lang="en-US" smtClean="0"/>
               <a:pPr/>
-              <a:t>6/19/2023</a:t>
+              <a:t>6/20/2023</a:t>
             </a:fld>
             <a:endParaRPr lang="en-US" dirty="0"/>
           </a:p>
@@ -2867,7 +2867,7 @@
             <a:fld id="{C1583C39-01BF-7F43-854C-FBB4E9AB6B0C}" type="datetime1">
               <a:rPr lang="en-US" smtClean="0"/>
               <a:pPr/>
-              <a:t>6/19/2023</a:t>
+              <a:t>6/20/2023</a:t>
             </a:fld>
             <a:endParaRPr lang="en-US" dirty="0"/>
           </a:p>
@@ -4044,7 +4044,7 @@
             <a:fld id="{4B103E64-1627-9140-8127-1849FED275E1}" type="datetime1">
               <a:rPr lang="en-US" smtClean="0"/>
               <a:pPr/>
-              <a:t>6/19/2023</a:t>
+              <a:t>6/20/2023</a:t>
             </a:fld>
             <a:endParaRPr lang="en-US" dirty="0"/>
           </a:p>
@@ -6124,7 +6124,7 @@
             <a:fld id="{DD9C8446-696E-6942-B6C8-CC9CAD0B34E0}" type="datetime1">
               <a:rPr lang="en-US" smtClean="0"/>
               <a:pPr/>
-              <a:t>6/19/2023</a:t>
+              <a:t>6/20/2023</a:t>
             </a:fld>
             <a:endParaRPr lang="en-US" dirty="0"/>
           </a:p>
@@ -6842,7 +6842,7 @@
             <a:fld id="{F5592931-05C6-8543-8B6E-A8BD29BD5C2B}" type="datetime1">
               <a:rPr lang="en-US" smtClean="0"/>
               <a:pPr/>
-              <a:t>6/19/2023</a:t>
+              <a:t>6/20/2023</a:t>
             </a:fld>
             <a:endParaRPr lang="en-US" dirty="0"/>
           </a:p>
@@ -8070,7 +8070,7 @@
             <a:fld id="{7E7AB22C-8B7E-9B4A-8C65-396C3C874D86}" type="datetime1">
               <a:rPr lang="en-US" smtClean="0"/>
               <a:pPr/>
-              <a:t>6/19/2023</a:t>
+              <a:t>6/20/2023</a:t>
             </a:fld>
             <a:endParaRPr lang="en-US" dirty="0"/>
           </a:p>
@@ -8662,7 +8662,7 @@
             <a:fld id="{8CE9AC2A-20AD-8C48-B5EB-B5322BDBCDEE}" type="datetime1">
               <a:rPr lang="en-US" smtClean="0"/>
               <a:pPr/>
-              <a:t>6/19/2023</a:t>
+              <a:t>6/20/2023</a:t>
             </a:fld>
             <a:endParaRPr lang="en-US" dirty="0"/>
           </a:p>
@@ -9135,7 +9135,7 @@
             <a:fld id="{4CF75428-5BE0-934D-BB71-675F8E23A386}" type="datetime1">
               <a:rPr lang="en-US" smtClean="0"/>
               <a:pPr/>
-              <a:t>6/19/2023</a:t>
+              <a:t>6/20/2023</a:t>
             </a:fld>
             <a:endParaRPr lang="en-US" dirty="0"/>
           </a:p>
@@ -9985,7 +9985,7 @@
             <a:fld id="{9A85C5CA-AE29-AB4C-8F85-0373C72001D8}" type="datetime1">
               <a:rPr lang="en-US" smtClean="0"/>
               <a:pPr/>
-              <a:t>6/19/2023</a:t>
+              <a:t>6/20/2023</a:t>
             </a:fld>
             <a:endParaRPr lang="en-US" dirty="0"/>
           </a:p>
@@ -12210,7 +12210,7 @@
             <a:fld id="{75594855-01E8-5A4B-B2B8-E2ECEF879100}" type="datetime1">
               <a:rPr lang="en-US" smtClean="0"/>
               <a:pPr/>
-              <a:t>6/19/2023</a:t>
+              <a:t>6/20/2023</a:t>
             </a:fld>
             <a:endParaRPr lang="en-US" dirty="0"/>
           </a:p>
@@ -12479,7 +12479,7 @@
             <a:fld id="{B562DF68-3089-814D-8A14-C651FE91885E}" type="datetime1">
               <a:rPr lang="en-US" smtClean="0"/>
               <a:pPr/>
-              <a:t>6/19/2023</a:t>
+              <a:t>6/20/2023</a:t>
             </a:fld>
             <a:endParaRPr lang="en-US" dirty="0"/>
           </a:p>
@@ -13255,7 +13255,7 @@
                 <a:tabLst/>
                 <a:defRPr/>
               </a:pPr>
-              <a:t>6/19/2023</a:t>
+              <a:t>6/20/2023</a:t>
             </a:fld>
             <a:endParaRPr kumimoji="0" lang="en-US" sz="1200" b="0" i="0" u="none" strike="noStrike" kern="1200" cap="none" spc="0" normalizeH="0" baseline="0" noProof="0" dirty="0">
               <a:ln>
@@ -13958,7 +13958,7 @@
                 <a:tabLst/>
                 <a:defRPr/>
               </a:pPr>
-              <a:t>6/19/2023</a:t>
+              <a:t>6/20/2023</a:t>
             </a:fld>
             <a:endParaRPr kumimoji="0" lang="en-US" sz="1200" b="0" i="0" u="none" strike="noStrike" kern="1200" cap="none" spc="0" normalizeH="0" baseline="0" noProof="0" dirty="0">
               <a:ln>
@@ -14602,7 +14602,7 @@
                 <a:tabLst/>
                 <a:defRPr/>
               </a:pPr>
-              <a:t>6/19/2023</a:t>
+              <a:t>6/20/2023</a:t>
             </a:fld>
             <a:endParaRPr kumimoji="0" lang="en-US" sz="1200" b="0" i="0" u="none" strike="noStrike" kern="1200" cap="none" spc="0" normalizeH="0" baseline="0" noProof="0" dirty="0">
               <a:ln>
@@ -16471,7 +16471,7 @@
                 <a:tabLst/>
                 <a:defRPr/>
               </a:pPr>
-              <a:t>6/19/2023</a:t>
+              <a:t>6/20/2023</a:t>
             </a:fld>
             <a:endParaRPr kumimoji="0" lang="en-US" sz="1200" b="0" i="0" u="none" strike="noStrike" kern="1200" cap="none" spc="0" normalizeH="0" baseline="0" noProof="0" dirty="0">
               <a:ln>
@@ -18072,7 +18072,7 @@
                 <a:tabLst/>
                 <a:defRPr/>
               </a:pPr>
-              <a:t>6/19/2023</a:t>
+              <a:t>6/20/2023</a:t>
             </a:fld>
             <a:endParaRPr kumimoji="0" lang="en-US" sz="1200" b="0" i="0" u="none" strike="noStrike" kern="1200" cap="none" spc="0" normalizeH="0" baseline="0" noProof="0" dirty="0">
               <a:ln>
@@ -18717,7 +18717,7 @@
                 <a:tabLst/>
                 <a:defRPr/>
               </a:pPr>
-              <a:t>6/19/2023</a:t>
+              <a:t>6/20/2023</a:t>
             </a:fld>
             <a:endParaRPr kumimoji="0" lang="en-US" sz="1200" b="0" i="0" u="none" strike="noStrike" kern="1200" cap="none" spc="0" normalizeH="0" baseline="0" noProof="0" dirty="0">
               <a:ln>
@@ -19362,7 +19362,7 @@
                 <a:tabLst/>
                 <a:defRPr/>
               </a:pPr>
-              <a:t>6/19/2023</a:t>
+              <a:t>6/20/2023</a:t>
             </a:fld>
             <a:endParaRPr kumimoji="0" lang="en-US" sz="1200" b="0" i="0" u="none" strike="noStrike" kern="1200" cap="none" spc="0" normalizeH="0" baseline="0" noProof="0" dirty="0">
               <a:ln>
@@ -20341,7 +20341,7 @@
                 <a:tabLst/>
                 <a:defRPr/>
               </a:pPr>
-              <a:t>6/19/2023</a:t>
+              <a:t>6/20/2023</a:t>
             </a:fld>
             <a:endParaRPr kumimoji="0" lang="en-US" sz="1200" b="0" i="0" u="none" strike="noStrike" kern="1200" cap="none" spc="0" normalizeH="0" baseline="0" noProof="0" dirty="0">
               <a:ln>
@@ -21445,7 +21445,7 @@
             <a:fld id="{495D8227-9DE4-4D42-8C1B-E10C828BC634}" type="datetime1">
               <a:rPr lang="en-US" smtClean="0"/>
               <a:pPr/>
-              <a:t>6/19/2023</a:t>
+              <a:t>6/20/2023</a:t>
             </a:fld>
             <a:endParaRPr lang="en-US" dirty="0"/>
           </a:p>
@@ -21619,7 +21619,7 @@
                 <a:tabLst/>
                 <a:defRPr/>
               </a:pPr>
-              <a:t>6/19/2023</a:t>
+              <a:t>6/20/2023</a:t>
             </a:fld>
             <a:endParaRPr kumimoji="0" lang="en-US" sz="1200" b="0" i="0" u="none" strike="noStrike" kern="1200" cap="none" spc="0" normalizeH="0" baseline="0" noProof="0" dirty="0">
               <a:ln>
@@ -22609,7 +22609,7 @@
                 <a:tabLst/>
                 <a:defRPr/>
               </a:pPr>
-              <a:t>6/19/2023</a:t>
+              <a:t>6/20/2023</a:t>
             </a:fld>
             <a:endParaRPr kumimoji="0" lang="en-US" sz="1200" b="0" i="0" u="none" strike="noStrike" kern="1200" cap="none" spc="0" normalizeH="0" baseline="0" noProof="0" dirty="0">
               <a:ln>
@@ -23113,7 +23113,7 @@
                 <a:ea typeface="+mn-ea"/>
                 <a:cs typeface="+mn-cs"/>
               </a:rPr>
-              <a:t>35% of US Energy Projected for Renewables</a:t>
+              <a:t>35% of US Energy Supply Projected for Renewables</a:t>
             </a:r>
           </a:p>
           <a:p>
@@ -23210,7 +23210,41 @@
                 <a:ea typeface="+mn-ea"/>
                 <a:cs typeface="+mn-cs"/>
               </a:rPr>
-              <a:t>60.9% of US Energy of US Energy Projected for Renewables</a:t>
+              <a:t>60.9% of US </a:t>
+            </a:r>
+            <a:r>
+              <a:rPr kumimoji="0" lang="en-US" sz="1800" b="0" i="0" u="none" strike="noStrike" kern="1200" cap="none" spc="0" normalizeH="0" baseline="0" noProof="0">
+                <a:ln>
+                  <a:noFill/>
+                </a:ln>
+                <a:solidFill>
+                  <a:srgbClr val="000000"/>
+                </a:solidFill>
+                <a:effectLst/>
+                <a:uLnTx/>
+                <a:uFillTx/>
+                <a:latin typeface="Tenorite"/>
+                <a:ea typeface="+mn-ea"/>
+                <a:cs typeface="+mn-cs"/>
+              </a:rPr>
+              <a:t>Energy Supply </a:t>
+            </a:r>
+            <a:r>
+              <a:rPr kumimoji="0" lang="en-US" sz="1800" b="0" i="0" u="none" strike="noStrike" kern="1200" cap="none" spc="0" normalizeH="0" baseline="0" noProof="0" dirty="0">
+                <a:ln>
+                  <a:noFill/>
+                </a:ln>
+                <a:solidFill>
+                  <a:srgbClr val="000000"/>
+                </a:solidFill>
+                <a:effectLst/>
+                <a:uLnTx/>
+                <a:uFillTx/>
+                <a:latin typeface="Tenorite"/>
+                <a:ea typeface="+mn-ea"/>
+                <a:cs typeface="+mn-cs"/>
+              </a:rPr>
+              <a:t>of US Energy Projected for Renewables</a:t>
             </a:r>
           </a:p>
           <a:p>
@@ -24200,7 +24234,7 @@
             <a:fld id="{7FA0C2EE-8499-394A-A22C-DABDB4752AEE}" type="datetime1">
               <a:rPr lang="en-US" smtClean="0"/>
               <a:pPr/>
-              <a:t>6/19/2023</a:t>
+              <a:t>6/20/2023</a:t>
             </a:fld>
             <a:endParaRPr lang="en-US" dirty="0"/>
           </a:p>
@@ -24763,6 +24797,26 @@
             <a:endParaRPr lang="en-US" sz="1600" dirty="0"/>
           </a:p>
           <a:p>
+            <a:pPr marL="742950" lvl="1" indent="-285750">
+              <a:lnSpc>
+                <a:spcPct val="70000"/>
+              </a:lnSpc>
+              <a:buFont typeface="Arial" panose="020B0604020202020204" pitchFamily="34" charset="0"/>
+              <a:buChar char="•"/>
+            </a:pPr>
+            <a:r>
+              <a:rPr lang="en-US" sz="1600" dirty="0"/>
+              <a:t>World Energy Outlook 2022: </a:t>
+            </a:r>
+            <a:r>
+              <a:rPr lang="en-US" sz="1600" dirty="0">
+                <a:hlinkClick r:id="rId7"/>
+              </a:rPr>
+              <a:t>https://www.iea.org/data-and-statistics/data-product/world-energy-outlook-2022-free-dataset</a:t>
+            </a:r>
+            <a:endParaRPr lang="en-US" sz="1600" dirty="0"/>
+          </a:p>
+          <a:p>
             <a:pPr lvl="1">
               <a:lnSpc>
                 <a:spcPct val="70000"/>
@@ -24804,7 +24858,7 @@
             <a:fld id="{0B931EDA-BCF8-BB4B-B4D1-2CFE062FA080}" type="datetime1">
               <a:rPr lang="en-US" smtClean="0"/>
               <a:pPr/>
-              <a:t>6/19/2023</a:t>
+              <a:t>6/20/2023</a:t>
             </a:fld>
             <a:endParaRPr lang="en-US" dirty="0"/>
           </a:p>
@@ -24995,7 +25049,7 @@
         </p:spPr>
         <p:txBody>
           <a:bodyPr vert="horz" lIns="91440" tIns="45720" rIns="91440" bIns="45720" rtlCol="0" anchor="t">
-            <a:normAutofit fontScale="77500" lnSpcReduction="20000"/>
+            <a:normAutofit lnSpcReduction="10000"/>
           </a:bodyPr>
           <a:lstStyle/>
           <a:p>
@@ -25015,27 +25069,7 @@
             </a:pPr>
             <a:r>
               <a:rPr lang="en-US" dirty="0"/>
-              <a:t>This project compares how the production and consumption of energy compares to the gross domestic product (GDP) per capita at the state and national level focused on understanding the trajectory for movement away from fossil fuel as our primary energy source and its alignment to the nation’s leading fiscal metric. </a:t>
-            </a:r>
-          </a:p>
-          <a:p>
-            <a:pPr marL="342900" indent="-342900">
-              <a:buFont typeface="Arial" panose="020B0604020202020204" pitchFamily="34" charset="0"/>
-              <a:buChar char="•"/>
-            </a:pPr>
-            <a:r>
-              <a:rPr lang="en-US" dirty="0"/>
-              <a:t>Analysis utilized energy &amp; economic related data sets from the Bureau of Economic Analysis, US Census Bureau, Energy Information Agency, &amp; International Information Agency.</a:t>
-            </a:r>
-          </a:p>
-          <a:p>
-            <a:pPr marL="342900" indent="-342900">
-              <a:buFont typeface="Arial" panose="020B0604020202020204" pitchFamily="34" charset="0"/>
-              <a:buChar char="•"/>
-            </a:pPr>
-            <a:r>
-              <a:rPr lang="en-US" dirty="0"/>
-              <a:t>Years Reviewed: 1970, 1980, 1990, 2000, 2010, 2020</a:t>
+              <a:t>This project compares how the consumption and production of energy compares to the gross domestic product (GDP) per capita at the state and national level focused on understanding the trajectory for movement away from fossil fuel as our primary energy source and its alignment to the nation’s leading fiscal metric. </a:t>
             </a:r>
           </a:p>
         </p:txBody>
@@ -25069,7 +25103,7 @@
             <a:fld id="{E1707CF3-9BC4-A745-ACDA-A73543D800FE}" type="datetime1">
               <a:rPr lang="en-US" smtClean="0"/>
               <a:pPr/>
-              <a:t>6/19/2023</a:t>
+              <a:t>6/20/2023</a:t>
             </a:fld>
             <a:endParaRPr lang="en-US" dirty="0"/>
           </a:p>
@@ -25348,7 +25382,7 @@
         </p:spPr>
         <p:txBody>
           <a:bodyPr vert="horz" lIns="91440" tIns="45720" rIns="91440" bIns="45720" rtlCol="0" anchor="t">
-            <a:normAutofit fontScale="77500" lnSpcReduction="20000"/>
+            <a:normAutofit fontScale="70000" lnSpcReduction="20000"/>
           </a:bodyPr>
           <a:lstStyle/>
           <a:p>
@@ -25406,15 +25440,7 @@
           <a:p>
             <a:r>
               <a:rPr lang="en-US" dirty="0"/>
-              <a:t>Renewables: Includes Biofuels, Geothermal, Hydroelectric, Solar, </a:t>
-            </a:r>
-            <a:r>
-              <a:rPr lang="en-US" dirty="0" err="1"/>
-              <a:t>Wind,Wood</a:t>
-            </a:r>
-            <a:r>
-              <a:rPr lang="en-US" dirty="0"/>
-              <a:t>, &amp; Biomass Waste</a:t>
+              <a:t>Renewables: Includes Biofuels, Geothermal, Hydroelectric, Solar, Wind, Wood, &amp; Biomass Waste</a:t>
             </a:r>
           </a:p>
         </p:txBody>
@@ -25494,7 +25520,7 @@
                 <a:tabLst/>
                 <a:defRPr/>
               </a:pPr>
-              <a:t>6/19/2023</a:t>
+              <a:t>6/20/2023</a:t>
             </a:fld>
             <a:endParaRPr kumimoji="0" lang="en-US" sz="1200" b="0" i="0" u="none" strike="noStrike" kern="1200" cap="none" spc="0" normalizeH="0" baseline="0" noProof="0" dirty="0">
               <a:ln>
@@ -25838,7 +25864,7 @@
                 <a:tabLst/>
                 <a:defRPr/>
               </a:pPr>
-              <a:t>6/19/2023</a:t>
+              <a:t>6/20/2023</a:t>
             </a:fld>
             <a:endParaRPr kumimoji="0" lang="en-US" sz="1200" b="0" i="0" u="none" strike="noStrike" kern="1200" cap="none" spc="0" normalizeH="0" baseline="0" noProof="0" dirty="0">
               <a:ln>
@@ -27669,7 +27695,7 @@
                 <a:tabLst/>
                 <a:defRPr/>
               </a:pPr>
-              <a:t>6/19/2023</a:t>
+              <a:t>6/20/2023</a:t>
             </a:fld>
             <a:endParaRPr kumimoji="0" lang="en-US" sz="1200" b="0" i="0" u="none" strike="noStrike" kern="1200" cap="none" spc="0" normalizeH="0" baseline="0" noProof="0" dirty="0">
               <a:ln>
@@ -28888,7 +28914,7 @@
                 <a:tabLst/>
                 <a:defRPr/>
               </a:pPr>
-              <a:t>6/19/2023</a:t>
+              <a:t>6/20/2023</a:t>
             </a:fld>
             <a:endParaRPr kumimoji="0" lang="en-US" sz="1200" b="0" i="0" u="none" strike="noStrike" kern="1200" cap="none" spc="0" normalizeH="0" baseline="0" noProof="0" dirty="0">
               <a:ln>
@@ -29426,7 +29452,7 @@
                 <a:tabLst/>
                 <a:defRPr/>
               </a:pPr>
-              <a:t>6/19/2023</a:t>
+              <a:t>6/20/2023</a:t>
             </a:fld>
             <a:endParaRPr kumimoji="0" lang="en-US" sz="1200" b="0" i="0" u="none" strike="noStrike" kern="1200" cap="none" spc="0" normalizeH="0" baseline="0" noProof="0" dirty="0">
               <a:ln>
@@ -29847,7 +29873,7 @@
           <a:p>
             <a:r>
               <a:rPr lang="en-US" dirty="0"/>
-              <a:t>Overall Increase Expected to Continue</a:t>
+              <a:t>Overall Increase can be Expected to Continue</a:t>
             </a:r>
           </a:p>
         </p:txBody>

--- a/presentation/haggerty_energy_gdp_1.pptx
+++ b/presentation/haggerty_energy_gdp_1.pptx
@@ -543,16 +543,119 @@
           <a:bodyPr/>
           <a:lstStyle/>
           <a:p>
-            <a:r>
-              <a:rPr lang="en-US" dirty="0"/>
-              <a:t>GDP: https://online.hbs.edu/blog/post/why-is-gdp-important</a:t>
-            </a:r>
-          </a:p>
-          <a:p>
-            <a:r>
-              <a:rPr lang="en-US" dirty="0"/>
-              <a:t>GDP per Capita: https://www.investopedia.com/terms/p/per-capita-gdp.asp#:~:text=GDP%20per%20capita%20measures%20the,per%20person%20in%20a%20nation.</a:t>
-            </a:r>
+            <a:pPr marL="0" marR="0">
+              <a:lnSpc>
+                <a:spcPct val="107000"/>
+              </a:lnSpc>
+              <a:spcBef>
+                <a:spcPts val="0"/>
+              </a:spcBef>
+              <a:spcAft>
+                <a:spcPts val="800"/>
+              </a:spcAft>
+            </a:pPr>
+            <a:r>
+              <a:rPr lang="en-US" sz="1800" kern="100" dirty="0">
+                <a:effectLst/>
+                <a:latin typeface="Calibri" panose="020F0502020204030204" pitchFamily="34" charset="0"/>
+                <a:ea typeface="Calibri" panose="020F0502020204030204" pitchFamily="34" charset="0"/>
+                <a:cs typeface="Calibri" panose="020F0502020204030204" pitchFamily="34" charset="0"/>
+              </a:rPr>
+              <a:t>Good evening….</a:t>
+            </a:r>
+            <a:endParaRPr lang="en-US" sz="1800" kern="100" dirty="0">
+              <a:effectLst/>
+              <a:latin typeface="Calibri" panose="020F0502020204030204" pitchFamily="34" charset="0"/>
+              <a:ea typeface="Calibri" panose="020F0502020204030204" pitchFamily="34" charset="0"/>
+              <a:cs typeface="Times New Roman" panose="02020603050405020304" pitchFamily="18" charset="0"/>
+            </a:endParaRPr>
+          </a:p>
+          <a:p>
+            <a:pPr marL="0" marR="0">
+              <a:lnSpc>
+                <a:spcPct val="107000"/>
+              </a:lnSpc>
+              <a:spcBef>
+                <a:spcPts val="0"/>
+              </a:spcBef>
+              <a:spcAft>
+                <a:spcPts val="800"/>
+              </a:spcAft>
+            </a:pPr>
+            <a:r>
+              <a:rPr lang="en-US" sz="1800" kern="100" dirty="0">
+                <a:effectLst/>
+                <a:latin typeface="Calibri" panose="020F0502020204030204" pitchFamily="34" charset="0"/>
+                <a:ea typeface="Calibri" panose="020F0502020204030204" pitchFamily="34" charset="0"/>
+                <a:cs typeface="Calibri" panose="020F0502020204030204" pitchFamily="34" charset="0"/>
+              </a:rPr>
+              <a:t>My name is Larry Haggerty, Data Analytics Student at Nashville Software School.</a:t>
+            </a:r>
+            <a:endParaRPr lang="en-US" sz="1800" kern="100" dirty="0">
+              <a:effectLst/>
+              <a:latin typeface="Calibri" panose="020F0502020204030204" pitchFamily="34" charset="0"/>
+              <a:ea typeface="Calibri" panose="020F0502020204030204" pitchFamily="34" charset="0"/>
+              <a:cs typeface="Times New Roman" panose="02020603050405020304" pitchFamily="18" charset="0"/>
+            </a:endParaRPr>
+          </a:p>
+          <a:p>
+            <a:pPr marL="0" marR="0">
+              <a:lnSpc>
+                <a:spcPct val="107000"/>
+              </a:lnSpc>
+              <a:spcBef>
+                <a:spcPts val="0"/>
+              </a:spcBef>
+              <a:spcAft>
+                <a:spcPts val="800"/>
+              </a:spcAft>
+            </a:pPr>
+            <a:r>
+              <a:rPr lang="en-US" sz="1800" kern="100" dirty="0">
+                <a:effectLst/>
+                <a:latin typeface="Calibri" panose="020F0502020204030204" pitchFamily="34" charset="0"/>
+                <a:ea typeface="Calibri" panose="020F0502020204030204" pitchFamily="34" charset="0"/>
+                <a:cs typeface="Calibri" panose="020F0502020204030204" pitchFamily="34" charset="0"/>
+              </a:rPr>
+              <a:t>My presentation this evening is titled “ENERGY to GDP per CAPITA Comparison”</a:t>
+            </a:r>
+            <a:endParaRPr lang="en-US" sz="1800" kern="100" dirty="0">
+              <a:effectLst/>
+              <a:latin typeface="Calibri" panose="020F0502020204030204" pitchFamily="34" charset="0"/>
+              <a:ea typeface="Calibri" panose="020F0502020204030204" pitchFamily="34" charset="0"/>
+              <a:cs typeface="Times New Roman" panose="02020603050405020304" pitchFamily="18" charset="0"/>
+            </a:endParaRPr>
+          </a:p>
+          <a:p>
+            <a:pPr marL="0" marR="0">
+              <a:lnSpc>
+                <a:spcPct val="107000"/>
+              </a:lnSpc>
+              <a:spcBef>
+                <a:spcPts val="0"/>
+              </a:spcBef>
+              <a:spcAft>
+                <a:spcPts val="800"/>
+              </a:spcAft>
+            </a:pPr>
+            <a:r>
+              <a:rPr lang="en-US" sz="1800" kern="100" dirty="0">
+                <a:effectLst/>
+                <a:latin typeface="Calibri" panose="020F0502020204030204" pitchFamily="34" charset="0"/>
+                <a:ea typeface="Calibri" panose="020F0502020204030204" pitchFamily="34" charset="0"/>
+                <a:cs typeface="Calibri" panose="020F0502020204030204" pitchFamily="34" charset="0"/>
+              </a:rPr>
+              <a:t>During this presentation….I would ask that if you have questions….Please hold them until the end and we will address them as time permits. </a:t>
+            </a:r>
+            <a:endParaRPr lang="en-US" sz="1800" kern="100" dirty="0">
+              <a:effectLst/>
+              <a:latin typeface="Calibri" panose="020F0502020204030204" pitchFamily="34" charset="0"/>
+              <a:ea typeface="Calibri" panose="020F0502020204030204" pitchFamily="34" charset="0"/>
+              <a:cs typeface="Times New Roman" panose="02020603050405020304" pitchFamily="18" charset="0"/>
+            </a:endParaRPr>
+          </a:p>
+          <a:p>
+            <a:endParaRPr lang="en-US" dirty="0"/>
           </a:p>
         </p:txBody>
       </p:sp>
@@ -573,6 +676,3391 @@
           <a:p>
             <a:fld id="{F97DC217-DF71-1A49-B3EA-559F1F43B0FF}" type="slidenum">
               <a:rPr lang="en-US" smtClean="0"/>
+              <a:t>1</a:t>
+            </a:fld>
+            <a:endParaRPr lang="en-US" dirty="0"/>
+          </a:p>
+        </p:txBody>
+      </p:sp>
+    </p:spTree>
+    <p:extLst>
+      <p:ext uri="{BB962C8B-B14F-4D97-AF65-F5344CB8AC3E}">
+        <p14:creationId xmlns:p14="http://schemas.microsoft.com/office/powerpoint/2010/main" val="2882044866"/>
+      </p:ext>
+    </p:extLst>
+  </p:cSld>
+  <p:clrMapOvr>
+    <a:masterClrMapping/>
+  </p:clrMapOvr>
+</p:notes>
+</file>
+
+<file path=ppt/notesSlides/notesSlide10.xml><?xml version="1.0" encoding="utf-8"?>
+<p:notes xmlns:a="http://schemas.openxmlformats.org/drawingml/2006/main" xmlns:r="http://schemas.openxmlformats.org/officeDocument/2006/relationships" xmlns:p="http://schemas.openxmlformats.org/presentationml/2006/main">
+  <p:cSld>
+    <p:spTree>
+      <p:nvGrpSpPr>
+        <p:cNvPr id="1" name=""/>
+        <p:cNvGrpSpPr/>
+        <p:nvPr/>
+      </p:nvGrpSpPr>
+      <p:grpSpPr>
+        <a:xfrm>
+          <a:off x="0" y="0"/>
+          <a:ext cx="0" cy="0"/>
+          <a:chOff x="0" y="0"/>
+          <a:chExt cx="0" cy="0"/>
+        </a:xfrm>
+      </p:grpSpPr>
+      <p:sp>
+        <p:nvSpPr>
+          <p:cNvPr id="2" name="Slide Image Placeholder 1"/>
+          <p:cNvSpPr>
+            <a:spLocks noGrp="1" noRot="1" noChangeAspect="1"/>
+          </p:cNvSpPr>
+          <p:nvPr>
+            <p:ph type="sldImg"/>
+          </p:nvPr>
+        </p:nvSpPr>
+        <p:spPr/>
+      </p:sp>
+      <p:sp>
+        <p:nvSpPr>
+          <p:cNvPr id="3" name="Notes Placeholder 2"/>
+          <p:cNvSpPr>
+            <a:spLocks noGrp="1"/>
+          </p:cNvSpPr>
+          <p:nvPr>
+            <p:ph type="body" idx="1"/>
+          </p:nvPr>
+        </p:nvSpPr>
+        <p:spPr/>
+        <p:txBody>
+          <a:bodyPr/>
+          <a:lstStyle/>
+          <a:p>
+            <a:pPr marL="0" marR="0">
+              <a:lnSpc>
+                <a:spcPct val="107000"/>
+              </a:lnSpc>
+              <a:spcBef>
+                <a:spcPts val="0"/>
+              </a:spcBef>
+              <a:spcAft>
+                <a:spcPts val="800"/>
+              </a:spcAft>
+            </a:pPr>
+            <a:r>
+              <a:rPr lang="en-US" sz="1800" kern="100" dirty="0">
+                <a:effectLst/>
+                <a:latin typeface="Calibri" panose="020F0502020204030204" pitchFamily="34" charset="0"/>
+                <a:ea typeface="Calibri" panose="020F0502020204030204" pitchFamily="34" charset="0"/>
+                <a:cs typeface="Calibri" panose="020F0502020204030204" pitchFamily="34" charset="0"/>
+              </a:rPr>
+              <a:t>Next I wanted to review the changes by PERCENT of CHANGE…..Once again using an average of all 50 states….</a:t>
+            </a:r>
+          </a:p>
+          <a:p>
+            <a:pPr marL="0" marR="0">
+              <a:lnSpc>
+                <a:spcPct val="107000"/>
+              </a:lnSpc>
+              <a:spcBef>
+                <a:spcPts val="0"/>
+              </a:spcBef>
+              <a:spcAft>
+                <a:spcPts val="800"/>
+              </a:spcAft>
+            </a:pPr>
+            <a:endParaRPr lang="en-US" sz="1800" kern="100" dirty="0">
+              <a:effectLst/>
+              <a:latin typeface="Calibri" panose="020F0502020204030204" pitchFamily="34" charset="0"/>
+              <a:ea typeface="Calibri" panose="020F0502020204030204" pitchFamily="34" charset="0"/>
+              <a:cs typeface="Times New Roman" panose="02020603050405020304" pitchFamily="18" charset="0"/>
+            </a:endParaRPr>
+          </a:p>
+          <a:p>
+            <a:pPr marL="342900" marR="0" lvl="0" indent="-342900">
+              <a:lnSpc>
+                <a:spcPct val="107000"/>
+              </a:lnSpc>
+              <a:spcBef>
+                <a:spcPts val="0"/>
+              </a:spcBef>
+              <a:spcAft>
+                <a:spcPts val="0"/>
+              </a:spcAft>
+              <a:buFont typeface="Calibri" panose="020F0502020204030204" pitchFamily="34" charset="0"/>
+              <a:buChar char="-"/>
+            </a:pPr>
+            <a:r>
+              <a:rPr lang="en-US" sz="1800" kern="100" dirty="0">
+                <a:effectLst/>
+                <a:latin typeface="Calibri" panose="020F0502020204030204" pitchFamily="34" charset="0"/>
+                <a:ea typeface="Calibri" panose="020F0502020204030204" pitchFamily="34" charset="0"/>
+                <a:cs typeface="Calibri" panose="020F0502020204030204" pitchFamily="34" charset="0"/>
+              </a:rPr>
+              <a:t>Looking at this chart gave me a feeling that there is actually a PARADIGM SHIFT occurring…..</a:t>
+            </a:r>
+            <a:endParaRPr lang="en-US" sz="1800" kern="100" dirty="0">
+              <a:effectLst/>
+              <a:latin typeface="Calibri" panose="020F0502020204030204" pitchFamily="34" charset="0"/>
+              <a:ea typeface="Calibri" panose="020F0502020204030204" pitchFamily="34" charset="0"/>
+              <a:cs typeface="Times New Roman" panose="02020603050405020304" pitchFamily="18" charset="0"/>
+            </a:endParaRPr>
+          </a:p>
+          <a:p>
+            <a:pPr marL="685800" marR="0">
+              <a:lnSpc>
+                <a:spcPct val="107000"/>
+              </a:lnSpc>
+              <a:spcBef>
+                <a:spcPts val="0"/>
+              </a:spcBef>
+              <a:spcAft>
+                <a:spcPts val="0"/>
+              </a:spcAft>
+            </a:pPr>
+            <a:r>
+              <a:rPr lang="en-US" sz="1800" kern="100" dirty="0">
+                <a:effectLst/>
+                <a:latin typeface="Calibri" panose="020F0502020204030204" pitchFamily="34" charset="0"/>
+                <a:ea typeface="Calibri" panose="020F0502020204030204" pitchFamily="34" charset="0"/>
+                <a:cs typeface="Calibri" panose="020F0502020204030204" pitchFamily="34" charset="0"/>
+              </a:rPr>
+              <a:t> </a:t>
+            </a:r>
+            <a:endParaRPr lang="en-US" sz="1800" kern="100" dirty="0">
+              <a:effectLst/>
+              <a:latin typeface="Calibri" panose="020F0502020204030204" pitchFamily="34" charset="0"/>
+              <a:ea typeface="Calibri" panose="020F0502020204030204" pitchFamily="34" charset="0"/>
+              <a:cs typeface="Times New Roman" panose="02020603050405020304" pitchFamily="18" charset="0"/>
+            </a:endParaRPr>
+          </a:p>
+          <a:p>
+            <a:pPr marL="342900" marR="0" lvl="0" indent="-342900">
+              <a:lnSpc>
+                <a:spcPct val="107000"/>
+              </a:lnSpc>
+              <a:spcBef>
+                <a:spcPts val="0"/>
+              </a:spcBef>
+              <a:spcAft>
+                <a:spcPts val="0"/>
+              </a:spcAft>
+              <a:buFont typeface="Calibri" panose="020F0502020204030204" pitchFamily="34" charset="0"/>
+              <a:buChar char="-"/>
+            </a:pPr>
+            <a:r>
+              <a:rPr lang="en-US" sz="1800" kern="100" dirty="0">
+                <a:effectLst/>
+                <a:latin typeface="Calibri" panose="020F0502020204030204" pitchFamily="34" charset="0"/>
+                <a:ea typeface="Calibri" panose="020F0502020204030204" pitchFamily="34" charset="0"/>
+                <a:cs typeface="Calibri" panose="020F0502020204030204" pitchFamily="34" charset="0"/>
+              </a:rPr>
+              <a:t>We can see the 70’s and 80’s were good years for NUCLEAR</a:t>
+            </a:r>
+            <a:endParaRPr lang="en-US" sz="1800" kern="100" dirty="0">
+              <a:effectLst/>
+              <a:latin typeface="Calibri" panose="020F0502020204030204" pitchFamily="34" charset="0"/>
+              <a:ea typeface="Calibri" panose="020F0502020204030204" pitchFamily="34" charset="0"/>
+              <a:cs typeface="Times New Roman" panose="02020603050405020304" pitchFamily="18" charset="0"/>
+            </a:endParaRPr>
+          </a:p>
+          <a:p>
+            <a:pPr marL="685800" marR="0">
+              <a:lnSpc>
+                <a:spcPct val="107000"/>
+              </a:lnSpc>
+              <a:spcBef>
+                <a:spcPts val="0"/>
+              </a:spcBef>
+              <a:spcAft>
+                <a:spcPts val="0"/>
+              </a:spcAft>
+            </a:pPr>
+            <a:r>
+              <a:rPr lang="en-US" sz="1800" kern="100" dirty="0">
+                <a:effectLst/>
+                <a:latin typeface="Calibri" panose="020F0502020204030204" pitchFamily="34" charset="0"/>
+                <a:ea typeface="Calibri" panose="020F0502020204030204" pitchFamily="34" charset="0"/>
+                <a:cs typeface="Calibri" panose="020F0502020204030204" pitchFamily="34" charset="0"/>
+              </a:rPr>
+              <a:t> </a:t>
+            </a:r>
+            <a:endParaRPr lang="en-US" sz="1800" kern="100" dirty="0">
+              <a:effectLst/>
+              <a:latin typeface="Calibri" panose="020F0502020204030204" pitchFamily="34" charset="0"/>
+              <a:ea typeface="Calibri" panose="020F0502020204030204" pitchFamily="34" charset="0"/>
+              <a:cs typeface="Times New Roman" panose="02020603050405020304" pitchFamily="18" charset="0"/>
+            </a:endParaRPr>
+          </a:p>
+          <a:p>
+            <a:pPr marL="342900" marR="0" lvl="0" indent="-342900">
+              <a:lnSpc>
+                <a:spcPct val="107000"/>
+              </a:lnSpc>
+              <a:spcBef>
+                <a:spcPts val="0"/>
+              </a:spcBef>
+              <a:spcAft>
+                <a:spcPts val="0"/>
+              </a:spcAft>
+              <a:buFont typeface="Calibri" panose="020F0502020204030204" pitchFamily="34" charset="0"/>
+              <a:buChar char="-"/>
+            </a:pPr>
+            <a:r>
+              <a:rPr lang="en-US" sz="1800" kern="100" dirty="0">
+                <a:effectLst/>
+                <a:latin typeface="Calibri" panose="020F0502020204030204" pitchFamily="34" charset="0"/>
+                <a:ea typeface="Calibri" panose="020F0502020204030204" pitchFamily="34" charset="0"/>
+                <a:cs typeface="Calibri" panose="020F0502020204030204" pitchFamily="34" charset="0"/>
+              </a:rPr>
+              <a:t>FOSSIL FUELS indicate an overall decline</a:t>
+            </a:r>
+            <a:endParaRPr lang="en-US" sz="1800" kern="100" dirty="0">
+              <a:effectLst/>
+              <a:latin typeface="Calibri" panose="020F0502020204030204" pitchFamily="34" charset="0"/>
+              <a:ea typeface="Calibri" panose="020F0502020204030204" pitchFamily="34" charset="0"/>
+              <a:cs typeface="Times New Roman" panose="02020603050405020304" pitchFamily="18" charset="0"/>
+            </a:endParaRPr>
+          </a:p>
+          <a:p>
+            <a:pPr marL="685800" marR="0">
+              <a:lnSpc>
+                <a:spcPct val="107000"/>
+              </a:lnSpc>
+              <a:spcBef>
+                <a:spcPts val="0"/>
+              </a:spcBef>
+              <a:spcAft>
+                <a:spcPts val="0"/>
+              </a:spcAft>
+            </a:pPr>
+            <a:r>
+              <a:rPr lang="en-US" sz="1800" kern="100" dirty="0">
+                <a:effectLst/>
+                <a:latin typeface="Calibri" panose="020F0502020204030204" pitchFamily="34" charset="0"/>
+                <a:ea typeface="Calibri" panose="020F0502020204030204" pitchFamily="34" charset="0"/>
+                <a:cs typeface="Calibri" panose="020F0502020204030204" pitchFamily="34" charset="0"/>
+              </a:rPr>
+              <a:t> </a:t>
+            </a:r>
+            <a:endParaRPr lang="en-US" sz="1800" kern="100" dirty="0">
+              <a:effectLst/>
+              <a:latin typeface="Calibri" panose="020F0502020204030204" pitchFamily="34" charset="0"/>
+              <a:ea typeface="Calibri" panose="020F0502020204030204" pitchFamily="34" charset="0"/>
+              <a:cs typeface="Times New Roman" panose="02020603050405020304" pitchFamily="18" charset="0"/>
+            </a:endParaRPr>
+          </a:p>
+          <a:p>
+            <a:pPr marL="342900" marR="0" lvl="0" indent="-342900">
+              <a:lnSpc>
+                <a:spcPct val="107000"/>
+              </a:lnSpc>
+              <a:spcBef>
+                <a:spcPts val="0"/>
+              </a:spcBef>
+              <a:spcAft>
+                <a:spcPts val="800"/>
+              </a:spcAft>
+              <a:buFont typeface="Calibri" panose="020F0502020204030204" pitchFamily="34" charset="0"/>
+              <a:buChar char="-"/>
+            </a:pPr>
+            <a:r>
+              <a:rPr lang="en-US" sz="1800" kern="100" dirty="0">
+                <a:effectLst/>
+                <a:latin typeface="Calibri" panose="020F0502020204030204" pitchFamily="34" charset="0"/>
+                <a:ea typeface="Calibri" panose="020F0502020204030204" pitchFamily="34" charset="0"/>
+                <a:cs typeface="Calibri" panose="020F0502020204030204" pitchFamily="34" charset="0"/>
+              </a:rPr>
+              <a:t>While RENEWABLES displays a positive incline over the last twenty years</a:t>
+            </a:r>
+            <a:endParaRPr lang="en-US" sz="1800" kern="100" dirty="0">
+              <a:effectLst/>
+              <a:latin typeface="Calibri" panose="020F0502020204030204" pitchFamily="34" charset="0"/>
+              <a:ea typeface="Calibri" panose="020F0502020204030204" pitchFamily="34" charset="0"/>
+              <a:cs typeface="Times New Roman" panose="02020603050405020304" pitchFamily="18" charset="0"/>
+            </a:endParaRPr>
+          </a:p>
+          <a:p>
+            <a:endParaRPr lang="en-US" dirty="0"/>
+          </a:p>
+          <a:p>
+            <a:pPr marL="0" marR="0" lvl="0" indent="0" algn="l" defTabSz="914400" rtl="0" eaLnBrk="1" fontAlgn="auto" latinLnBrk="0" hangingPunct="1">
+              <a:lnSpc>
+                <a:spcPct val="100000"/>
+              </a:lnSpc>
+              <a:spcBef>
+                <a:spcPts val="0"/>
+              </a:spcBef>
+              <a:spcAft>
+                <a:spcPts val="0"/>
+              </a:spcAft>
+              <a:buClrTx/>
+              <a:buSzTx/>
+              <a:buFontTx/>
+              <a:buNone/>
+              <a:tabLst/>
+              <a:defRPr/>
+            </a:pPr>
+            <a:r>
+              <a:rPr lang="en-US" sz="1800" kern="100" dirty="0">
+                <a:effectLst/>
+                <a:latin typeface="Calibri" panose="020F0502020204030204" pitchFamily="34" charset="0"/>
+                <a:ea typeface="Calibri" panose="020F0502020204030204" pitchFamily="34" charset="0"/>
+                <a:cs typeface="Calibri" panose="020F0502020204030204" pitchFamily="34" charset="0"/>
+              </a:rPr>
+              <a:t>I also wanted to observe these changes at the state level and reviewed charts for the TOP 5 &amp; BOTTOM 5 across CONSUMPTION, PRODUCTION, and ENERGY MIX…. </a:t>
+            </a:r>
+            <a:endParaRPr lang="en-US" sz="1800" kern="100" dirty="0">
+              <a:effectLst/>
+              <a:latin typeface="Calibri" panose="020F0502020204030204" pitchFamily="34" charset="0"/>
+              <a:ea typeface="Calibri" panose="020F0502020204030204" pitchFamily="34" charset="0"/>
+              <a:cs typeface="Times New Roman" panose="02020603050405020304" pitchFamily="18" charset="0"/>
+            </a:endParaRPr>
+          </a:p>
+          <a:p>
+            <a:endParaRPr lang="en-US" dirty="0"/>
+          </a:p>
+        </p:txBody>
+      </p:sp>
+      <p:sp>
+        <p:nvSpPr>
+          <p:cNvPr id="4" name="Slide Number Placeholder 3"/>
+          <p:cNvSpPr>
+            <a:spLocks noGrp="1"/>
+          </p:cNvSpPr>
+          <p:nvPr>
+            <p:ph type="sldNum" sz="quarter" idx="5"/>
+          </p:nvPr>
+        </p:nvSpPr>
+        <p:spPr/>
+        <p:txBody>
+          <a:bodyPr/>
+          <a:lstStyle/>
+          <a:p>
+            <a:fld id="{F97DC217-DF71-1A49-B3EA-559F1F43B0FF}" type="slidenum">
+              <a:rPr lang="en-US" smtClean="0"/>
+              <a:t>12</a:t>
+            </a:fld>
+            <a:endParaRPr lang="en-US" dirty="0"/>
+          </a:p>
+        </p:txBody>
+      </p:sp>
+    </p:spTree>
+    <p:extLst>
+      <p:ext uri="{BB962C8B-B14F-4D97-AF65-F5344CB8AC3E}">
+        <p14:creationId xmlns:p14="http://schemas.microsoft.com/office/powerpoint/2010/main" val="3842961039"/>
+      </p:ext>
+    </p:extLst>
+  </p:cSld>
+  <p:clrMapOvr>
+    <a:masterClrMapping/>
+  </p:clrMapOvr>
+</p:notes>
+</file>
+
+<file path=ppt/notesSlides/notesSlide11.xml><?xml version="1.0" encoding="utf-8"?>
+<p:notes xmlns:a="http://schemas.openxmlformats.org/drawingml/2006/main" xmlns:r="http://schemas.openxmlformats.org/officeDocument/2006/relationships" xmlns:p="http://schemas.openxmlformats.org/presentationml/2006/main">
+  <p:cSld>
+    <p:spTree>
+      <p:nvGrpSpPr>
+        <p:cNvPr id="1" name=""/>
+        <p:cNvGrpSpPr/>
+        <p:nvPr/>
+      </p:nvGrpSpPr>
+      <p:grpSpPr>
+        <a:xfrm>
+          <a:off x="0" y="0"/>
+          <a:ext cx="0" cy="0"/>
+          <a:chOff x="0" y="0"/>
+          <a:chExt cx="0" cy="0"/>
+        </a:xfrm>
+      </p:grpSpPr>
+      <p:sp>
+        <p:nvSpPr>
+          <p:cNvPr id="2" name="Slide Image Placeholder 1"/>
+          <p:cNvSpPr>
+            <a:spLocks noGrp="1" noRot="1" noChangeAspect="1"/>
+          </p:cNvSpPr>
+          <p:nvPr>
+            <p:ph type="sldImg"/>
+          </p:nvPr>
+        </p:nvSpPr>
+        <p:spPr/>
+      </p:sp>
+      <p:sp>
+        <p:nvSpPr>
+          <p:cNvPr id="3" name="Notes Placeholder 2"/>
+          <p:cNvSpPr>
+            <a:spLocks noGrp="1"/>
+          </p:cNvSpPr>
+          <p:nvPr>
+            <p:ph type="body" idx="1"/>
+          </p:nvPr>
+        </p:nvSpPr>
+        <p:spPr/>
+        <p:txBody>
+          <a:bodyPr/>
+          <a:lstStyle/>
+          <a:p>
+            <a:pPr marL="0" marR="0">
+              <a:lnSpc>
+                <a:spcPct val="107000"/>
+              </a:lnSpc>
+              <a:spcBef>
+                <a:spcPts val="0"/>
+              </a:spcBef>
+              <a:spcAft>
+                <a:spcPts val="800"/>
+              </a:spcAft>
+            </a:pPr>
+            <a:r>
+              <a:rPr lang="en-US" sz="1800" kern="100" dirty="0">
+                <a:effectLst/>
+                <a:latin typeface="Calibri" panose="020F0502020204030204" pitchFamily="34" charset="0"/>
+                <a:ea typeface="Calibri" panose="020F0502020204030204" pitchFamily="34" charset="0"/>
+                <a:cs typeface="Calibri" panose="020F0502020204030204" pitchFamily="34" charset="0"/>
+              </a:rPr>
+              <a:t>Starting with a review of AMOUNT of CHANGE for the TOP 5 &amp; BOTTOM 5 States for CONSUMPTION</a:t>
+            </a:r>
+          </a:p>
+          <a:p>
+            <a:pPr marL="0" marR="0">
+              <a:lnSpc>
+                <a:spcPct val="107000"/>
+              </a:lnSpc>
+              <a:spcBef>
+                <a:spcPts val="0"/>
+              </a:spcBef>
+              <a:spcAft>
+                <a:spcPts val="800"/>
+              </a:spcAft>
+            </a:pPr>
+            <a:endParaRPr lang="en-US" sz="1800" kern="100" dirty="0">
+              <a:effectLst/>
+              <a:latin typeface="Calibri" panose="020F0502020204030204" pitchFamily="34" charset="0"/>
+              <a:ea typeface="Calibri" panose="020F0502020204030204" pitchFamily="34" charset="0"/>
+              <a:cs typeface="Times New Roman" panose="02020603050405020304" pitchFamily="18" charset="0"/>
+            </a:endParaRPr>
+          </a:p>
+          <a:p>
+            <a:pPr marL="342900" marR="0" lvl="0" indent="-342900">
+              <a:lnSpc>
+                <a:spcPct val="107000"/>
+              </a:lnSpc>
+              <a:spcBef>
+                <a:spcPts val="0"/>
+              </a:spcBef>
+              <a:spcAft>
+                <a:spcPts val="0"/>
+              </a:spcAft>
+              <a:buFont typeface="Calibri" panose="020F0502020204030204" pitchFamily="34" charset="0"/>
+              <a:buChar char="-"/>
+            </a:pPr>
+            <a:r>
+              <a:rPr lang="en-US" sz="1800" kern="100" dirty="0">
+                <a:effectLst/>
+                <a:latin typeface="Calibri" panose="020F0502020204030204" pitchFamily="34" charset="0"/>
+                <a:ea typeface="Calibri" panose="020F0502020204030204" pitchFamily="34" charset="0"/>
+                <a:cs typeface="Calibri" panose="020F0502020204030204" pitchFamily="34" charset="0"/>
+              </a:rPr>
+              <a:t>I noted TX as the Top consumer with a MAX of 13.5M (BN Btu)</a:t>
+            </a:r>
+            <a:endParaRPr lang="en-US" sz="1800" kern="100" dirty="0">
+              <a:effectLst/>
+              <a:latin typeface="Calibri" panose="020F0502020204030204" pitchFamily="34" charset="0"/>
+              <a:ea typeface="Calibri" panose="020F0502020204030204" pitchFamily="34" charset="0"/>
+              <a:cs typeface="Times New Roman" panose="02020603050405020304" pitchFamily="18" charset="0"/>
+            </a:endParaRPr>
+          </a:p>
+          <a:p>
+            <a:pPr marL="685800" marR="0">
+              <a:lnSpc>
+                <a:spcPct val="107000"/>
+              </a:lnSpc>
+              <a:spcBef>
+                <a:spcPts val="0"/>
+              </a:spcBef>
+              <a:spcAft>
+                <a:spcPts val="0"/>
+              </a:spcAft>
+            </a:pPr>
+            <a:r>
+              <a:rPr lang="en-US" sz="1800" kern="100" dirty="0">
+                <a:effectLst/>
+                <a:latin typeface="Calibri" panose="020F0502020204030204" pitchFamily="34" charset="0"/>
+                <a:ea typeface="Calibri" panose="020F0502020204030204" pitchFamily="34" charset="0"/>
+                <a:cs typeface="Calibri" panose="020F0502020204030204" pitchFamily="34" charset="0"/>
+              </a:rPr>
+              <a:t> </a:t>
+            </a:r>
+            <a:endParaRPr lang="en-US" sz="1800" kern="100" dirty="0">
+              <a:effectLst/>
+              <a:latin typeface="Calibri" panose="020F0502020204030204" pitchFamily="34" charset="0"/>
+              <a:ea typeface="Calibri" panose="020F0502020204030204" pitchFamily="34" charset="0"/>
+              <a:cs typeface="Times New Roman" panose="02020603050405020304" pitchFamily="18" charset="0"/>
+            </a:endParaRPr>
+          </a:p>
+          <a:p>
+            <a:pPr marL="342900" marR="0" lvl="0" indent="-342900">
+              <a:lnSpc>
+                <a:spcPct val="107000"/>
+              </a:lnSpc>
+              <a:spcBef>
+                <a:spcPts val="0"/>
+              </a:spcBef>
+              <a:spcAft>
+                <a:spcPts val="0"/>
+              </a:spcAft>
+              <a:buFont typeface="Calibri" panose="020F0502020204030204" pitchFamily="34" charset="0"/>
+              <a:buChar char="-"/>
+            </a:pPr>
+            <a:r>
+              <a:rPr lang="en-US" sz="1800" kern="100" dirty="0">
+                <a:effectLst/>
+                <a:latin typeface="Calibri" panose="020F0502020204030204" pitchFamily="34" charset="0"/>
+                <a:ea typeface="Calibri" panose="020F0502020204030204" pitchFamily="34" charset="0"/>
+                <a:cs typeface="Calibri" panose="020F0502020204030204" pitchFamily="34" charset="0"/>
+              </a:rPr>
+              <a:t>And of the TOP 5 NY had the greatest decline from 1970 to 2020</a:t>
+            </a:r>
+            <a:endParaRPr lang="en-US" sz="1800" kern="100" dirty="0">
+              <a:effectLst/>
+              <a:latin typeface="Calibri" panose="020F0502020204030204" pitchFamily="34" charset="0"/>
+              <a:ea typeface="Calibri" panose="020F0502020204030204" pitchFamily="34" charset="0"/>
+              <a:cs typeface="Times New Roman" panose="02020603050405020304" pitchFamily="18" charset="0"/>
+            </a:endParaRPr>
+          </a:p>
+          <a:p>
+            <a:pPr marL="685800" marR="0">
+              <a:lnSpc>
+                <a:spcPct val="107000"/>
+              </a:lnSpc>
+              <a:spcBef>
+                <a:spcPts val="0"/>
+              </a:spcBef>
+              <a:spcAft>
+                <a:spcPts val="0"/>
+              </a:spcAft>
+            </a:pPr>
+            <a:r>
+              <a:rPr lang="en-US" sz="1800" kern="100" dirty="0">
+                <a:effectLst/>
+                <a:latin typeface="Calibri" panose="020F0502020204030204" pitchFamily="34" charset="0"/>
+                <a:ea typeface="Calibri" panose="020F0502020204030204" pitchFamily="34" charset="0"/>
+                <a:cs typeface="Calibri" panose="020F0502020204030204" pitchFamily="34" charset="0"/>
+              </a:rPr>
+              <a:t> </a:t>
+            </a:r>
+            <a:endParaRPr lang="en-US" sz="1800" kern="100" dirty="0">
+              <a:effectLst/>
+              <a:latin typeface="Calibri" panose="020F0502020204030204" pitchFamily="34" charset="0"/>
+              <a:ea typeface="Calibri" panose="020F0502020204030204" pitchFamily="34" charset="0"/>
+              <a:cs typeface="Times New Roman" panose="02020603050405020304" pitchFamily="18" charset="0"/>
+            </a:endParaRPr>
+          </a:p>
+          <a:p>
+            <a:pPr marL="342900" marR="0" lvl="0" indent="-342900">
+              <a:lnSpc>
+                <a:spcPct val="107000"/>
+              </a:lnSpc>
+              <a:spcBef>
+                <a:spcPts val="0"/>
+              </a:spcBef>
+              <a:spcAft>
+                <a:spcPts val="800"/>
+              </a:spcAft>
+              <a:buFont typeface="Calibri" panose="020F0502020204030204" pitchFamily="34" charset="0"/>
+              <a:buChar char="-"/>
+            </a:pPr>
+            <a:r>
+              <a:rPr lang="en-US" sz="1800" kern="100" dirty="0">
+                <a:effectLst/>
+                <a:latin typeface="Calibri" panose="020F0502020204030204" pitchFamily="34" charset="0"/>
+                <a:ea typeface="Calibri" panose="020F0502020204030204" pitchFamily="34" charset="0"/>
+                <a:cs typeface="Calibri" panose="020F0502020204030204" pitchFamily="34" charset="0"/>
+              </a:rPr>
+              <a:t>For the BOTTOM 5 VT had the lowest overall CONSUMPTION for all years reviewed</a:t>
+            </a:r>
+            <a:endParaRPr lang="en-US" sz="1800" kern="100" dirty="0">
+              <a:effectLst/>
+              <a:latin typeface="Calibri" panose="020F0502020204030204" pitchFamily="34" charset="0"/>
+              <a:ea typeface="Calibri" panose="020F0502020204030204" pitchFamily="34" charset="0"/>
+              <a:cs typeface="Times New Roman" panose="02020603050405020304" pitchFamily="18" charset="0"/>
+            </a:endParaRPr>
+          </a:p>
+          <a:p>
+            <a:endParaRPr lang="en-US" dirty="0"/>
+          </a:p>
+        </p:txBody>
+      </p:sp>
+      <p:sp>
+        <p:nvSpPr>
+          <p:cNvPr id="4" name="Slide Number Placeholder 3"/>
+          <p:cNvSpPr>
+            <a:spLocks noGrp="1"/>
+          </p:cNvSpPr>
+          <p:nvPr>
+            <p:ph type="sldNum" sz="quarter" idx="5"/>
+          </p:nvPr>
+        </p:nvSpPr>
+        <p:spPr/>
+        <p:txBody>
+          <a:bodyPr/>
+          <a:lstStyle/>
+          <a:p>
+            <a:fld id="{F97DC217-DF71-1A49-B3EA-559F1F43B0FF}" type="slidenum">
+              <a:rPr lang="en-US" smtClean="0"/>
+              <a:t>13</a:t>
+            </a:fld>
+            <a:endParaRPr lang="en-US" dirty="0"/>
+          </a:p>
+        </p:txBody>
+      </p:sp>
+    </p:spTree>
+    <p:extLst>
+      <p:ext uri="{BB962C8B-B14F-4D97-AF65-F5344CB8AC3E}">
+        <p14:creationId xmlns:p14="http://schemas.microsoft.com/office/powerpoint/2010/main" val="68386067"/>
+      </p:ext>
+    </p:extLst>
+  </p:cSld>
+  <p:clrMapOvr>
+    <a:masterClrMapping/>
+  </p:clrMapOvr>
+</p:notes>
+</file>
+
+<file path=ppt/notesSlides/notesSlide12.xml><?xml version="1.0" encoding="utf-8"?>
+<p:notes xmlns:a="http://schemas.openxmlformats.org/drawingml/2006/main" xmlns:r="http://schemas.openxmlformats.org/officeDocument/2006/relationships" xmlns:p="http://schemas.openxmlformats.org/presentationml/2006/main">
+  <p:cSld>
+    <p:spTree>
+      <p:nvGrpSpPr>
+        <p:cNvPr id="1" name=""/>
+        <p:cNvGrpSpPr/>
+        <p:nvPr/>
+      </p:nvGrpSpPr>
+      <p:grpSpPr>
+        <a:xfrm>
+          <a:off x="0" y="0"/>
+          <a:ext cx="0" cy="0"/>
+          <a:chOff x="0" y="0"/>
+          <a:chExt cx="0" cy="0"/>
+        </a:xfrm>
+      </p:grpSpPr>
+      <p:sp>
+        <p:nvSpPr>
+          <p:cNvPr id="2" name="Slide Image Placeholder 1"/>
+          <p:cNvSpPr>
+            <a:spLocks noGrp="1" noRot="1" noChangeAspect="1"/>
+          </p:cNvSpPr>
+          <p:nvPr>
+            <p:ph type="sldImg"/>
+          </p:nvPr>
+        </p:nvSpPr>
+        <p:spPr/>
+      </p:sp>
+      <p:sp>
+        <p:nvSpPr>
+          <p:cNvPr id="3" name="Notes Placeholder 2"/>
+          <p:cNvSpPr>
+            <a:spLocks noGrp="1"/>
+          </p:cNvSpPr>
+          <p:nvPr>
+            <p:ph type="body" idx="1"/>
+          </p:nvPr>
+        </p:nvSpPr>
+        <p:spPr/>
+        <p:txBody>
+          <a:bodyPr/>
+          <a:lstStyle/>
+          <a:p>
+            <a:pPr marL="0" marR="0">
+              <a:lnSpc>
+                <a:spcPct val="107000"/>
+              </a:lnSpc>
+              <a:spcBef>
+                <a:spcPts val="0"/>
+              </a:spcBef>
+              <a:spcAft>
+                <a:spcPts val="800"/>
+              </a:spcAft>
+            </a:pPr>
+            <a:r>
+              <a:rPr lang="en-US" sz="1800" kern="100" dirty="0">
+                <a:effectLst/>
+                <a:latin typeface="Calibri" panose="020F0502020204030204" pitchFamily="34" charset="0"/>
+                <a:ea typeface="Calibri" panose="020F0502020204030204" pitchFamily="34" charset="0"/>
+                <a:cs typeface="Calibri" panose="020F0502020204030204" pitchFamily="34" charset="0"/>
+              </a:rPr>
+              <a:t>Moving over to the TOP 5 &amp; BOTTOM 5 for PRODUCTION….</a:t>
+            </a:r>
+          </a:p>
+          <a:p>
+            <a:pPr marL="0" marR="0">
+              <a:lnSpc>
+                <a:spcPct val="107000"/>
+              </a:lnSpc>
+              <a:spcBef>
+                <a:spcPts val="0"/>
+              </a:spcBef>
+              <a:spcAft>
+                <a:spcPts val="800"/>
+              </a:spcAft>
+            </a:pPr>
+            <a:endParaRPr lang="en-US" sz="1800" kern="100" dirty="0">
+              <a:effectLst/>
+              <a:latin typeface="Calibri" panose="020F0502020204030204" pitchFamily="34" charset="0"/>
+              <a:ea typeface="Calibri" panose="020F0502020204030204" pitchFamily="34" charset="0"/>
+              <a:cs typeface="Times New Roman" panose="02020603050405020304" pitchFamily="18" charset="0"/>
+            </a:endParaRPr>
+          </a:p>
+          <a:p>
+            <a:pPr marL="342900" marR="0" lvl="0" indent="-342900">
+              <a:lnSpc>
+                <a:spcPct val="107000"/>
+              </a:lnSpc>
+              <a:spcBef>
+                <a:spcPts val="0"/>
+              </a:spcBef>
+              <a:spcAft>
+                <a:spcPts val="0"/>
+              </a:spcAft>
+              <a:buFont typeface="Calibri" panose="020F0502020204030204" pitchFamily="34" charset="0"/>
+              <a:buChar char="-"/>
+            </a:pPr>
+            <a:r>
+              <a:rPr lang="en-US" sz="1800" kern="100" dirty="0">
+                <a:effectLst/>
+                <a:latin typeface="Calibri" panose="020F0502020204030204" pitchFamily="34" charset="0"/>
+                <a:ea typeface="Calibri" panose="020F0502020204030204" pitchFamily="34" charset="0"/>
+                <a:cs typeface="Calibri" panose="020F0502020204030204" pitchFamily="34" charset="0"/>
+              </a:rPr>
+              <a:t>TX remains the King for both PRODUCTION and CONSUMPTION significantly outpacing their peers</a:t>
+            </a:r>
+            <a:endParaRPr lang="en-US" sz="1800" kern="100" dirty="0">
+              <a:effectLst/>
+              <a:latin typeface="Calibri" panose="020F0502020204030204" pitchFamily="34" charset="0"/>
+              <a:ea typeface="Calibri" panose="020F0502020204030204" pitchFamily="34" charset="0"/>
+              <a:cs typeface="Times New Roman" panose="02020603050405020304" pitchFamily="18" charset="0"/>
+            </a:endParaRPr>
+          </a:p>
+          <a:p>
+            <a:pPr marL="685800" marR="0">
+              <a:lnSpc>
+                <a:spcPct val="107000"/>
+              </a:lnSpc>
+              <a:spcBef>
+                <a:spcPts val="0"/>
+              </a:spcBef>
+              <a:spcAft>
+                <a:spcPts val="0"/>
+              </a:spcAft>
+            </a:pPr>
+            <a:r>
+              <a:rPr lang="en-US" sz="1800" kern="100" dirty="0">
+                <a:effectLst/>
+                <a:latin typeface="Calibri" panose="020F0502020204030204" pitchFamily="34" charset="0"/>
+                <a:ea typeface="Calibri" panose="020F0502020204030204" pitchFamily="34" charset="0"/>
+                <a:cs typeface="Calibri" panose="020F0502020204030204" pitchFamily="34" charset="0"/>
+              </a:rPr>
+              <a:t> </a:t>
+            </a:r>
+            <a:endParaRPr lang="en-US" sz="1800" kern="100" dirty="0">
+              <a:effectLst/>
+              <a:latin typeface="Calibri" panose="020F0502020204030204" pitchFamily="34" charset="0"/>
+              <a:ea typeface="Calibri" panose="020F0502020204030204" pitchFamily="34" charset="0"/>
+              <a:cs typeface="Times New Roman" panose="02020603050405020304" pitchFamily="18" charset="0"/>
+            </a:endParaRPr>
+          </a:p>
+          <a:p>
+            <a:pPr marL="342900" marR="0" lvl="0" indent="-342900">
+              <a:lnSpc>
+                <a:spcPct val="107000"/>
+              </a:lnSpc>
+              <a:spcBef>
+                <a:spcPts val="0"/>
+              </a:spcBef>
+              <a:spcAft>
+                <a:spcPts val="0"/>
+              </a:spcAft>
+              <a:buFont typeface="Calibri" panose="020F0502020204030204" pitchFamily="34" charset="0"/>
+              <a:buChar char="-"/>
+            </a:pPr>
+            <a:r>
+              <a:rPr lang="en-US" sz="1800" kern="100" dirty="0">
+                <a:effectLst/>
+                <a:latin typeface="Calibri" panose="020F0502020204030204" pitchFamily="34" charset="0"/>
+                <a:ea typeface="Calibri" panose="020F0502020204030204" pitchFamily="34" charset="0"/>
+                <a:cs typeface="Calibri" panose="020F0502020204030204" pitchFamily="34" charset="0"/>
+              </a:rPr>
+              <a:t>LA showed the greatest decline in PRODUCTION capacity with an overall decline 5.6M (BN Btu) from 1970 to 2020</a:t>
+            </a:r>
+            <a:endParaRPr lang="en-US" sz="1800" kern="100" dirty="0">
+              <a:effectLst/>
+              <a:latin typeface="Calibri" panose="020F0502020204030204" pitchFamily="34" charset="0"/>
+              <a:ea typeface="Calibri" panose="020F0502020204030204" pitchFamily="34" charset="0"/>
+              <a:cs typeface="Times New Roman" panose="02020603050405020304" pitchFamily="18" charset="0"/>
+            </a:endParaRPr>
+          </a:p>
+          <a:p>
+            <a:pPr marL="685800" marR="0">
+              <a:lnSpc>
+                <a:spcPct val="107000"/>
+              </a:lnSpc>
+              <a:spcBef>
+                <a:spcPts val="0"/>
+              </a:spcBef>
+              <a:spcAft>
+                <a:spcPts val="0"/>
+              </a:spcAft>
+            </a:pPr>
+            <a:r>
+              <a:rPr lang="en-US" sz="1800" kern="100" dirty="0">
+                <a:effectLst/>
+                <a:latin typeface="Calibri" panose="020F0502020204030204" pitchFamily="34" charset="0"/>
+                <a:ea typeface="Calibri" panose="020F0502020204030204" pitchFamily="34" charset="0"/>
+                <a:cs typeface="Calibri" panose="020F0502020204030204" pitchFamily="34" charset="0"/>
+              </a:rPr>
+              <a:t> </a:t>
+            </a:r>
+            <a:endParaRPr lang="en-US" sz="1800" kern="100" dirty="0">
+              <a:effectLst/>
+              <a:latin typeface="Calibri" panose="020F0502020204030204" pitchFamily="34" charset="0"/>
+              <a:ea typeface="Calibri" panose="020F0502020204030204" pitchFamily="34" charset="0"/>
+              <a:cs typeface="Times New Roman" panose="02020603050405020304" pitchFamily="18" charset="0"/>
+            </a:endParaRPr>
+          </a:p>
+          <a:p>
+            <a:pPr marL="342900" marR="0" lvl="0" indent="-342900">
+              <a:lnSpc>
+                <a:spcPct val="107000"/>
+              </a:lnSpc>
+              <a:spcBef>
+                <a:spcPts val="0"/>
+              </a:spcBef>
+              <a:spcAft>
+                <a:spcPts val="800"/>
+              </a:spcAft>
+              <a:buFont typeface="Calibri" panose="020F0502020204030204" pitchFamily="34" charset="0"/>
+              <a:buChar char="-"/>
+            </a:pPr>
+            <a:r>
+              <a:rPr lang="en-US" sz="1800" kern="100" dirty="0">
+                <a:effectLst/>
+                <a:latin typeface="Calibri" panose="020F0502020204030204" pitchFamily="34" charset="0"/>
+                <a:ea typeface="Calibri" panose="020F0502020204030204" pitchFamily="34" charset="0"/>
+                <a:cs typeface="Calibri" panose="020F0502020204030204" pitchFamily="34" charset="0"/>
+              </a:rPr>
+              <a:t>Of the BOTTOM 5 Delaware was the only state with an overall decline in PRODUCTION</a:t>
+            </a:r>
+            <a:endParaRPr lang="en-US" sz="1800" kern="100" dirty="0">
+              <a:effectLst/>
+              <a:latin typeface="Calibri" panose="020F0502020204030204" pitchFamily="34" charset="0"/>
+              <a:ea typeface="Calibri" panose="020F0502020204030204" pitchFamily="34" charset="0"/>
+              <a:cs typeface="Times New Roman" panose="02020603050405020304" pitchFamily="18" charset="0"/>
+            </a:endParaRPr>
+          </a:p>
+          <a:p>
+            <a:endParaRPr lang="en-US" dirty="0"/>
+          </a:p>
+        </p:txBody>
+      </p:sp>
+      <p:sp>
+        <p:nvSpPr>
+          <p:cNvPr id="4" name="Slide Number Placeholder 3"/>
+          <p:cNvSpPr>
+            <a:spLocks noGrp="1"/>
+          </p:cNvSpPr>
+          <p:nvPr>
+            <p:ph type="sldNum" sz="quarter" idx="5"/>
+          </p:nvPr>
+        </p:nvSpPr>
+        <p:spPr/>
+        <p:txBody>
+          <a:bodyPr/>
+          <a:lstStyle/>
+          <a:p>
+            <a:fld id="{F97DC217-DF71-1A49-B3EA-559F1F43B0FF}" type="slidenum">
+              <a:rPr lang="en-US" smtClean="0"/>
+              <a:t>14</a:t>
+            </a:fld>
+            <a:endParaRPr lang="en-US" dirty="0"/>
+          </a:p>
+        </p:txBody>
+      </p:sp>
+    </p:spTree>
+    <p:extLst>
+      <p:ext uri="{BB962C8B-B14F-4D97-AF65-F5344CB8AC3E}">
+        <p14:creationId xmlns:p14="http://schemas.microsoft.com/office/powerpoint/2010/main" val="497403692"/>
+      </p:ext>
+    </p:extLst>
+  </p:cSld>
+  <p:clrMapOvr>
+    <a:masterClrMapping/>
+  </p:clrMapOvr>
+</p:notes>
+</file>
+
+<file path=ppt/notesSlides/notesSlide13.xml><?xml version="1.0" encoding="utf-8"?>
+<p:notes xmlns:a="http://schemas.openxmlformats.org/drawingml/2006/main" xmlns:r="http://schemas.openxmlformats.org/officeDocument/2006/relationships" xmlns:p="http://schemas.openxmlformats.org/presentationml/2006/main">
+  <p:cSld>
+    <p:spTree>
+      <p:nvGrpSpPr>
+        <p:cNvPr id="1" name=""/>
+        <p:cNvGrpSpPr/>
+        <p:nvPr/>
+      </p:nvGrpSpPr>
+      <p:grpSpPr>
+        <a:xfrm>
+          <a:off x="0" y="0"/>
+          <a:ext cx="0" cy="0"/>
+          <a:chOff x="0" y="0"/>
+          <a:chExt cx="0" cy="0"/>
+        </a:xfrm>
+      </p:grpSpPr>
+      <p:sp>
+        <p:nvSpPr>
+          <p:cNvPr id="2" name="Slide Image Placeholder 1"/>
+          <p:cNvSpPr>
+            <a:spLocks noGrp="1" noRot="1" noChangeAspect="1"/>
+          </p:cNvSpPr>
+          <p:nvPr>
+            <p:ph type="sldImg"/>
+          </p:nvPr>
+        </p:nvSpPr>
+        <p:spPr/>
+      </p:sp>
+      <p:sp>
+        <p:nvSpPr>
+          <p:cNvPr id="3" name="Notes Placeholder 2"/>
+          <p:cNvSpPr>
+            <a:spLocks noGrp="1"/>
+          </p:cNvSpPr>
+          <p:nvPr>
+            <p:ph type="body" idx="1"/>
+          </p:nvPr>
+        </p:nvSpPr>
+        <p:spPr/>
+        <p:txBody>
+          <a:bodyPr/>
+          <a:lstStyle/>
+          <a:p>
+            <a:pPr marL="0" marR="0">
+              <a:lnSpc>
+                <a:spcPct val="107000"/>
+              </a:lnSpc>
+              <a:spcBef>
+                <a:spcPts val="0"/>
+              </a:spcBef>
+              <a:spcAft>
+                <a:spcPts val="800"/>
+              </a:spcAft>
+            </a:pPr>
+            <a:r>
+              <a:rPr lang="en-US" sz="1800" kern="100" dirty="0">
+                <a:effectLst/>
+                <a:latin typeface="Calibri" panose="020F0502020204030204" pitchFamily="34" charset="0"/>
+                <a:ea typeface="Calibri" panose="020F0502020204030204" pitchFamily="34" charset="0"/>
+                <a:cs typeface="Calibri" panose="020F0502020204030204" pitchFamily="34" charset="0"/>
+              </a:rPr>
+              <a:t>Now moving to PERCENT CHANGE for the TOP 5 &amp; BOTTOM 5for PRODUCTION….</a:t>
+            </a:r>
+          </a:p>
+          <a:p>
+            <a:pPr marL="0" marR="0">
+              <a:lnSpc>
+                <a:spcPct val="107000"/>
+              </a:lnSpc>
+              <a:spcBef>
+                <a:spcPts val="0"/>
+              </a:spcBef>
+              <a:spcAft>
+                <a:spcPts val="800"/>
+              </a:spcAft>
+            </a:pPr>
+            <a:endParaRPr lang="en-US" sz="1800" kern="100" dirty="0">
+              <a:effectLst/>
+              <a:latin typeface="Calibri" panose="020F0502020204030204" pitchFamily="34" charset="0"/>
+              <a:ea typeface="Calibri" panose="020F0502020204030204" pitchFamily="34" charset="0"/>
+              <a:cs typeface="Times New Roman" panose="02020603050405020304" pitchFamily="18" charset="0"/>
+            </a:endParaRPr>
+          </a:p>
+          <a:p>
+            <a:pPr marL="342900" marR="0" lvl="0" indent="-342900">
+              <a:lnSpc>
+                <a:spcPct val="107000"/>
+              </a:lnSpc>
+              <a:spcBef>
+                <a:spcPts val="0"/>
+              </a:spcBef>
+              <a:spcAft>
+                <a:spcPts val="0"/>
+              </a:spcAft>
+              <a:buFont typeface="Calibri" panose="020F0502020204030204" pitchFamily="34" charset="0"/>
+              <a:buChar char="-"/>
+            </a:pPr>
+            <a:r>
+              <a:rPr lang="en-US" sz="1800" kern="100" dirty="0">
+                <a:effectLst/>
+                <a:latin typeface="Calibri" panose="020F0502020204030204" pitchFamily="34" charset="0"/>
+                <a:ea typeface="Calibri" panose="020F0502020204030204" pitchFamily="34" charset="0"/>
+                <a:cs typeface="Calibri" panose="020F0502020204030204" pitchFamily="34" charset="0"/>
+              </a:rPr>
+              <a:t>First I noticed a shift in the states listed….</a:t>
+            </a:r>
+            <a:endParaRPr lang="en-US" sz="1800" kern="100" dirty="0">
+              <a:effectLst/>
+              <a:latin typeface="Calibri" panose="020F0502020204030204" pitchFamily="34" charset="0"/>
+              <a:ea typeface="Calibri" panose="020F0502020204030204" pitchFamily="34" charset="0"/>
+              <a:cs typeface="Times New Roman" panose="02020603050405020304" pitchFamily="18" charset="0"/>
+            </a:endParaRPr>
+          </a:p>
+          <a:p>
+            <a:pPr marL="685800" marR="0">
+              <a:lnSpc>
+                <a:spcPct val="107000"/>
+              </a:lnSpc>
+              <a:spcBef>
+                <a:spcPts val="0"/>
+              </a:spcBef>
+              <a:spcAft>
+                <a:spcPts val="0"/>
+              </a:spcAft>
+            </a:pPr>
+            <a:r>
+              <a:rPr lang="en-US" sz="1800" kern="100" dirty="0">
+                <a:effectLst/>
+                <a:latin typeface="Calibri" panose="020F0502020204030204" pitchFamily="34" charset="0"/>
+                <a:ea typeface="Calibri" panose="020F0502020204030204" pitchFamily="34" charset="0"/>
+                <a:cs typeface="Calibri" panose="020F0502020204030204" pitchFamily="34" charset="0"/>
+              </a:rPr>
+              <a:t> </a:t>
+            </a:r>
+            <a:endParaRPr lang="en-US" sz="1800" kern="100" dirty="0">
+              <a:effectLst/>
+              <a:latin typeface="Calibri" panose="020F0502020204030204" pitchFamily="34" charset="0"/>
+              <a:ea typeface="Calibri" panose="020F0502020204030204" pitchFamily="34" charset="0"/>
+              <a:cs typeface="Times New Roman" panose="02020603050405020304" pitchFamily="18" charset="0"/>
+            </a:endParaRPr>
+          </a:p>
+          <a:p>
+            <a:pPr marL="342900" marR="0" lvl="0" indent="-342900">
+              <a:lnSpc>
+                <a:spcPct val="107000"/>
+              </a:lnSpc>
+              <a:spcBef>
+                <a:spcPts val="0"/>
+              </a:spcBef>
+              <a:spcAft>
+                <a:spcPts val="800"/>
+              </a:spcAft>
+              <a:buFont typeface="Calibri" panose="020F0502020204030204" pitchFamily="34" charset="0"/>
+              <a:buChar char="-"/>
+            </a:pPr>
+            <a:r>
+              <a:rPr lang="en-US" sz="1800" kern="100" dirty="0">
+                <a:effectLst/>
+                <a:latin typeface="Calibri" panose="020F0502020204030204" pitchFamily="34" charset="0"/>
+                <a:ea typeface="Calibri" panose="020F0502020204030204" pitchFamily="34" charset="0"/>
+                <a:cs typeface="Calibri" panose="020F0502020204030204" pitchFamily="34" charset="0"/>
+              </a:rPr>
+              <a:t>Looking at the values the feeling of a “PARADIGM SHIFT” for ENERGY is re-emphasized</a:t>
+            </a:r>
+          </a:p>
+          <a:p>
+            <a:pPr marL="342900" marR="0" lvl="0" indent="-342900">
+              <a:lnSpc>
+                <a:spcPct val="107000"/>
+              </a:lnSpc>
+              <a:spcBef>
+                <a:spcPts val="0"/>
+              </a:spcBef>
+              <a:spcAft>
+                <a:spcPts val="800"/>
+              </a:spcAft>
+              <a:buFont typeface="Calibri" panose="020F0502020204030204" pitchFamily="34" charset="0"/>
+              <a:buChar char="-"/>
+            </a:pPr>
+            <a:endParaRPr lang="en-US" sz="1800" kern="100" dirty="0">
+              <a:effectLst/>
+              <a:latin typeface="Calibri" panose="020F0502020204030204" pitchFamily="34" charset="0"/>
+              <a:ea typeface="Calibri" panose="020F0502020204030204" pitchFamily="34" charset="0"/>
+              <a:cs typeface="Calibri" panose="020F0502020204030204" pitchFamily="34" charset="0"/>
+            </a:endParaRPr>
+          </a:p>
+          <a:p>
+            <a:pPr marL="342900" marR="0" lvl="0" indent="-342900">
+              <a:lnSpc>
+                <a:spcPct val="107000"/>
+              </a:lnSpc>
+              <a:spcBef>
+                <a:spcPts val="0"/>
+              </a:spcBef>
+              <a:spcAft>
+                <a:spcPts val="0"/>
+              </a:spcAft>
+              <a:buFont typeface="Calibri" panose="020F0502020204030204" pitchFamily="34" charset="0"/>
+              <a:buChar char="-"/>
+            </a:pPr>
+            <a:r>
+              <a:rPr lang="en-US" sz="1800" kern="100" dirty="0">
+                <a:effectLst/>
+                <a:latin typeface="Calibri" panose="020F0502020204030204" pitchFamily="34" charset="0"/>
+                <a:ea typeface="Calibri" panose="020F0502020204030204" pitchFamily="34" charset="0"/>
+                <a:cs typeface="Calibri" panose="020F0502020204030204" pitchFamily="34" charset="0"/>
+              </a:rPr>
+              <a:t>Similar to the overall Percent of Change slide….the CONSUMPTION slide demonstrates a similar shift in FOSSIL FUEL and NUCLEAR values vs RENEWABLES.</a:t>
+            </a:r>
+            <a:endParaRPr lang="en-US" sz="1800" kern="100" dirty="0">
+              <a:effectLst/>
+              <a:latin typeface="Calibri" panose="020F0502020204030204" pitchFamily="34" charset="0"/>
+              <a:ea typeface="Calibri" panose="020F0502020204030204" pitchFamily="34" charset="0"/>
+              <a:cs typeface="Times New Roman" panose="02020603050405020304" pitchFamily="18" charset="0"/>
+            </a:endParaRPr>
+          </a:p>
+          <a:p>
+            <a:pPr marL="685800" marR="0">
+              <a:lnSpc>
+                <a:spcPct val="107000"/>
+              </a:lnSpc>
+              <a:spcBef>
+                <a:spcPts val="0"/>
+              </a:spcBef>
+              <a:spcAft>
+                <a:spcPts val="0"/>
+              </a:spcAft>
+            </a:pPr>
+            <a:r>
+              <a:rPr lang="en-US" sz="1800" kern="100" dirty="0">
+                <a:effectLst/>
+                <a:latin typeface="Calibri" panose="020F0502020204030204" pitchFamily="34" charset="0"/>
+                <a:ea typeface="Calibri" panose="020F0502020204030204" pitchFamily="34" charset="0"/>
+                <a:cs typeface="Calibri" panose="020F0502020204030204" pitchFamily="34" charset="0"/>
+              </a:rPr>
+              <a:t> </a:t>
+            </a:r>
+            <a:endParaRPr lang="en-US" sz="1800" kern="100" dirty="0">
+              <a:effectLst/>
+              <a:latin typeface="Calibri" panose="020F0502020204030204" pitchFamily="34" charset="0"/>
+              <a:ea typeface="Calibri" panose="020F0502020204030204" pitchFamily="34" charset="0"/>
+              <a:cs typeface="Times New Roman" panose="02020603050405020304" pitchFamily="18" charset="0"/>
+            </a:endParaRPr>
+          </a:p>
+          <a:p>
+            <a:pPr marL="342900" marR="0" lvl="0" indent="-342900">
+              <a:lnSpc>
+                <a:spcPct val="107000"/>
+              </a:lnSpc>
+              <a:spcBef>
+                <a:spcPts val="0"/>
+              </a:spcBef>
+              <a:spcAft>
+                <a:spcPts val="800"/>
+              </a:spcAft>
+              <a:buFont typeface="Calibri" panose="020F0502020204030204" pitchFamily="34" charset="0"/>
+              <a:buChar char="-"/>
+            </a:pPr>
+            <a:endParaRPr lang="en-US" sz="1800" kern="100" dirty="0">
+              <a:effectLst/>
+              <a:latin typeface="Calibri" panose="020F0502020204030204" pitchFamily="34" charset="0"/>
+              <a:ea typeface="Calibri" panose="020F0502020204030204" pitchFamily="34" charset="0"/>
+              <a:cs typeface="Times New Roman" panose="02020603050405020304" pitchFamily="18" charset="0"/>
+            </a:endParaRPr>
+          </a:p>
+          <a:p>
+            <a:endParaRPr lang="en-US" dirty="0"/>
+          </a:p>
+        </p:txBody>
+      </p:sp>
+      <p:sp>
+        <p:nvSpPr>
+          <p:cNvPr id="4" name="Slide Number Placeholder 3"/>
+          <p:cNvSpPr>
+            <a:spLocks noGrp="1"/>
+          </p:cNvSpPr>
+          <p:nvPr>
+            <p:ph type="sldNum" sz="quarter" idx="5"/>
+          </p:nvPr>
+        </p:nvSpPr>
+        <p:spPr/>
+        <p:txBody>
+          <a:bodyPr/>
+          <a:lstStyle/>
+          <a:p>
+            <a:fld id="{F97DC217-DF71-1A49-B3EA-559F1F43B0FF}" type="slidenum">
+              <a:rPr lang="en-US" smtClean="0"/>
+              <a:t>15</a:t>
+            </a:fld>
+            <a:endParaRPr lang="en-US" dirty="0"/>
+          </a:p>
+        </p:txBody>
+      </p:sp>
+    </p:spTree>
+    <p:extLst>
+      <p:ext uri="{BB962C8B-B14F-4D97-AF65-F5344CB8AC3E}">
+        <p14:creationId xmlns:p14="http://schemas.microsoft.com/office/powerpoint/2010/main" val="86631639"/>
+      </p:ext>
+    </p:extLst>
+  </p:cSld>
+  <p:clrMapOvr>
+    <a:masterClrMapping/>
+  </p:clrMapOvr>
+</p:notes>
+</file>
+
+<file path=ppt/notesSlides/notesSlide14.xml><?xml version="1.0" encoding="utf-8"?>
+<p:notes xmlns:a="http://schemas.openxmlformats.org/drawingml/2006/main" xmlns:r="http://schemas.openxmlformats.org/officeDocument/2006/relationships" xmlns:p="http://schemas.openxmlformats.org/presentationml/2006/main">
+  <p:cSld>
+    <p:spTree>
+      <p:nvGrpSpPr>
+        <p:cNvPr id="1" name=""/>
+        <p:cNvGrpSpPr/>
+        <p:nvPr/>
+      </p:nvGrpSpPr>
+      <p:grpSpPr>
+        <a:xfrm>
+          <a:off x="0" y="0"/>
+          <a:ext cx="0" cy="0"/>
+          <a:chOff x="0" y="0"/>
+          <a:chExt cx="0" cy="0"/>
+        </a:xfrm>
+      </p:grpSpPr>
+      <p:sp>
+        <p:nvSpPr>
+          <p:cNvPr id="2" name="Slide Image Placeholder 1"/>
+          <p:cNvSpPr>
+            <a:spLocks noGrp="1" noRot="1" noChangeAspect="1"/>
+          </p:cNvSpPr>
+          <p:nvPr>
+            <p:ph type="sldImg"/>
+          </p:nvPr>
+        </p:nvSpPr>
+        <p:spPr/>
+      </p:sp>
+      <p:sp>
+        <p:nvSpPr>
+          <p:cNvPr id="3" name="Notes Placeholder 2"/>
+          <p:cNvSpPr>
+            <a:spLocks noGrp="1"/>
+          </p:cNvSpPr>
+          <p:nvPr>
+            <p:ph type="body" idx="1"/>
+          </p:nvPr>
+        </p:nvSpPr>
+        <p:spPr/>
+        <p:txBody>
+          <a:bodyPr/>
+          <a:lstStyle/>
+          <a:p>
+            <a:pPr marL="0" marR="0" lvl="0" indent="0" algn="l" defTabSz="914400" rtl="0" eaLnBrk="1" fontAlgn="auto" latinLnBrk="0" hangingPunct="1">
+              <a:lnSpc>
+                <a:spcPct val="100000"/>
+              </a:lnSpc>
+              <a:spcBef>
+                <a:spcPts val="0"/>
+              </a:spcBef>
+              <a:spcAft>
+                <a:spcPts val="0"/>
+              </a:spcAft>
+              <a:buClrTx/>
+              <a:buSzTx/>
+              <a:buFontTx/>
+              <a:buNone/>
+              <a:tabLst/>
+              <a:defRPr/>
+            </a:pPr>
+            <a:r>
+              <a:rPr lang="en-US" sz="1200" kern="100" dirty="0">
+                <a:effectLst/>
+                <a:latin typeface="Calibri" panose="020F0502020204030204" pitchFamily="34" charset="0"/>
+                <a:ea typeface="Calibri" panose="020F0502020204030204" pitchFamily="34" charset="0"/>
+                <a:cs typeface="Calibri" panose="020F0502020204030204" pitchFamily="34" charset="0"/>
+              </a:rPr>
+              <a:t>- This shift remains consistent for Percent of Change in RENEWABLES PRODUCTION</a:t>
+            </a:r>
+            <a:endParaRPr lang="en-US" sz="1200" kern="100" dirty="0">
+              <a:effectLst/>
+              <a:latin typeface="Calibri" panose="020F0502020204030204" pitchFamily="34" charset="0"/>
+              <a:ea typeface="Calibri" panose="020F0502020204030204" pitchFamily="34" charset="0"/>
+              <a:cs typeface="Times New Roman" panose="02020603050405020304" pitchFamily="18" charset="0"/>
+            </a:endParaRPr>
+          </a:p>
+          <a:p>
+            <a:endParaRPr lang="en-US" dirty="0"/>
+          </a:p>
+        </p:txBody>
+      </p:sp>
+      <p:sp>
+        <p:nvSpPr>
+          <p:cNvPr id="4" name="Slide Number Placeholder 3"/>
+          <p:cNvSpPr>
+            <a:spLocks noGrp="1"/>
+          </p:cNvSpPr>
+          <p:nvPr>
+            <p:ph type="sldNum" sz="quarter" idx="5"/>
+          </p:nvPr>
+        </p:nvSpPr>
+        <p:spPr/>
+        <p:txBody>
+          <a:bodyPr/>
+          <a:lstStyle/>
+          <a:p>
+            <a:fld id="{F97DC217-DF71-1A49-B3EA-559F1F43B0FF}" type="slidenum">
+              <a:rPr lang="en-US" smtClean="0"/>
+              <a:t>16</a:t>
+            </a:fld>
+            <a:endParaRPr lang="en-US" dirty="0"/>
+          </a:p>
+        </p:txBody>
+      </p:sp>
+    </p:spTree>
+    <p:extLst>
+      <p:ext uri="{BB962C8B-B14F-4D97-AF65-F5344CB8AC3E}">
+        <p14:creationId xmlns:p14="http://schemas.microsoft.com/office/powerpoint/2010/main" val="2922057165"/>
+      </p:ext>
+    </p:extLst>
+  </p:cSld>
+  <p:clrMapOvr>
+    <a:masterClrMapping/>
+  </p:clrMapOvr>
+</p:notes>
+</file>
+
+<file path=ppt/notesSlides/notesSlide15.xml><?xml version="1.0" encoding="utf-8"?>
+<p:notes xmlns:a="http://schemas.openxmlformats.org/drawingml/2006/main" xmlns:r="http://schemas.openxmlformats.org/officeDocument/2006/relationships" xmlns:p="http://schemas.openxmlformats.org/presentationml/2006/main">
+  <p:cSld>
+    <p:spTree>
+      <p:nvGrpSpPr>
+        <p:cNvPr id="1" name=""/>
+        <p:cNvGrpSpPr/>
+        <p:nvPr/>
+      </p:nvGrpSpPr>
+      <p:grpSpPr>
+        <a:xfrm>
+          <a:off x="0" y="0"/>
+          <a:ext cx="0" cy="0"/>
+          <a:chOff x="0" y="0"/>
+          <a:chExt cx="0" cy="0"/>
+        </a:xfrm>
+      </p:grpSpPr>
+      <p:sp>
+        <p:nvSpPr>
+          <p:cNvPr id="2" name="Slide Image Placeholder 1"/>
+          <p:cNvSpPr>
+            <a:spLocks noGrp="1" noRot="1" noChangeAspect="1"/>
+          </p:cNvSpPr>
+          <p:nvPr>
+            <p:ph type="sldImg"/>
+          </p:nvPr>
+        </p:nvSpPr>
+        <p:spPr/>
+      </p:sp>
+      <p:sp>
+        <p:nvSpPr>
+          <p:cNvPr id="3" name="Notes Placeholder 2"/>
+          <p:cNvSpPr>
+            <a:spLocks noGrp="1"/>
+          </p:cNvSpPr>
+          <p:nvPr>
+            <p:ph type="body" idx="1"/>
+          </p:nvPr>
+        </p:nvSpPr>
+        <p:spPr/>
+        <p:txBody>
+          <a:bodyPr/>
+          <a:lstStyle/>
+          <a:p>
+            <a:pPr marL="0" marR="0">
+              <a:lnSpc>
+                <a:spcPct val="107000"/>
+              </a:lnSpc>
+              <a:spcBef>
+                <a:spcPts val="0"/>
+              </a:spcBef>
+              <a:spcAft>
+                <a:spcPts val="800"/>
+              </a:spcAft>
+            </a:pPr>
+            <a:r>
+              <a:rPr lang="en-US" sz="1800" kern="100" dirty="0">
+                <a:effectLst/>
+                <a:latin typeface="Calibri" panose="020F0502020204030204" pitchFamily="34" charset="0"/>
+                <a:ea typeface="Calibri" panose="020F0502020204030204" pitchFamily="34" charset="0"/>
+                <a:cs typeface="Calibri" panose="020F0502020204030204" pitchFamily="34" charset="0"/>
+              </a:rPr>
+              <a:t>My Key Thesis Starting this Project was that I would readily find a correlation between GDP per CAPITA to ENERGY CONSUMPTION…..My thought was that CONSUMPTION means Commerce means Money, and More Commerce would equal More Money….</a:t>
+            </a:r>
+          </a:p>
+          <a:p>
+            <a:pPr marL="0" marR="0">
+              <a:lnSpc>
+                <a:spcPct val="107000"/>
+              </a:lnSpc>
+              <a:spcBef>
+                <a:spcPts val="0"/>
+              </a:spcBef>
+              <a:spcAft>
+                <a:spcPts val="800"/>
+              </a:spcAft>
+            </a:pPr>
+            <a:endParaRPr lang="en-US" sz="1800" kern="100" dirty="0">
+              <a:effectLst/>
+              <a:latin typeface="Calibri" panose="020F0502020204030204" pitchFamily="34" charset="0"/>
+              <a:ea typeface="Calibri" panose="020F0502020204030204" pitchFamily="34" charset="0"/>
+              <a:cs typeface="Times New Roman" panose="02020603050405020304" pitchFamily="18" charset="0"/>
+            </a:endParaRPr>
+          </a:p>
+          <a:p>
+            <a:pPr marL="0" marR="0">
+              <a:lnSpc>
+                <a:spcPct val="107000"/>
+              </a:lnSpc>
+              <a:spcBef>
+                <a:spcPts val="0"/>
+              </a:spcBef>
+              <a:spcAft>
+                <a:spcPts val="800"/>
+              </a:spcAft>
+            </a:pPr>
+            <a:r>
+              <a:rPr lang="en-US" sz="1800" kern="100" dirty="0">
+                <a:effectLst/>
+                <a:latin typeface="Calibri" panose="020F0502020204030204" pitchFamily="34" charset="0"/>
+                <a:ea typeface="Calibri" panose="020F0502020204030204" pitchFamily="34" charset="0"/>
+                <a:cs typeface="Calibri" panose="020F0502020204030204" pitchFamily="34" charset="0"/>
+              </a:rPr>
+              <a:t>However, my assumption was incorrect…</a:t>
+            </a:r>
+          </a:p>
+          <a:p>
+            <a:pPr marL="0" marR="0">
+              <a:lnSpc>
+                <a:spcPct val="107000"/>
+              </a:lnSpc>
+              <a:spcBef>
+                <a:spcPts val="0"/>
+              </a:spcBef>
+              <a:spcAft>
+                <a:spcPts val="800"/>
+              </a:spcAft>
+            </a:pPr>
+            <a:endParaRPr lang="en-US" sz="1800" kern="100" dirty="0">
+              <a:effectLst/>
+              <a:latin typeface="Calibri" panose="020F0502020204030204" pitchFamily="34" charset="0"/>
+              <a:ea typeface="Calibri" panose="020F0502020204030204" pitchFamily="34" charset="0"/>
+              <a:cs typeface="Times New Roman" panose="02020603050405020304" pitchFamily="18" charset="0"/>
+            </a:endParaRPr>
+          </a:p>
+          <a:p>
+            <a:pPr marL="0" marR="0">
+              <a:lnSpc>
+                <a:spcPct val="107000"/>
+              </a:lnSpc>
+              <a:spcBef>
+                <a:spcPts val="0"/>
+              </a:spcBef>
+              <a:spcAft>
+                <a:spcPts val="800"/>
+              </a:spcAft>
+            </a:pPr>
+            <a:r>
+              <a:rPr lang="en-US" sz="1800" kern="100" dirty="0">
+                <a:effectLst/>
+                <a:latin typeface="Calibri" panose="020F0502020204030204" pitchFamily="34" charset="0"/>
+                <a:ea typeface="Calibri" panose="020F0502020204030204" pitchFamily="34" charset="0"/>
+                <a:cs typeface="Calibri" panose="020F0502020204030204" pitchFamily="34" charset="0"/>
+              </a:rPr>
+              <a:t>As you can see from the charts….</a:t>
+            </a:r>
+          </a:p>
+          <a:p>
+            <a:pPr marL="0" marR="0">
+              <a:lnSpc>
+                <a:spcPct val="107000"/>
+              </a:lnSpc>
+              <a:spcBef>
+                <a:spcPts val="0"/>
+              </a:spcBef>
+              <a:spcAft>
+                <a:spcPts val="800"/>
+              </a:spcAft>
+            </a:pPr>
+            <a:endParaRPr lang="en-US" sz="1800" kern="100" dirty="0">
+              <a:effectLst/>
+              <a:latin typeface="Calibri" panose="020F0502020204030204" pitchFamily="34" charset="0"/>
+              <a:ea typeface="Calibri" panose="020F0502020204030204" pitchFamily="34" charset="0"/>
+              <a:cs typeface="Times New Roman" panose="02020603050405020304" pitchFamily="18" charset="0"/>
+            </a:endParaRPr>
+          </a:p>
+          <a:p>
+            <a:pPr marL="0" marR="0">
+              <a:lnSpc>
+                <a:spcPct val="107000"/>
+              </a:lnSpc>
+              <a:spcBef>
+                <a:spcPts val="0"/>
+              </a:spcBef>
+              <a:spcAft>
+                <a:spcPts val="800"/>
+              </a:spcAft>
+            </a:pPr>
+            <a:r>
+              <a:rPr lang="en-US" sz="1800" kern="100" dirty="0">
+                <a:effectLst/>
+                <a:latin typeface="Calibri" panose="020F0502020204030204" pitchFamily="34" charset="0"/>
+                <a:ea typeface="Calibri" panose="020F0502020204030204" pitchFamily="34" charset="0"/>
+                <a:cs typeface="Calibri" panose="020F0502020204030204" pitchFamily="34" charset="0"/>
+              </a:rPr>
+              <a:t>The dispersion observed in the charts for GDP per CAPITA to CONSUMPTION Indicates a lack of correlation.</a:t>
+            </a:r>
+          </a:p>
+          <a:p>
+            <a:pPr marL="0" marR="0">
+              <a:lnSpc>
+                <a:spcPct val="107000"/>
+              </a:lnSpc>
+              <a:spcBef>
+                <a:spcPts val="0"/>
+              </a:spcBef>
+              <a:spcAft>
+                <a:spcPts val="800"/>
+              </a:spcAft>
+            </a:pPr>
+            <a:endParaRPr lang="en-US" sz="1800" kern="100" dirty="0">
+              <a:effectLst/>
+              <a:latin typeface="Calibri" panose="020F0502020204030204" pitchFamily="34" charset="0"/>
+              <a:ea typeface="Calibri" panose="020F0502020204030204" pitchFamily="34" charset="0"/>
+              <a:cs typeface="Times New Roman" panose="02020603050405020304" pitchFamily="18" charset="0"/>
+            </a:endParaRPr>
+          </a:p>
+          <a:p>
+            <a:pPr marL="0" marR="0">
+              <a:lnSpc>
+                <a:spcPct val="107000"/>
+              </a:lnSpc>
+              <a:spcBef>
+                <a:spcPts val="0"/>
+              </a:spcBef>
+              <a:spcAft>
+                <a:spcPts val="800"/>
+              </a:spcAft>
+            </a:pPr>
+            <a:r>
+              <a:rPr lang="en-US" sz="1800" kern="100" dirty="0">
+                <a:effectLst/>
+                <a:latin typeface="Calibri" panose="020F0502020204030204" pitchFamily="34" charset="0"/>
+                <a:ea typeface="Calibri" panose="020F0502020204030204" pitchFamily="34" charset="0"/>
+                <a:cs typeface="Calibri" panose="020F0502020204030204" pitchFamily="34" charset="0"/>
+              </a:rPr>
+              <a:t>Using the Data, I made the same comparison using Population to CONSUMPTION and realized that this a much stronger correlation than GDP per CAPITA correlation.</a:t>
+            </a:r>
+          </a:p>
+          <a:p>
+            <a:pPr marL="0" marR="0">
+              <a:lnSpc>
+                <a:spcPct val="107000"/>
+              </a:lnSpc>
+              <a:spcBef>
+                <a:spcPts val="0"/>
+              </a:spcBef>
+              <a:spcAft>
+                <a:spcPts val="800"/>
+              </a:spcAft>
+            </a:pPr>
+            <a:endParaRPr lang="en-US" sz="1800" kern="100" dirty="0">
+              <a:effectLst/>
+              <a:latin typeface="Calibri" panose="020F0502020204030204" pitchFamily="34" charset="0"/>
+              <a:ea typeface="Calibri" panose="020F0502020204030204" pitchFamily="34" charset="0"/>
+              <a:cs typeface="Times New Roman" panose="02020603050405020304" pitchFamily="18" charset="0"/>
+            </a:endParaRPr>
+          </a:p>
+          <a:p>
+            <a:pPr marL="0" marR="0">
+              <a:lnSpc>
+                <a:spcPct val="107000"/>
+              </a:lnSpc>
+              <a:spcBef>
+                <a:spcPts val="0"/>
+              </a:spcBef>
+              <a:spcAft>
+                <a:spcPts val="800"/>
+              </a:spcAft>
+            </a:pPr>
+            <a:r>
+              <a:rPr lang="en-US" sz="1800" kern="100" dirty="0">
+                <a:effectLst/>
+                <a:latin typeface="Calibri" panose="020F0502020204030204" pitchFamily="34" charset="0"/>
+                <a:ea typeface="Calibri" panose="020F0502020204030204" pitchFamily="34" charset="0"/>
+                <a:cs typeface="Calibri" panose="020F0502020204030204" pitchFamily="34" charset="0"/>
+              </a:rPr>
+              <a:t>Additionally….I conducted a review utilizing the values for Total Expenditure for ENERGY (since this is closely related to CONSUMPTION) and received the same tight groupings indicating a strong correlation</a:t>
+            </a:r>
+          </a:p>
+          <a:p>
+            <a:pPr marL="0" marR="0">
+              <a:lnSpc>
+                <a:spcPct val="107000"/>
+              </a:lnSpc>
+              <a:spcBef>
+                <a:spcPts val="0"/>
+              </a:spcBef>
+              <a:spcAft>
+                <a:spcPts val="800"/>
+              </a:spcAft>
+            </a:pPr>
+            <a:endParaRPr lang="en-US" sz="1800" kern="100" dirty="0">
+              <a:effectLst/>
+              <a:latin typeface="Calibri" panose="020F0502020204030204" pitchFamily="34" charset="0"/>
+              <a:ea typeface="Calibri" panose="020F0502020204030204" pitchFamily="34" charset="0"/>
+              <a:cs typeface="Times New Roman" panose="02020603050405020304" pitchFamily="18" charset="0"/>
+            </a:endParaRPr>
+          </a:p>
+          <a:p>
+            <a:pPr marL="0" marR="0">
+              <a:lnSpc>
+                <a:spcPct val="107000"/>
+              </a:lnSpc>
+              <a:spcBef>
+                <a:spcPts val="0"/>
+              </a:spcBef>
+              <a:spcAft>
+                <a:spcPts val="800"/>
+              </a:spcAft>
+            </a:pPr>
+            <a:r>
+              <a:rPr lang="en-US" sz="1800" kern="100" dirty="0">
+                <a:effectLst/>
+                <a:latin typeface="Calibri" panose="020F0502020204030204" pitchFamily="34" charset="0"/>
+                <a:ea typeface="Calibri" panose="020F0502020204030204" pitchFamily="34" charset="0"/>
+                <a:cs typeface="Calibri" panose="020F0502020204030204" pitchFamily="34" charset="0"/>
+              </a:rPr>
+              <a:t>While this was contrary to my thesis it  clearly demonstrates “The Simplest Answer is Usually the Best  One”</a:t>
+            </a:r>
+          </a:p>
+          <a:p>
+            <a:pPr marL="0" marR="0">
+              <a:lnSpc>
+                <a:spcPct val="107000"/>
+              </a:lnSpc>
+              <a:spcBef>
+                <a:spcPts val="0"/>
+              </a:spcBef>
+              <a:spcAft>
+                <a:spcPts val="800"/>
+              </a:spcAft>
+            </a:pPr>
+            <a:endParaRPr lang="en-US" sz="1800" kern="100" dirty="0">
+              <a:effectLst/>
+              <a:latin typeface="Calibri" panose="020F0502020204030204" pitchFamily="34" charset="0"/>
+              <a:ea typeface="Calibri" panose="020F0502020204030204" pitchFamily="34" charset="0"/>
+              <a:cs typeface="Times New Roman" panose="02020603050405020304" pitchFamily="18" charset="0"/>
+            </a:endParaRPr>
+          </a:p>
+          <a:p>
+            <a:pPr marL="0" marR="0">
+              <a:lnSpc>
+                <a:spcPct val="107000"/>
+              </a:lnSpc>
+              <a:spcBef>
+                <a:spcPts val="0"/>
+              </a:spcBef>
+              <a:spcAft>
+                <a:spcPts val="800"/>
+              </a:spcAft>
+            </a:pPr>
+            <a:r>
+              <a:rPr lang="en-US" sz="1800" kern="100" dirty="0">
+                <a:effectLst/>
+                <a:latin typeface="Calibri" panose="020F0502020204030204" pitchFamily="34" charset="0"/>
+                <a:ea typeface="Calibri" panose="020F0502020204030204" pitchFamily="34" charset="0"/>
+                <a:cs typeface="Calibri" panose="020F0502020204030204" pitchFamily="34" charset="0"/>
+              </a:rPr>
+              <a:t>Population not GDP per CAPITA is the better predictor of ENERGY CONSUMPTION.</a:t>
+            </a:r>
+            <a:endParaRPr lang="en-US" sz="1800" kern="100" dirty="0">
+              <a:effectLst/>
+              <a:latin typeface="Calibri" panose="020F0502020204030204" pitchFamily="34" charset="0"/>
+              <a:ea typeface="Calibri" panose="020F0502020204030204" pitchFamily="34" charset="0"/>
+              <a:cs typeface="Times New Roman" panose="02020603050405020304" pitchFamily="18" charset="0"/>
+            </a:endParaRPr>
+          </a:p>
+          <a:p>
+            <a:pPr marL="0" marR="0">
+              <a:lnSpc>
+                <a:spcPct val="107000"/>
+              </a:lnSpc>
+              <a:spcBef>
+                <a:spcPts val="0"/>
+              </a:spcBef>
+              <a:spcAft>
+                <a:spcPts val="800"/>
+              </a:spcAft>
+            </a:pPr>
+            <a:r>
+              <a:rPr lang="en-US" sz="1800" kern="100" dirty="0">
+                <a:effectLst/>
+                <a:latin typeface="Calibri" panose="020F0502020204030204" pitchFamily="34" charset="0"/>
+                <a:ea typeface="Calibri" panose="020F0502020204030204" pitchFamily="34" charset="0"/>
+                <a:cs typeface="Calibri" panose="020F0502020204030204" pitchFamily="34" charset="0"/>
+              </a:rPr>
+              <a:t> </a:t>
+            </a:r>
+            <a:endParaRPr lang="en-US" sz="1800" kern="100" dirty="0">
+              <a:effectLst/>
+              <a:latin typeface="Calibri" panose="020F0502020204030204" pitchFamily="34" charset="0"/>
+              <a:ea typeface="Calibri" panose="020F0502020204030204" pitchFamily="34" charset="0"/>
+              <a:cs typeface="Times New Roman" panose="02020603050405020304" pitchFamily="18" charset="0"/>
+            </a:endParaRPr>
+          </a:p>
+          <a:p>
+            <a:pPr marL="0" marR="0">
+              <a:lnSpc>
+                <a:spcPct val="107000"/>
+              </a:lnSpc>
+              <a:spcBef>
+                <a:spcPts val="0"/>
+              </a:spcBef>
+              <a:spcAft>
+                <a:spcPts val="800"/>
+              </a:spcAft>
+            </a:pPr>
+            <a:r>
+              <a:rPr lang="en-US" sz="1800" kern="100" dirty="0">
+                <a:effectLst/>
+                <a:latin typeface="Calibri" panose="020F0502020204030204" pitchFamily="34" charset="0"/>
+                <a:ea typeface="Calibri" panose="020F0502020204030204" pitchFamily="34" charset="0"/>
+                <a:cs typeface="Calibri" panose="020F0502020204030204" pitchFamily="34" charset="0"/>
+              </a:rPr>
+              <a:t>With this out of the way…..We will look at some stats for…..</a:t>
+            </a:r>
+            <a:endParaRPr lang="en-US" sz="1800" kern="100" dirty="0">
+              <a:effectLst/>
+              <a:latin typeface="Calibri" panose="020F0502020204030204" pitchFamily="34" charset="0"/>
+              <a:ea typeface="Calibri" panose="020F0502020204030204" pitchFamily="34" charset="0"/>
+              <a:cs typeface="Times New Roman" panose="02020603050405020304" pitchFamily="18" charset="0"/>
+            </a:endParaRPr>
+          </a:p>
+          <a:p>
+            <a:pPr marL="0" marR="0">
+              <a:lnSpc>
+                <a:spcPct val="107000"/>
+              </a:lnSpc>
+              <a:spcBef>
+                <a:spcPts val="0"/>
+              </a:spcBef>
+              <a:spcAft>
+                <a:spcPts val="800"/>
+              </a:spcAft>
+            </a:pPr>
+            <a:r>
+              <a:rPr lang="en-US" sz="1800" kern="100" dirty="0">
+                <a:effectLst/>
+                <a:latin typeface="Calibri" panose="020F0502020204030204" pitchFamily="34" charset="0"/>
+                <a:ea typeface="Calibri" panose="020F0502020204030204" pitchFamily="34" charset="0"/>
+                <a:cs typeface="Calibri" panose="020F0502020204030204" pitchFamily="34" charset="0"/>
+              </a:rPr>
+              <a:t> </a:t>
+            </a:r>
+            <a:endParaRPr lang="en-US" sz="1800" kern="100" dirty="0">
+              <a:effectLst/>
+              <a:latin typeface="Calibri" panose="020F0502020204030204" pitchFamily="34" charset="0"/>
+              <a:ea typeface="Calibri" panose="020F0502020204030204" pitchFamily="34" charset="0"/>
+              <a:cs typeface="Times New Roman" panose="02020603050405020304" pitchFamily="18" charset="0"/>
+            </a:endParaRPr>
+          </a:p>
+          <a:p>
+            <a:pPr marL="0" marR="0">
+              <a:lnSpc>
+                <a:spcPct val="107000"/>
+              </a:lnSpc>
+              <a:spcBef>
+                <a:spcPts val="0"/>
+              </a:spcBef>
+              <a:spcAft>
+                <a:spcPts val="800"/>
+              </a:spcAft>
+            </a:pPr>
+            <a:r>
+              <a:rPr lang="en-US" sz="1800" b="1" kern="100" dirty="0">
+                <a:effectLst/>
+                <a:latin typeface="Calibri" panose="020F0502020204030204" pitchFamily="34" charset="0"/>
+                <a:ea typeface="Calibri" panose="020F0502020204030204" pitchFamily="34" charset="0"/>
+                <a:cs typeface="Calibri" panose="020F0502020204030204" pitchFamily="34" charset="0"/>
+              </a:rPr>
+              <a:t>TECHNOLOGY / FUTURE GROWTH</a:t>
+            </a:r>
+            <a:endParaRPr lang="en-US" sz="1800" kern="100" dirty="0">
+              <a:effectLst/>
+              <a:latin typeface="Calibri" panose="020F0502020204030204" pitchFamily="34" charset="0"/>
+              <a:ea typeface="Calibri" panose="020F0502020204030204" pitchFamily="34" charset="0"/>
+              <a:cs typeface="Times New Roman" panose="02020603050405020304" pitchFamily="18" charset="0"/>
+            </a:endParaRPr>
+          </a:p>
+          <a:p>
+            <a:endParaRPr lang="en-US" dirty="0"/>
+          </a:p>
+        </p:txBody>
+      </p:sp>
+      <p:sp>
+        <p:nvSpPr>
+          <p:cNvPr id="4" name="Slide Number Placeholder 3"/>
+          <p:cNvSpPr>
+            <a:spLocks noGrp="1"/>
+          </p:cNvSpPr>
+          <p:nvPr>
+            <p:ph type="sldNum" sz="quarter" idx="5"/>
+          </p:nvPr>
+        </p:nvSpPr>
+        <p:spPr/>
+        <p:txBody>
+          <a:bodyPr/>
+          <a:lstStyle/>
+          <a:p>
+            <a:fld id="{F97DC217-DF71-1A49-B3EA-559F1F43B0FF}" type="slidenum">
+              <a:rPr lang="en-US" smtClean="0"/>
+              <a:t>17</a:t>
+            </a:fld>
+            <a:endParaRPr lang="en-US" dirty="0"/>
+          </a:p>
+        </p:txBody>
+      </p:sp>
+    </p:spTree>
+    <p:extLst>
+      <p:ext uri="{BB962C8B-B14F-4D97-AF65-F5344CB8AC3E}">
+        <p14:creationId xmlns:p14="http://schemas.microsoft.com/office/powerpoint/2010/main" val="3078711856"/>
+      </p:ext>
+    </p:extLst>
+  </p:cSld>
+  <p:clrMapOvr>
+    <a:masterClrMapping/>
+  </p:clrMapOvr>
+</p:notes>
+</file>
+
+<file path=ppt/notesSlides/notesSlide16.xml><?xml version="1.0" encoding="utf-8"?>
+<p:notes xmlns:a="http://schemas.openxmlformats.org/drawingml/2006/main" xmlns:r="http://schemas.openxmlformats.org/officeDocument/2006/relationships" xmlns:p="http://schemas.openxmlformats.org/presentationml/2006/main">
+  <p:cSld>
+    <p:spTree>
+      <p:nvGrpSpPr>
+        <p:cNvPr id="1" name=""/>
+        <p:cNvGrpSpPr/>
+        <p:nvPr/>
+      </p:nvGrpSpPr>
+      <p:grpSpPr>
+        <a:xfrm>
+          <a:off x="0" y="0"/>
+          <a:ext cx="0" cy="0"/>
+          <a:chOff x="0" y="0"/>
+          <a:chExt cx="0" cy="0"/>
+        </a:xfrm>
+      </p:grpSpPr>
+      <p:sp>
+        <p:nvSpPr>
+          <p:cNvPr id="2" name="Slide Image Placeholder 1"/>
+          <p:cNvSpPr>
+            <a:spLocks noGrp="1" noRot="1" noChangeAspect="1"/>
+          </p:cNvSpPr>
+          <p:nvPr>
+            <p:ph type="sldImg"/>
+          </p:nvPr>
+        </p:nvSpPr>
+        <p:spPr/>
+      </p:sp>
+      <p:sp>
+        <p:nvSpPr>
+          <p:cNvPr id="3" name="Notes Placeholder 2"/>
+          <p:cNvSpPr>
+            <a:spLocks noGrp="1"/>
+          </p:cNvSpPr>
+          <p:nvPr>
+            <p:ph type="body" idx="1"/>
+          </p:nvPr>
+        </p:nvSpPr>
+        <p:spPr/>
+        <p:txBody>
+          <a:bodyPr/>
+          <a:lstStyle/>
+          <a:p>
+            <a:pPr marL="0" marR="0">
+              <a:lnSpc>
+                <a:spcPct val="107000"/>
+              </a:lnSpc>
+              <a:spcBef>
+                <a:spcPts val="0"/>
+              </a:spcBef>
+              <a:spcAft>
+                <a:spcPts val="800"/>
+              </a:spcAft>
+            </a:pPr>
+            <a:r>
+              <a:rPr lang="en-US" sz="1800" kern="100" dirty="0">
+                <a:effectLst/>
+                <a:latin typeface="Calibri" panose="020F0502020204030204" pitchFamily="34" charset="0"/>
+                <a:ea typeface="Calibri" panose="020F0502020204030204" pitchFamily="34" charset="0"/>
+                <a:cs typeface="Calibri" panose="020F0502020204030204" pitchFamily="34" charset="0"/>
+              </a:rPr>
+              <a:t>A Key Divers for Innovation is Funding….With this thought in mind I conducted a review of Government and Private Industry funding for Renewable Research &amp; Development. </a:t>
+            </a:r>
+          </a:p>
+          <a:p>
+            <a:pPr marL="0" marR="0">
+              <a:lnSpc>
+                <a:spcPct val="107000"/>
+              </a:lnSpc>
+              <a:spcBef>
+                <a:spcPts val="0"/>
+              </a:spcBef>
+              <a:spcAft>
+                <a:spcPts val="800"/>
+              </a:spcAft>
+            </a:pPr>
+            <a:endParaRPr lang="en-US" sz="1800" kern="100" dirty="0">
+              <a:effectLst/>
+              <a:latin typeface="Calibri" panose="020F0502020204030204" pitchFamily="34" charset="0"/>
+              <a:ea typeface="Calibri" panose="020F0502020204030204" pitchFamily="34" charset="0"/>
+              <a:cs typeface="Times New Roman" panose="02020603050405020304" pitchFamily="18" charset="0"/>
+            </a:endParaRPr>
+          </a:p>
+          <a:p>
+            <a:pPr marL="0" marR="0">
+              <a:lnSpc>
+                <a:spcPct val="107000"/>
+              </a:lnSpc>
+              <a:spcBef>
+                <a:spcPts val="0"/>
+              </a:spcBef>
+              <a:spcAft>
+                <a:spcPts val="800"/>
+              </a:spcAft>
+            </a:pPr>
+            <a:r>
+              <a:rPr lang="en-US" sz="1800" kern="100" dirty="0">
+                <a:effectLst/>
+                <a:latin typeface="Calibri" panose="020F0502020204030204" pitchFamily="34" charset="0"/>
+                <a:ea typeface="Calibri" panose="020F0502020204030204" pitchFamily="34" charset="0"/>
+                <a:cs typeface="Calibri" panose="020F0502020204030204" pitchFamily="34" charset="0"/>
+              </a:rPr>
+              <a:t>Utilizing a 10-year period from 2005 through 2015 we can see an overall investment of approximately $15B</a:t>
+            </a:r>
+            <a:endParaRPr lang="en-US" sz="1800" kern="100" dirty="0">
+              <a:effectLst/>
+              <a:latin typeface="Calibri" panose="020F0502020204030204" pitchFamily="34" charset="0"/>
+              <a:ea typeface="Calibri" panose="020F0502020204030204" pitchFamily="34" charset="0"/>
+              <a:cs typeface="Times New Roman" panose="02020603050405020304" pitchFamily="18" charset="0"/>
+            </a:endParaRPr>
+          </a:p>
+          <a:p>
+            <a:pPr marL="342900" marR="0" lvl="0" indent="-342900">
+              <a:lnSpc>
+                <a:spcPct val="107000"/>
+              </a:lnSpc>
+              <a:spcBef>
+                <a:spcPts val="0"/>
+              </a:spcBef>
+              <a:spcAft>
+                <a:spcPts val="0"/>
+              </a:spcAft>
+              <a:buFont typeface="Calibri" panose="020F0502020204030204" pitchFamily="34" charset="0"/>
+              <a:buChar char="-"/>
+            </a:pPr>
+            <a:r>
+              <a:rPr lang="en-US" sz="1800" kern="100" dirty="0">
+                <a:effectLst/>
+                <a:latin typeface="Calibri" panose="020F0502020204030204" pitchFamily="34" charset="0"/>
+                <a:ea typeface="Calibri" panose="020F0502020204030204" pitchFamily="34" charset="0"/>
+                <a:cs typeface="Calibri" panose="020F0502020204030204" pitchFamily="34" charset="0"/>
+              </a:rPr>
+              <a:t> </a:t>
+            </a:r>
+            <a:endParaRPr lang="en-US" sz="1800" kern="100" dirty="0">
+              <a:effectLst/>
+              <a:latin typeface="Calibri" panose="020F0502020204030204" pitchFamily="34" charset="0"/>
+              <a:ea typeface="Calibri" panose="020F0502020204030204" pitchFamily="34" charset="0"/>
+              <a:cs typeface="Times New Roman" panose="02020603050405020304" pitchFamily="18" charset="0"/>
+            </a:endParaRPr>
+          </a:p>
+          <a:p>
+            <a:pPr marL="342900" marR="0" lvl="0" indent="-342900">
+              <a:lnSpc>
+                <a:spcPct val="107000"/>
+              </a:lnSpc>
+              <a:spcBef>
+                <a:spcPts val="0"/>
+              </a:spcBef>
+              <a:spcAft>
+                <a:spcPts val="0"/>
+              </a:spcAft>
+              <a:buFont typeface="Calibri" panose="020F0502020204030204" pitchFamily="34" charset="0"/>
+              <a:buChar char="-"/>
+            </a:pPr>
+            <a:r>
+              <a:rPr lang="en-US" sz="1800" kern="100" dirty="0">
+                <a:effectLst/>
+                <a:latin typeface="Calibri" panose="020F0502020204030204" pitchFamily="34" charset="0"/>
+                <a:ea typeface="Calibri" panose="020F0502020204030204" pitchFamily="34" charset="0"/>
+                <a:cs typeface="Calibri" panose="020F0502020204030204" pitchFamily="34" charset="0"/>
+              </a:rPr>
+              <a:t>With the median investment from Private Industry is $1.2B while our Government’s contribution sits at $786M</a:t>
+            </a:r>
+            <a:endParaRPr lang="en-US" sz="1800" kern="100" dirty="0">
+              <a:effectLst/>
+              <a:latin typeface="Calibri" panose="020F0502020204030204" pitchFamily="34" charset="0"/>
+              <a:ea typeface="Calibri" panose="020F0502020204030204" pitchFamily="34" charset="0"/>
+              <a:cs typeface="Times New Roman" panose="02020603050405020304" pitchFamily="18" charset="0"/>
+            </a:endParaRPr>
+          </a:p>
+          <a:p>
+            <a:pPr marL="685800" marR="0">
+              <a:lnSpc>
+                <a:spcPct val="107000"/>
+              </a:lnSpc>
+              <a:spcBef>
+                <a:spcPts val="0"/>
+              </a:spcBef>
+              <a:spcAft>
+                <a:spcPts val="0"/>
+              </a:spcAft>
+            </a:pPr>
+            <a:r>
+              <a:rPr lang="en-US" sz="1800" kern="100" dirty="0">
+                <a:effectLst/>
+                <a:latin typeface="Calibri" panose="020F0502020204030204" pitchFamily="34" charset="0"/>
+                <a:ea typeface="Calibri" panose="020F0502020204030204" pitchFamily="34" charset="0"/>
+                <a:cs typeface="Calibri" panose="020F0502020204030204" pitchFamily="34" charset="0"/>
+              </a:rPr>
+              <a:t> </a:t>
+            </a:r>
+            <a:endParaRPr lang="en-US" sz="1800" kern="100" dirty="0">
+              <a:effectLst/>
+              <a:latin typeface="Calibri" panose="020F0502020204030204" pitchFamily="34" charset="0"/>
+              <a:ea typeface="Calibri" panose="020F0502020204030204" pitchFamily="34" charset="0"/>
+              <a:cs typeface="Times New Roman" panose="02020603050405020304" pitchFamily="18" charset="0"/>
+            </a:endParaRPr>
+          </a:p>
+          <a:p>
+            <a:pPr marL="342900" marR="0" lvl="0" indent="-342900">
+              <a:lnSpc>
+                <a:spcPct val="107000"/>
+              </a:lnSpc>
+              <a:spcBef>
+                <a:spcPts val="0"/>
+              </a:spcBef>
+              <a:spcAft>
+                <a:spcPts val="800"/>
+              </a:spcAft>
+              <a:buFont typeface="Calibri" panose="020F0502020204030204" pitchFamily="34" charset="0"/>
+              <a:buChar char="-"/>
+            </a:pPr>
+            <a:r>
+              <a:rPr lang="en-US" sz="1800" kern="100" dirty="0">
+                <a:effectLst/>
+                <a:latin typeface="Calibri" panose="020F0502020204030204" pitchFamily="34" charset="0"/>
+                <a:ea typeface="Calibri" panose="020F0502020204030204" pitchFamily="34" charset="0"/>
+                <a:cs typeface="Calibri" panose="020F0502020204030204" pitchFamily="34" charset="0"/>
+              </a:rPr>
+              <a:t>2009 was the highest year for Private Industry investing $3B and 2012 was the highest year for the US Government investing $1.9B</a:t>
+            </a:r>
+            <a:endParaRPr lang="en-US" sz="1800" kern="100" dirty="0">
+              <a:effectLst/>
+              <a:latin typeface="Calibri" panose="020F0502020204030204" pitchFamily="34" charset="0"/>
+              <a:ea typeface="Calibri" panose="020F0502020204030204" pitchFamily="34" charset="0"/>
+              <a:cs typeface="Times New Roman" panose="02020603050405020304" pitchFamily="18" charset="0"/>
+            </a:endParaRPr>
+          </a:p>
+          <a:p>
+            <a:endParaRPr lang="en-US" dirty="0"/>
+          </a:p>
+          <a:p>
+            <a:pPr marL="0" marR="0" lvl="0" indent="0" algn="l" defTabSz="914400" rtl="0" eaLnBrk="1" fontAlgn="auto" latinLnBrk="0" hangingPunct="1">
+              <a:lnSpc>
+                <a:spcPct val="100000"/>
+              </a:lnSpc>
+              <a:spcBef>
+                <a:spcPts val="0"/>
+              </a:spcBef>
+              <a:spcAft>
+                <a:spcPts val="0"/>
+              </a:spcAft>
+              <a:buClrTx/>
+              <a:buSzTx/>
+              <a:buFontTx/>
+              <a:buNone/>
+              <a:tabLst/>
+              <a:defRPr/>
+            </a:pPr>
+            <a:r>
+              <a:rPr lang="en-US" sz="1800" kern="100" dirty="0">
+                <a:effectLst/>
+                <a:latin typeface="Calibri" panose="020F0502020204030204" pitchFamily="34" charset="0"/>
+                <a:ea typeface="Calibri" panose="020F0502020204030204" pitchFamily="34" charset="0"/>
+                <a:cs typeface="Calibri" panose="020F0502020204030204" pitchFamily="34" charset="0"/>
+              </a:rPr>
+              <a:t>Now who were the winners from this type of investment?</a:t>
+            </a:r>
+            <a:endParaRPr lang="en-US" sz="1800" kern="100" dirty="0">
+              <a:effectLst/>
+              <a:latin typeface="Calibri" panose="020F0502020204030204" pitchFamily="34" charset="0"/>
+              <a:ea typeface="Calibri" panose="020F0502020204030204" pitchFamily="34" charset="0"/>
+              <a:cs typeface="Times New Roman" panose="02020603050405020304" pitchFamily="18" charset="0"/>
+            </a:endParaRPr>
+          </a:p>
+          <a:p>
+            <a:endParaRPr lang="en-US" dirty="0"/>
+          </a:p>
+        </p:txBody>
+      </p:sp>
+      <p:sp>
+        <p:nvSpPr>
+          <p:cNvPr id="4" name="Slide Number Placeholder 3"/>
+          <p:cNvSpPr>
+            <a:spLocks noGrp="1"/>
+          </p:cNvSpPr>
+          <p:nvPr>
+            <p:ph type="sldNum" sz="quarter" idx="5"/>
+          </p:nvPr>
+        </p:nvSpPr>
+        <p:spPr/>
+        <p:txBody>
+          <a:bodyPr/>
+          <a:lstStyle/>
+          <a:p>
+            <a:fld id="{F97DC217-DF71-1A49-B3EA-559F1F43B0FF}" type="slidenum">
+              <a:rPr lang="en-US" smtClean="0"/>
+              <a:t>19</a:t>
+            </a:fld>
+            <a:endParaRPr lang="en-US" dirty="0"/>
+          </a:p>
+        </p:txBody>
+      </p:sp>
+    </p:spTree>
+    <p:extLst>
+      <p:ext uri="{BB962C8B-B14F-4D97-AF65-F5344CB8AC3E}">
+        <p14:creationId xmlns:p14="http://schemas.microsoft.com/office/powerpoint/2010/main" val="3742776894"/>
+      </p:ext>
+    </p:extLst>
+  </p:cSld>
+  <p:clrMapOvr>
+    <a:masterClrMapping/>
+  </p:clrMapOvr>
+</p:notes>
+</file>
+
+<file path=ppt/notesSlides/notesSlide17.xml><?xml version="1.0" encoding="utf-8"?>
+<p:notes xmlns:a="http://schemas.openxmlformats.org/drawingml/2006/main" xmlns:r="http://schemas.openxmlformats.org/officeDocument/2006/relationships" xmlns:p="http://schemas.openxmlformats.org/presentationml/2006/main">
+  <p:cSld>
+    <p:spTree>
+      <p:nvGrpSpPr>
+        <p:cNvPr id="1" name=""/>
+        <p:cNvGrpSpPr/>
+        <p:nvPr/>
+      </p:nvGrpSpPr>
+      <p:grpSpPr>
+        <a:xfrm>
+          <a:off x="0" y="0"/>
+          <a:ext cx="0" cy="0"/>
+          <a:chOff x="0" y="0"/>
+          <a:chExt cx="0" cy="0"/>
+        </a:xfrm>
+      </p:grpSpPr>
+      <p:sp>
+        <p:nvSpPr>
+          <p:cNvPr id="2" name="Slide Image Placeholder 1"/>
+          <p:cNvSpPr>
+            <a:spLocks noGrp="1" noRot="1" noChangeAspect="1"/>
+          </p:cNvSpPr>
+          <p:nvPr>
+            <p:ph type="sldImg"/>
+          </p:nvPr>
+        </p:nvSpPr>
+        <p:spPr/>
+      </p:sp>
+      <p:sp>
+        <p:nvSpPr>
+          <p:cNvPr id="3" name="Notes Placeholder 2"/>
+          <p:cNvSpPr>
+            <a:spLocks noGrp="1"/>
+          </p:cNvSpPr>
+          <p:nvPr>
+            <p:ph type="body" idx="1"/>
+          </p:nvPr>
+        </p:nvSpPr>
+        <p:spPr/>
+        <p:txBody>
+          <a:bodyPr/>
+          <a:lstStyle/>
+          <a:p>
+            <a:pPr marL="342900" marR="0" lvl="0" indent="-342900">
+              <a:lnSpc>
+                <a:spcPct val="107000"/>
+              </a:lnSpc>
+              <a:spcBef>
+                <a:spcPts val="0"/>
+              </a:spcBef>
+              <a:spcAft>
+                <a:spcPts val="0"/>
+              </a:spcAft>
+              <a:buFont typeface="Calibri" panose="020F0502020204030204" pitchFamily="34" charset="0"/>
+              <a:buChar char="-"/>
+            </a:pPr>
+            <a:r>
+              <a:rPr lang="en-US" sz="1800" kern="100" dirty="0">
+                <a:effectLst/>
+                <a:latin typeface="Calibri" panose="020F0502020204030204" pitchFamily="34" charset="0"/>
+                <a:ea typeface="Calibri" panose="020F0502020204030204" pitchFamily="34" charset="0"/>
+                <a:cs typeface="Calibri" panose="020F0502020204030204" pitchFamily="34" charset="0"/>
+              </a:rPr>
+              <a:t>As we can see from this slide Solar is the clear leader in forecasted adoption with a MAX contribution to the ENERGY market for 2050 forecast at 1.7M (BN Btu)</a:t>
+            </a:r>
+            <a:endParaRPr lang="en-US" sz="1800" kern="100" dirty="0">
+              <a:effectLst/>
+              <a:latin typeface="Calibri" panose="020F0502020204030204" pitchFamily="34" charset="0"/>
+              <a:ea typeface="Calibri" panose="020F0502020204030204" pitchFamily="34" charset="0"/>
+              <a:cs typeface="Times New Roman" panose="02020603050405020304" pitchFamily="18" charset="0"/>
+            </a:endParaRPr>
+          </a:p>
+          <a:p>
+            <a:pPr marL="685800" marR="0">
+              <a:lnSpc>
+                <a:spcPct val="107000"/>
+              </a:lnSpc>
+              <a:spcBef>
+                <a:spcPts val="0"/>
+              </a:spcBef>
+              <a:spcAft>
+                <a:spcPts val="0"/>
+              </a:spcAft>
+            </a:pPr>
+            <a:r>
+              <a:rPr lang="en-US" sz="1800" kern="100" dirty="0">
+                <a:effectLst/>
+                <a:latin typeface="Calibri" panose="020F0502020204030204" pitchFamily="34" charset="0"/>
+                <a:ea typeface="Calibri" panose="020F0502020204030204" pitchFamily="34" charset="0"/>
+                <a:cs typeface="Calibri" panose="020F0502020204030204" pitchFamily="34" charset="0"/>
+              </a:rPr>
+              <a:t> </a:t>
+            </a:r>
+            <a:endParaRPr lang="en-US" sz="1800" kern="100" dirty="0">
+              <a:effectLst/>
+              <a:latin typeface="Calibri" panose="020F0502020204030204" pitchFamily="34" charset="0"/>
+              <a:ea typeface="Calibri" panose="020F0502020204030204" pitchFamily="34" charset="0"/>
+              <a:cs typeface="Times New Roman" panose="02020603050405020304" pitchFamily="18" charset="0"/>
+            </a:endParaRPr>
+          </a:p>
+          <a:p>
+            <a:pPr marL="342900" marR="0" lvl="0" indent="-342900">
+              <a:lnSpc>
+                <a:spcPct val="107000"/>
+              </a:lnSpc>
+              <a:spcBef>
+                <a:spcPts val="0"/>
+              </a:spcBef>
+              <a:spcAft>
+                <a:spcPts val="800"/>
+              </a:spcAft>
+              <a:buFont typeface="Calibri" panose="020F0502020204030204" pitchFamily="34" charset="0"/>
+              <a:buChar char="-"/>
+            </a:pPr>
+            <a:r>
+              <a:rPr lang="en-US" sz="1800" kern="100" dirty="0">
+                <a:effectLst/>
+                <a:latin typeface="Calibri" panose="020F0502020204030204" pitchFamily="34" charset="0"/>
+                <a:ea typeface="Calibri" panose="020F0502020204030204" pitchFamily="34" charset="0"/>
+                <a:cs typeface="Calibri" panose="020F0502020204030204" pitchFamily="34" charset="0"/>
+              </a:rPr>
+              <a:t>Overall, we can expect approximately 16.6M (BN Btu) from RENEWABLE ENERGY sources</a:t>
+            </a:r>
+            <a:endParaRPr lang="en-US" sz="1800" kern="100" dirty="0">
+              <a:effectLst/>
+              <a:latin typeface="Calibri" panose="020F0502020204030204" pitchFamily="34" charset="0"/>
+              <a:ea typeface="Calibri" panose="020F0502020204030204" pitchFamily="34" charset="0"/>
+              <a:cs typeface="Times New Roman" panose="02020603050405020304" pitchFamily="18" charset="0"/>
+            </a:endParaRPr>
+          </a:p>
+          <a:p>
+            <a:endParaRPr lang="en-US" dirty="0"/>
+          </a:p>
+        </p:txBody>
+      </p:sp>
+      <p:sp>
+        <p:nvSpPr>
+          <p:cNvPr id="4" name="Slide Number Placeholder 3"/>
+          <p:cNvSpPr>
+            <a:spLocks noGrp="1"/>
+          </p:cNvSpPr>
+          <p:nvPr>
+            <p:ph type="sldNum" sz="quarter" idx="5"/>
+          </p:nvPr>
+        </p:nvSpPr>
+        <p:spPr/>
+        <p:txBody>
+          <a:bodyPr/>
+          <a:lstStyle/>
+          <a:p>
+            <a:fld id="{F97DC217-DF71-1A49-B3EA-559F1F43B0FF}" type="slidenum">
+              <a:rPr lang="en-US" smtClean="0"/>
+              <a:t>20</a:t>
+            </a:fld>
+            <a:endParaRPr lang="en-US" dirty="0"/>
+          </a:p>
+        </p:txBody>
+      </p:sp>
+    </p:spTree>
+    <p:extLst>
+      <p:ext uri="{BB962C8B-B14F-4D97-AF65-F5344CB8AC3E}">
+        <p14:creationId xmlns:p14="http://schemas.microsoft.com/office/powerpoint/2010/main" val="3588760500"/>
+      </p:ext>
+    </p:extLst>
+  </p:cSld>
+  <p:clrMapOvr>
+    <a:masterClrMapping/>
+  </p:clrMapOvr>
+</p:notes>
+</file>
+
+<file path=ppt/notesSlides/notesSlide18.xml><?xml version="1.0" encoding="utf-8"?>
+<p:notes xmlns:a="http://schemas.openxmlformats.org/drawingml/2006/main" xmlns:r="http://schemas.openxmlformats.org/officeDocument/2006/relationships" xmlns:p="http://schemas.openxmlformats.org/presentationml/2006/main">
+  <p:cSld>
+    <p:spTree>
+      <p:nvGrpSpPr>
+        <p:cNvPr id="1" name=""/>
+        <p:cNvGrpSpPr/>
+        <p:nvPr/>
+      </p:nvGrpSpPr>
+      <p:grpSpPr>
+        <a:xfrm>
+          <a:off x="0" y="0"/>
+          <a:ext cx="0" cy="0"/>
+          <a:chOff x="0" y="0"/>
+          <a:chExt cx="0" cy="0"/>
+        </a:xfrm>
+      </p:grpSpPr>
+      <p:sp>
+        <p:nvSpPr>
+          <p:cNvPr id="2" name="Slide Image Placeholder 1"/>
+          <p:cNvSpPr>
+            <a:spLocks noGrp="1" noRot="1" noChangeAspect="1"/>
+          </p:cNvSpPr>
+          <p:nvPr>
+            <p:ph type="sldImg"/>
+          </p:nvPr>
+        </p:nvSpPr>
+        <p:spPr/>
+      </p:sp>
+      <p:sp>
+        <p:nvSpPr>
+          <p:cNvPr id="3" name="Notes Placeholder 2"/>
+          <p:cNvSpPr>
+            <a:spLocks noGrp="1"/>
+          </p:cNvSpPr>
+          <p:nvPr>
+            <p:ph type="body" idx="1"/>
+          </p:nvPr>
+        </p:nvSpPr>
+        <p:spPr/>
+        <p:txBody>
+          <a:bodyPr/>
+          <a:lstStyle/>
+          <a:p>
+            <a:pPr marL="0" marR="0">
+              <a:lnSpc>
+                <a:spcPct val="107000"/>
+              </a:lnSpc>
+              <a:spcBef>
+                <a:spcPts val="0"/>
+              </a:spcBef>
+              <a:spcAft>
+                <a:spcPts val="800"/>
+              </a:spcAft>
+            </a:pPr>
+            <a:r>
+              <a:rPr lang="en-US" sz="1800" kern="100" dirty="0">
+                <a:effectLst/>
+                <a:latin typeface="Calibri" panose="020F0502020204030204" pitchFamily="34" charset="0"/>
+                <a:ea typeface="Calibri" panose="020F0502020204030204" pitchFamily="34" charset="0"/>
+                <a:cs typeface="Calibri" panose="020F0502020204030204" pitchFamily="34" charset="0"/>
+              </a:rPr>
+              <a:t>And what about the future….I believe we are heading in the right direction…..</a:t>
+            </a:r>
+          </a:p>
+          <a:p>
+            <a:pPr marL="0" marR="0">
+              <a:lnSpc>
+                <a:spcPct val="107000"/>
+              </a:lnSpc>
+              <a:spcBef>
+                <a:spcPts val="0"/>
+              </a:spcBef>
+              <a:spcAft>
+                <a:spcPts val="800"/>
+              </a:spcAft>
+            </a:pPr>
+            <a:endParaRPr lang="en-US" sz="1800" kern="100" dirty="0">
+              <a:effectLst/>
+              <a:latin typeface="Calibri" panose="020F0502020204030204" pitchFamily="34" charset="0"/>
+              <a:ea typeface="Calibri" panose="020F0502020204030204" pitchFamily="34" charset="0"/>
+              <a:cs typeface="Times New Roman" panose="02020603050405020304" pitchFamily="18" charset="0"/>
+            </a:endParaRPr>
+          </a:p>
+          <a:p>
+            <a:pPr marL="342900" marR="0" lvl="0" indent="-342900">
+              <a:lnSpc>
+                <a:spcPct val="107000"/>
+              </a:lnSpc>
+              <a:spcBef>
+                <a:spcPts val="0"/>
+              </a:spcBef>
+              <a:spcAft>
+                <a:spcPts val="0"/>
+              </a:spcAft>
+              <a:buFont typeface="Calibri" panose="020F0502020204030204" pitchFamily="34" charset="0"/>
+              <a:buChar char="-"/>
+            </a:pPr>
+            <a:r>
+              <a:rPr lang="en-US" sz="1800" kern="100" dirty="0">
+                <a:effectLst/>
+                <a:latin typeface="Calibri" panose="020F0502020204030204" pitchFamily="34" charset="0"/>
+                <a:ea typeface="Calibri" panose="020F0502020204030204" pitchFamily="34" charset="0"/>
+                <a:cs typeface="Calibri" panose="020F0502020204030204" pitchFamily="34" charset="0"/>
+              </a:rPr>
+              <a:t>Looking at our current Stated Policies” for ENERGY we can expect our use of RENEWABLES to grow to 35% of our Total ENERGY Supply</a:t>
+            </a:r>
+            <a:endParaRPr lang="en-US" sz="1800" kern="100" dirty="0">
+              <a:effectLst/>
+              <a:latin typeface="Calibri" panose="020F0502020204030204" pitchFamily="34" charset="0"/>
+              <a:ea typeface="Calibri" panose="020F0502020204030204" pitchFamily="34" charset="0"/>
+              <a:cs typeface="Times New Roman" panose="02020603050405020304" pitchFamily="18" charset="0"/>
+            </a:endParaRPr>
+          </a:p>
+          <a:p>
+            <a:pPr marL="685800" marR="0">
+              <a:lnSpc>
+                <a:spcPct val="107000"/>
+              </a:lnSpc>
+              <a:spcBef>
+                <a:spcPts val="0"/>
+              </a:spcBef>
+              <a:spcAft>
+                <a:spcPts val="0"/>
+              </a:spcAft>
+            </a:pPr>
+            <a:r>
+              <a:rPr lang="en-US" sz="1800" kern="100" dirty="0">
+                <a:effectLst/>
+                <a:latin typeface="Calibri" panose="020F0502020204030204" pitchFamily="34" charset="0"/>
+                <a:ea typeface="Calibri" panose="020F0502020204030204" pitchFamily="34" charset="0"/>
+                <a:cs typeface="Calibri" panose="020F0502020204030204" pitchFamily="34" charset="0"/>
+              </a:rPr>
+              <a:t> </a:t>
+            </a:r>
+            <a:endParaRPr lang="en-US" sz="1800" kern="100" dirty="0">
+              <a:effectLst/>
+              <a:latin typeface="Calibri" panose="020F0502020204030204" pitchFamily="34" charset="0"/>
+              <a:ea typeface="Calibri" panose="020F0502020204030204" pitchFamily="34" charset="0"/>
+              <a:cs typeface="Times New Roman" panose="02020603050405020304" pitchFamily="18" charset="0"/>
+            </a:endParaRPr>
+          </a:p>
+          <a:p>
+            <a:pPr marL="342900" marR="0" lvl="0" indent="-342900">
+              <a:lnSpc>
+                <a:spcPct val="107000"/>
+              </a:lnSpc>
+              <a:spcBef>
+                <a:spcPts val="0"/>
+              </a:spcBef>
+              <a:spcAft>
+                <a:spcPts val="0"/>
+              </a:spcAft>
+              <a:buFont typeface="Calibri" panose="020F0502020204030204" pitchFamily="34" charset="0"/>
+              <a:buChar char="-"/>
+            </a:pPr>
+            <a:r>
+              <a:rPr lang="en-US" sz="1800" kern="100" dirty="0">
+                <a:effectLst/>
+                <a:latin typeface="Calibri" panose="020F0502020204030204" pitchFamily="34" charset="0"/>
+                <a:ea typeface="Calibri" panose="020F0502020204030204" pitchFamily="34" charset="0"/>
+                <a:cs typeface="Calibri" panose="020F0502020204030204" pitchFamily="34" charset="0"/>
+              </a:rPr>
+              <a:t>If we hold to our “Announced Pledges” we can reach a level of almost 61% of our Total ENERGY Supply coming from RENEWABLES</a:t>
+            </a:r>
+            <a:endParaRPr lang="en-US" sz="1800" kern="100" dirty="0">
+              <a:effectLst/>
+              <a:latin typeface="Calibri" panose="020F0502020204030204" pitchFamily="34" charset="0"/>
+              <a:ea typeface="Calibri" panose="020F0502020204030204" pitchFamily="34" charset="0"/>
+              <a:cs typeface="Times New Roman" panose="02020603050405020304" pitchFamily="18" charset="0"/>
+            </a:endParaRPr>
+          </a:p>
+          <a:p>
+            <a:pPr marL="457200" marR="0">
+              <a:lnSpc>
+                <a:spcPct val="107000"/>
+              </a:lnSpc>
+              <a:spcBef>
+                <a:spcPts val="0"/>
+              </a:spcBef>
+              <a:spcAft>
+                <a:spcPts val="0"/>
+              </a:spcAft>
+            </a:pPr>
+            <a:r>
+              <a:rPr lang="en-US" sz="1800" kern="100" dirty="0">
+                <a:effectLst/>
+                <a:latin typeface="Calibri" panose="020F0502020204030204" pitchFamily="34" charset="0"/>
+                <a:ea typeface="Calibri" panose="020F0502020204030204" pitchFamily="34" charset="0"/>
+                <a:cs typeface="Calibri" panose="020F0502020204030204" pitchFamily="34" charset="0"/>
+              </a:rPr>
+              <a:t> </a:t>
+            </a:r>
+            <a:endParaRPr lang="en-US" sz="1800" kern="100" dirty="0">
+              <a:effectLst/>
+              <a:latin typeface="Calibri" panose="020F0502020204030204" pitchFamily="34" charset="0"/>
+              <a:ea typeface="Calibri" panose="020F0502020204030204" pitchFamily="34" charset="0"/>
+              <a:cs typeface="Times New Roman" panose="02020603050405020304" pitchFamily="18" charset="0"/>
+            </a:endParaRPr>
+          </a:p>
+          <a:p>
+            <a:pPr marL="342900" marR="0" lvl="0" indent="-342900">
+              <a:lnSpc>
+                <a:spcPct val="107000"/>
+              </a:lnSpc>
+              <a:spcBef>
+                <a:spcPts val="0"/>
+              </a:spcBef>
+              <a:spcAft>
+                <a:spcPts val="800"/>
+              </a:spcAft>
+              <a:buFont typeface="Calibri" panose="020F0502020204030204" pitchFamily="34" charset="0"/>
+              <a:buChar char="-"/>
+            </a:pPr>
+            <a:r>
+              <a:rPr lang="en-US" sz="1800" kern="100" dirty="0">
+                <a:effectLst/>
+                <a:latin typeface="Calibri" panose="020F0502020204030204" pitchFamily="34" charset="0"/>
+                <a:ea typeface="Calibri" panose="020F0502020204030204" pitchFamily="34" charset="0"/>
+                <a:cs typeface="Calibri" panose="020F0502020204030204" pitchFamily="34" charset="0"/>
+              </a:rPr>
+              <a:t>And as for our GDP per CAPITA it is expected to remain on its current trajectory…</a:t>
+            </a:r>
+            <a:endParaRPr lang="en-US" sz="1800" kern="100" dirty="0">
+              <a:effectLst/>
+              <a:latin typeface="Calibri" panose="020F0502020204030204" pitchFamily="34" charset="0"/>
+              <a:ea typeface="Calibri" panose="020F0502020204030204" pitchFamily="34" charset="0"/>
+              <a:cs typeface="Times New Roman" panose="02020603050405020304" pitchFamily="18" charset="0"/>
+            </a:endParaRPr>
+          </a:p>
+          <a:p>
+            <a:endParaRPr lang="en-US" dirty="0"/>
+          </a:p>
+        </p:txBody>
+      </p:sp>
+      <p:sp>
+        <p:nvSpPr>
+          <p:cNvPr id="4" name="Slide Number Placeholder 3"/>
+          <p:cNvSpPr>
+            <a:spLocks noGrp="1"/>
+          </p:cNvSpPr>
+          <p:nvPr>
+            <p:ph type="sldNum" sz="quarter" idx="5"/>
+          </p:nvPr>
+        </p:nvSpPr>
+        <p:spPr/>
+        <p:txBody>
+          <a:bodyPr/>
+          <a:lstStyle/>
+          <a:p>
+            <a:fld id="{F97DC217-DF71-1A49-B3EA-559F1F43B0FF}" type="slidenum">
+              <a:rPr lang="en-US" smtClean="0"/>
+              <a:t>21</a:t>
+            </a:fld>
+            <a:endParaRPr lang="en-US" dirty="0"/>
+          </a:p>
+        </p:txBody>
+      </p:sp>
+    </p:spTree>
+    <p:extLst>
+      <p:ext uri="{BB962C8B-B14F-4D97-AF65-F5344CB8AC3E}">
+        <p14:creationId xmlns:p14="http://schemas.microsoft.com/office/powerpoint/2010/main" val="2043756588"/>
+      </p:ext>
+    </p:extLst>
+  </p:cSld>
+  <p:clrMapOvr>
+    <a:masterClrMapping/>
+  </p:clrMapOvr>
+</p:notes>
+</file>
+
+<file path=ppt/notesSlides/notesSlide2.xml><?xml version="1.0" encoding="utf-8"?>
+<p:notes xmlns:a="http://schemas.openxmlformats.org/drawingml/2006/main" xmlns:r="http://schemas.openxmlformats.org/officeDocument/2006/relationships" xmlns:p="http://schemas.openxmlformats.org/presentationml/2006/main">
+  <p:cSld>
+    <p:spTree>
+      <p:nvGrpSpPr>
+        <p:cNvPr id="1" name=""/>
+        <p:cNvGrpSpPr/>
+        <p:nvPr/>
+      </p:nvGrpSpPr>
+      <p:grpSpPr>
+        <a:xfrm>
+          <a:off x="0" y="0"/>
+          <a:ext cx="0" cy="0"/>
+          <a:chOff x="0" y="0"/>
+          <a:chExt cx="0" cy="0"/>
+        </a:xfrm>
+      </p:grpSpPr>
+      <p:sp>
+        <p:nvSpPr>
+          <p:cNvPr id="2" name="Slide Image Placeholder 1"/>
+          <p:cNvSpPr>
+            <a:spLocks noGrp="1" noRot="1" noChangeAspect="1"/>
+          </p:cNvSpPr>
+          <p:nvPr>
+            <p:ph type="sldImg"/>
+          </p:nvPr>
+        </p:nvSpPr>
+        <p:spPr/>
+      </p:sp>
+      <p:sp>
+        <p:nvSpPr>
+          <p:cNvPr id="3" name="Notes Placeholder 2"/>
+          <p:cNvSpPr>
+            <a:spLocks noGrp="1"/>
+          </p:cNvSpPr>
+          <p:nvPr>
+            <p:ph type="body" idx="1"/>
+          </p:nvPr>
+        </p:nvSpPr>
+        <p:spPr/>
+        <p:txBody>
+          <a:bodyPr/>
+          <a:lstStyle/>
+          <a:p>
+            <a:pPr marL="0" marR="0">
+              <a:lnSpc>
+                <a:spcPct val="107000"/>
+              </a:lnSpc>
+              <a:spcBef>
+                <a:spcPts val="0"/>
+              </a:spcBef>
+              <a:spcAft>
+                <a:spcPts val="800"/>
+              </a:spcAft>
+            </a:pPr>
+            <a:r>
+              <a:rPr lang="en-US" sz="1800" b="1" kern="100" dirty="0">
+                <a:effectLst/>
+                <a:latin typeface="Calibri" panose="020F0502020204030204" pitchFamily="34" charset="0"/>
+                <a:ea typeface="Calibri" panose="020F0502020204030204" pitchFamily="34" charset="0"/>
+                <a:cs typeface="Calibri" panose="020F0502020204030204" pitchFamily="34" charset="0"/>
+              </a:rPr>
+              <a:t>AGENDA</a:t>
+            </a:r>
+            <a:endParaRPr lang="en-US" sz="1800" kern="100" dirty="0">
+              <a:effectLst/>
+              <a:latin typeface="Calibri" panose="020F0502020204030204" pitchFamily="34" charset="0"/>
+              <a:ea typeface="Calibri" panose="020F0502020204030204" pitchFamily="34" charset="0"/>
+              <a:cs typeface="Times New Roman" panose="02020603050405020304" pitchFamily="18" charset="0"/>
+            </a:endParaRPr>
+          </a:p>
+          <a:p>
+            <a:r>
+              <a:rPr lang="en-US" sz="1800" dirty="0">
+                <a:effectLst/>
+                <a:latin typeface="Calibri" panose="020F0502020204030204" pitchFamily="34" charset="0"/>
+                <a:ea typeface="Calibri" panose="020F0502020204030204" pitchFamily="34" charset="0"/>
+              </a:rPr>
+              <a:t>This is tonight’s agenda…..I will give everyone a second to look it over before moving on</a:t>
+            </a:r>
+            <a:endParaRPr lang="en-US" dirty="0"/>
+          </a:p>
+        </p:txBody>
+      </p:sp>
+      <p:sp>
+        <p:nvSpPr>
+          <p:cNvPr id="4" name="Slide Number Placeholder 3"/>
+          <p:cNvSpPr>
+            <a:spLocks noGrp="1"/>
+          </p:cNvSpPr>
+          <p:nvPr>
+            <p:ph type="sldNum" sz="quarter" idx="5"/>
+          </p:nvPr>
+        </p:nvSpPr>
+        <p:spPr/>
+        <p:txBody>
+          <a:bodyPr/>
+          <a:lstStyle/>
+          <a:p>
+            <a:fld id="{F97DC217-DF71-1A49-B3EA-559F1F43B0FF}" type="slidenum">
+              <a:rPr lang="en-US" smtClean="0"/>
+              <a:t>2</a:t>
+            </a:fld>
+            <a:endParaRPr lang="en-US" dirty="0"/>
+          </a:p>
+        </p:txBody>
+      </p:sp>
+    </p:spTree>
+    <p:extLst>
+      <p:ext uri="{BB962C8B-B14F-4D97-AF65-F5344CB8AC3E}">
+        <p14:creationId xmlns:p14="http://schemas.microsoft.com/office/powerpoint/2010/main" val="222737003"/>
+      </p:ext>
+    </p:extLst>
+  </p:cSld>
+  <p:clrMapOvr>
+    <a:masterClrMapping/>
+  </p:clrMapOvr>
+</p:notes>
+</file>
+
+<file path=ppt/notesSlides/notesSlide3.xml><?xml version="1.0" encoding="utf-8"?>
+<p:notes xmlns:a="http://schemas.openxmlformats.org/drawingml/2006/main" xmlns:r="http://schemas.openxmlformats.org/officeDocument/2006/relationships" xmlns:p="http://schemas.openxmlformats.org/presentationml/2006/main">
+  <p:cSld>
+    <p:spTree>
+      <p:nvGrpSpPr>
+        <p:cNvPr id="1" name=""/>
+        <p:cNvGrpSpPr/>
+        <p:nvPr/>
+      </p:nvGrpSpPr>
+      <p:grpSpPr>
+        <a:xfrm>
+          <a:off x="0" y="0"/>
+          <a:ext cx="0" cy="0"/>
+          <a:chOff x="0" y="0"/>
+          <a:chExt cx="0" cy="0"/>
+        </a:xfrm>
+      </p:grpSpPr>
+      <p:sp>
+        <p:nvSpPr>
+          <p:cNvPr id="2" name="Slide Image Placeholder 1"/>
+          <p:cNvSpPr>
+            <a:spLocks noGrp="1" noRot="1" noChangeAspect="1"/>
+          </p:cNvSpPr>
+          <p:nvPr>
+            <p:ph type="sldImg"/>
+          </p:nvPr>
+        </p:nvSpPr>
+        <p:spPr/>
+      </p:sp>
+      <p:sp>
+        <p:nvSpPr>
+          <p:cNvPr id="3" name="Notes Placeholder 2"/>
+          <p:cNvSpPr>
+            <a:spLocks noGrp="1"/>
+          </p:cNvSpPr>
+          <p:nvPr>
+            <p:ph type="body" idx="1"/>
+          </p:nvPr>
+        </p:nvSpPr>
+        <p:spPr/>
+        <p:txBody>
+          <a:bodyPr/>
+          <a:lstStyle/>
+          <a:p>
+            <a:pPr marL="0" marR="0">
+              <a:lnSpc>
+                <a:spcPct val="107000"/>
+              </a:lnSpc>
+              <a:spcBef>
+                <a:spcPts val="0"/>
+              </a:spcBef>
+              <a:spcAft>
+                <a:spcPts val="800"/>
+              </a:spcAft>
+            </a:pPr>
+            <a:r>
+              <a:rPr lang="en-US" sz="1800" b="1" kern="100" dirty="0">
+                <a:effectLst/>
+                <a:latin typeface="Calibri" panose="020F0502020204030204" pitchFamily="34" charset="0"/>
+                <a:ea typeface="Calibri" panose="020F0502020204030204" pitchFamily="34" charset="0"/>
+                <a:cs typeface="Calibri" panose="020F0502020204030204" pitchFamily="34" charset="0"/>
+              </a:rPr>
+              <a:t>INTRODUCTION</a:t>
+            </a:r>
+          </a:p>
+          <a:p>
+            <a:pPr marL="0" marR="0">
+              <a:lnSpc>
+                <a:spcPct val="107000"/>
+              </a:lnSpc>
+              <a:spcBef>
+                <a:spcPts val="0"/>
+              </a:spcBef>
+              <a:spcAft>
+                <a:spcPts val="800"/>
+              </a:spcAft>
+            </a:pPr>
+            <a:endParaRPr lang="en-US" sz="1800" kern="100" dirty="0">
+              <a:effectLst/>
+              <a:latin typeface="Calibri" panose="020F0502020204030204" pitchFamily="34" charset="0"/>
+              <a:ea typeface="Calibri" panose="020F0502020204030204" pitchFamily="34" charset="0"/>
+              <a:cs typeface="Times New Roman" panose="02020603050405020304" pitchFamily="18" charset="0"/>
+            </a:endParaRPr>
+          </a:p>
+          <a:p>
+            <a:pPr marL="0" marR="0">
+              <a:lnSpc>
+                <a:spcPct val="107000"/>
+              </a:lnSpc>
+              <a:spcBef>
+                <a:spcPts val="0"/>
+              </a:spcBef>
+              <a:spcAft>
+                <a:spcPts val="800"/>
+              </a:spcAft>
+            </a:pPr>
+            <a:r>
+              <a:rPr lang="en-US" sz="1800" kern="100" dirty="0">
+                <a:effectLst/>
+                <a:latin typeface="Calibri" panose="020F0502020204030204" pitchFamily="34" charset="0"/>
+                <a:ea typeface="Calibri" panose="020F0502020204030204" pitchFamily="34" charset="0"/>
+                <a:cs typeface="Calibri" panose="020F0502020204030204" pitchFamily="34" charset="0"/>
+              </a:rPr>
+              <a:t>There has been a consistent axiom since the beginning of the industrial revolution that ENERGY drives commerce.</a:t>
+            </a:r>
+          </a:p>
+          <a:p>
+            <a:pPr marL="0" marR="0">
+              <a:lnSpc>
+                <a:spcPct val="107000"/>
+              </a:lnSpc>
+              <a:spcBef>
+                <a:spcPts val="0"/>
+              </a:spcBef>
+              <a:spcAft>
+                <a:spcPts val="800"/>
+              </a:spcAft>
+            </a:pPr>
+            <a:endParaRPr lang="en-US" sz="1800" kern="100" dirty="0">
+              <a:effectLst/>
+              <a:latin typeface="Calibri" panose="020F0502020204030204" pitchFamily="34" charset="0"/>
+              <a:ea typeface="Calibri" panose="020F0502020204030204" pitchFamily="34" charset="0"/>
+              <a:cs typeface="Times New Roman" panose="02020603050405020304" pitchFamily="18" charset="0"/>
+            </a:endParaRPr>
+          </a:p>
+          <a:p>
+            <a:pPr marL="0" marR="0">
+              <a:lnSpc>
+                <a:spcPct val="107000"/>
+              </a:lnSpc>
+              <a:spcBef>
+                <a:spcPts val="0"/>
+              </a:spcBef>
+              <a:spcAft>
+                <a:spcPts val="800"/>
+              </a:spcAft>
+            </a:pPr>
+            <a:r>
+              <a:rPr lang="en-US" sz="1800" kern="100" dirty="0">
+                <a:effectLst/>
+                <a:latin typeface="Calibri" panose="020F0502020204030204" pitchFamily="34" charset="0"/>
+                <a:ea typeface="Calibri" panose="020F0502020204030204" pitchFamily="34" charset="0"/>
+                <a:cs typeface="Calibri" panose="020F0502020204030204" pitchFamily="34" charset="0"/>
+              </a:rPr>
+              <a:t>The primary goal of this project was to compare ENERGY CONSUMPTION and PRODUCTION to GDP per CAPITA at the state and national level while understanding the nation’s shift away from FOSSIL FUELS and if / how this relates to the nation’s leading fiscal metric. </a:t>
+            </a:r>
+          </a:p>
+          <a:p>
+            <a:pPr marL="0" marR="0">
+              <a:lnSpc>
+                <a:spcPct val="107000"/>
+              </a:lnSpc>
+              <a:spcBef>
+                <a:spcPts val="0"/>
+              </a:spcBef>
+              <a:spcAft>
+                <a:spcPts val="800"/>
+              </a:spcAft>
+            </a:pPr>
+            <a:endParaRPr lang="en-US" sz="1800" kern="100" dirty="0">
+              <a:effectLst/>
+              <a:latin typeface="Calibri" panose="020F0502020204030204" pitchFamily="34" charset="0"/>
+              <a:ea typeface="Calibri" panose="020F0502020204030204" pitchFamily="34" charset="0"/>
+              <a:cs typeface="Times New Roman" panose="02020603050405020304" pitchFamily="18" charset="0"/>
+            </a:endParaRPr>
+          </a:p>
+          <a:p>
+            <a:pPr marL="0" marR="0">
+              <a:lnSpc>
+                <a:spcPct val="107000"/>
+              </a:lnSpc>
+              <a:spcBef>
+                <a:spcPts val="0"/>
+              </a:spcBef>
+              <a:spcAft>
+                <a:spcPts val="800"/>
+              </a:spcAft>
+            </a:pPr>
+            <a:r>
+              <a:rPr lang="en-US" sz="1800" kern="100" dirty="0">
+                <a:effectLst/>
+                <a:latin typeface="Calibri" panose="020F0502020204030204" pitchFamily="34" charset="0"/>
+                <a:ea typeface="Calibri" panose="020F0502020204030204" pitchFamily="34" charset="0"/>
+                <a:cs typeface="Calibri" panose="020F0502020204030204" pitchFamily="34" charset="0"/>
+              </a:rPr>
+              <a:t>My motivation for this project stems from growing up as a child during the “ENERGY Crisis” of the 1970s. I have been impressed with the move away from FOSSIL FUELS and adoption of renewable ENERGY over the last few decades and looked forward to studying the topic for my Capstone. </a:t>
+            </a:r>
+            <a:endParaRPr lang="en-US" sz="1800" kern="100" dirty="0">
+              <a:effectLst/>
+              <a:latin typeface="Calibri" panose="020F0502020204030204" pitchFamily="34" charset="0"/>
+              <a:ea typeface="Calibri" panose="020F0502020204030204" pitchFamily="34" charset="0"/>
+              <a:cs typeface="Times New Roman" panose="02020603050405020304" pitchFamily="18" charset="0"/>
+            </a:endParaRPr>
+          </a:p>
+          <a:p>
+            <a:endParaRPr lang="en-US" dirty="0"/>
+          </a:p>
+        </p:txBody>
+      </p:sp>
+      <p:sp>
+        <p:nvSpPr>
+          <p:cNvPr id="4" name="Slide Number Placeholder 3"/>
+          <p:cNvSpPr>
+            <a:spLocks noGrp="1"/>
+          </p:cNvSpPr>
+          <p:nvPr>
+            <p:ph type="sldNum" sz="quarter" idx="5"/>
+          </p:nvPr>
+        </p:nvSpPr>
+        <p:spPr/>
+        <p:txBody>
+          <a:bodyPr/>
+          <a:lstStyle/>
+          <a:p>
+            <a:fld id="{F97DC217-DF71-1A49-B3EA-559F1F43B0FF}" type="slidenum">
+              <a:rPr lang="en-US" smtClean="0"/>
+              <a:t>3</a:t>
+            </a:fld>
+            <a:endParaRPr lang="en-US" dirty="0"/>
+          </a:p>
+        </p:txBody>
+      </p:sp>
+    </p:spTree>
+    <p:extLst>
+      <p:ext uri="{BB962C8B-B14F-4D97-AF65-F5344CB8AC3E}">
+        <p14:creationId xmlns:p14="http://schemas.microsoft.com/office/powerpoint/2010/main" val="979847515"/>
+      </p:ext>
+    </p:extLst>
+  </p:cSld>
+  <p:clrMapOvr>
+    <a:masterClrMapping/>
+  </p:clrMapOvr>
+</p:notes>
+</file>
+
+<file path=ppt/notesSlides/notesSlide4.xml><?xml version="1.0" encoding="utf-8"?>
+<p:notes xmlns:a="http://schemas.openxmlformats.org/drawingml/2006/main" xmlns:r="http://schemas.openxmlformats.org/officeDocument/2006/relationships" xmlns:p="http://schemas.openxmlformats.org/presentationml/2006/main">
+  <p:cSld>
+    <p:spTree>
+      <p:nvGrpSpPr>
+        <p:cNvPr id="1" name=""/>
+        <p:cNvGrpSpPr/>
+        <p:nvPr/>
+      </p:nvGrpSpPr>
+      <p:grpSpPr>
+        <a:xfrm>
+          <a:off x="0" y="0"/>
+          <a:ext cx="0" cy="0"/>
+          <a:chOff x="0" y="0"/>
+          <a:chExt cx="0" cy="0"/>
+        </a:xfrm>
+      </p:grpSpPr>
+      <p:sp>
+        <p:nvSpPr>
+          <p:cNvPr id="2" name="Slide Image Placeholder 1"/>
+          <p:cNvSpPr>
+            <a:spLocks noGrp="1" noRot="1" noChangeAspect="1"/>
+          </p:cNvSpPr>
+          <p:nvPr>
+            <p:ph type="sldImg"/>
+          </p:nvPr>
+        </p:nvSpPr>
+        <p:spPr/>
+      </p:sp>
+      <p:sp>
+        <p:nvSpPr>
+          <p:cNvPr id="3" name="Notes Placeholder 2"/>
+          <p:cNvSpPr>
+            <a:spLocks noGrp="1"/>
+          </p:cNvSpPr>
+          <p:nvPr>
+            <p:ph type="body" idx="1"/>
+          </p:nvPr>
+        </p:nvSpPr>
+        <p:spPr/>
+        <p:txBody>
+          <a:bodyPr/>
+          <a:lstStyle/>
+          <a:p>
+            <a:pPr marL="0" marR="0">
+              <a:lnSpc>
+                <a:spcPct val="107000"/>
+              </a:lnSpc>
+              <a:spcBef>
+                <a:spcPts val="0"/>
+              </a:spcBef>
+              <a:spcAft>
+                <a:spcPts val="800"/>
+              </a:spcAft>
+            </a:pPr>
+            <a:r>
+              <a:rPr lang="en-US" sz="1800" kern="100" dirty="0">
+                <a:effectLst/>
+                <a:latin typeface="Calibri" panose="020F0502020204030204" pitchFamily="34" charset="0"/>
+                <a:ea typeface="Calibri" panose="020F0502020204030204" pitchFamily="34" charset="0"/>
+                <a:cs typeface="Calibri" panose="020F0502020204030204" pitchFamily="34" charset="0"/>
+              </a:rPr>
+              <a:t>My analysis included datasets from Bureau of Economic Analysis, US Census Bureau, ENERGY Information Agency, &amp; International Information Agency and data for the years 1970, 1980, 1990, 2000, 2010, &amp; 2020.</a:t>
+            </a:r>
+            <a:endParaRPr lang="en-US" sz="1800" kern="100" dirty="0">
+              <a:effectLst/>
+              <a:latin typeface="Calibri" panose="020F0502020204030204" pitchFamily="34" charset="0"/>
+              <a:ea typeface="Calibri" panose="020F0502020204030204" pitchFamily="34" charset="0"/>
+              <a:cs typeface="Times New Roman" panose="02020603050405020304" pitchFamily="18" charset="0"/>
+            </a:endParaRPr>
+          </a:p>
+          <a:p>
+            <a:pPr marL="0" marR="0">
+              <a:lnSpc>
+                <a:spcPct val="107000"/>
+              </a:lnSpc>
+              <a:spcBef>
+                <a:spcPts val="0"/>
+              </a:spcBef>
+              <a:spcAft>
+                <a:spcPts val="800"/>
+              </a:spcAft>
+            </a:pPr>
+            <a:r>
+              <a:rPr lang="en-US" sz="1800" kern="100" dirty="0">
+                <a:effectLst/>
+                <a:latin typeface="Calibri" panose="020F0502020204030204" pitchFamily="34" charset="0"/>
+                <a:ea typeface="Calibri" panose="020F0502020204030204" pitchFamily="34" charset="0"/>
+                <a:cs typeface="Calibri" panose="020F0502020204030204" pitchFamily="34" charset="0"/>
+              </a:rPr>
+              <a:t>And a few definitions before we get started….. </a:t>
+            </a:r>
+            <a:br>
+              <a:rPr lang="en-US" sz="1800" kern="100" dirty="0">
+                <a:effectLst/>
+                <a:latin typeface="Calibri" panose="020F0502020204030204" pitchFamily="34" charset="0"/>
+                <a:ea typeface="Calibri" panose="020F0502020204030204" pitchFamily="34" charset="0"/>
+                <a:cs typeface="Calibri" panose="020F0502020204030204" pitchFamily="34" charset="0"/>
+              </a:rPr>
+            </a:br>
+            <a:br>
+              <a:rPr lang="en-US" sz="1800" kern="100" dirty="0">
+                <a:effectLst/>
+                <a:latin typeface="Calibri" panose="020F0502020204030204" pitchFamily="34" charset="0"/>
+                <a:ea typeface="Calibri" panose="020F0502020204030204" pitchFamily="34" charset="0"/>
+                <a:cs typeface="Calibri" panose="020F0502020204030204" pitchFamily="34" charset="0"/>
+              </a:rPr>
+            </a:br>
+            <a:r>
+              <a:rPr lang="en-US" sz="1800" kern="100" dirty="0">
+                <a:effectLst/>
+                <a:latin typeface="Calibri" panose="020F0502020204030204" pitchFamily="34" charset="0"/>
+                <a:ea typeface="Calibri" panose="020F0502020204030204" pitchFamily="34" charset="0"/>
+                <a:cs typeface="Calibri" panose="020F0502020204030204" pitchFamily="34" charset="0"/>
+              </a:rPr>
+              <a:t>-        GDP…..Total value for goods and services for a country / state within a specific period</a:t>
+            </a:r>
+          </a:p>
+          <a:p>
+            <a:pPr marL="0" marR="0">
+              <a:lnSpc>
+                <a:spcPct val="107000"/>
+              </a:lnSpc>
+              <a:spcBef>
+                <a:spcPts val="0"/>
+              </a:spcBef>
+              <a:spcAft>
+                <a:spcPts val="800"/>
+              </a:spcAft>
+            </a:pPr>
+            <a:endParaRPr lang="en-US" sz="1800" kern="100" dirty="0">
+              <a:effectLst/>
+              <a:latin typeface="Calibri" panose="020F0502020204030204" pitchFamily="34" charset="0"/>
+              <a:ea typeface="Calibri" panose="020F0502020204030204" pitchFamily="34" charset="0"/>
+              <a:cs typeface="Times New Roman" panose="02020603050405020304" pitchFamily="18" charset="0"/>
+            </a:endParaRPr>
+          </a:p>
+          <a:p>
+            <a:pPr marL="342900" marR="0" lvl="0" indent="-342900">
+              <a:lnSpc>
+                <a:spcPct val="107000"/>
+              </a:lnSpc>
+              <a:spcBef>
+                <a:spcPts val="0"/>
+              </a:spcBef>
+              <a:spcAft>
+                <a:spcPts val="0"/>
+              </a:spcAft>
+              <a:buFont typeface="Calibri" panose="020F0502020204030204" pitchFamily="34" charset="0"/>
+              <a:buChar char="-"/>
+            </a:pPr>
+            <a:r>
+              <a:rPr lang="en-US" sz="1800" kern="100" dirty="0">
+                <a:effectLst/>
+                <a:latin typeface="Calibri" panose="020F0502020204030204" pitchFamily="34" charset="0"/>
+                <a:ea typeface="Calibri" panose="020F0502020204030204" pitchFamily="34" charset="0"/>
+                <a:cs typeface="Calibri" panose="020F0502020204030204" pitchFamily="34" charset="0"/>
+              </a:rPr>
+              <a:t>GDP per CAPITA: GDP / Population</a:t>
+            </a:r>
+            <a:endParaRPr lang="en-US" sz="1800" kern="100" dirty="0">
+              <a:effectLst/>
+              <a:latin typeface="Calibri" panose="020F0502020204030204" pitchFamily="34" charset="0"/>
+              <a:ea typeface="Calibri" panose="020F0502020204030204" pitchFamily="34" charset="0"/>
+              <a:cs typeface="Times New Roman" panose="02020603050405020304" pitchFamily="18" charset="0"/>
+            </a:endParaRPr>
+          </a:p>
+          <a:p>
+            <a:pPr marL="685800" marR="0">
+              <a:lnSpc>
+                <a:spcPct val="107000"/>
+              </a:lnSpc>
+              <a:spcBef>
+                <a:spcPts val="0"/>
+              </a:spcBef>
+              <a:spcAft>
+                <a:spcPts val="0"/>
+              </a:spcAft>
+            </a:pPr>
+            <a:r>
+              <a:rPr lang="en-US" sz="1800" kern="100" dirty="0">
+                <a:effectLst/>
+                <a:latin typeface="Calibri" panose="020F0502020204030204" pitchFamily="34" charset="0"/>
+                <a:ea typeface="Calibri" panose="020F0502020204030204" pitchFamily="34" charset="0"/>
+                <a:cs typeface="Calibri" panose="020F0502020204030204" pitchFamily="34" charset="0"/>
+              </a:rPr>
+              <a:t> </a:t>
+            </a:r>
+            <a:endParaRPr lang="en-US" sz="1800" kern="100" dirty="0">
+              <a:effectLst/>
+              <a:latin typeface="Calibri" panose="020F0502020204030204" pitchFamily="34" charset="0"/>
+              <a:ea typeface="Calibri" panose="020F0502020204030204" pitchFamily="34" charset="0"/>
+              <a:cs typeface="Times New Roman" panose="02020603050405020304" pitchFamily="18" charset="0"/>
+            </a:endParaRPr>
+          </a:p>
+          <a:p>
+            <a:pPr marL="342900" marR="0" lvl="0" indent="-342900">
+              <a:lnSpc>
+                <a:spcPct val="107000"/>
+              </a:lnSpc>
+              <a:spcBef>
+                <a:spcPts val="0"/>
+              </a:spcBef>
+              <a:spcAft>
+                <a:spcPts val="0"/>
+              </a:spcAft>
+              <a:buFont typeface="Calibri" panose="020F0502020204030204" pitchFamily="34" charset="0"/>
+              <a:buChar char="-"/>
+            </a:pPr>
+            <a:r>
+              <a:rPr lang="en-US" sz="1800" kern="100" dirty="0">
+                <a:effectLst/>
+                <a:latin typeface="Calibri" panose="020F0502020204030204" pitchFamily="34" charset="0"/>
+                <a:ea typeface="Calibri" panose="020F0502020204030204" pitchFamily="34" charset="0"/>
+                <a:cs typeface="Calibri" panose="020F0502020204030204" pitchFamily="34" charset="0"/>
+              </a:rPr>
+              <a:t>The values listed for FOSSIL FUELS includes Coal, Crude Oil, and Natural Gas combined.</a:t>
+            </a:r>
+            <a:endParaRPr lang="en-US" sz="1800" kern="100" dirty="0">
+              <a:effectLst/>
+              <a:latin typeface="Calibri" panose="020F0502020204030204" pitchFamily="34" charset="0"/>
+              <a:ea typeface="Calibri" panose="020F0502020204030204" pitchFamily="34" charset="0"/>
+              <a:cs typeface="Times New Roman" panose="02020603050405020304" pitchFamily="18" charset="0"/>
+            </a:endParaRPr>
+          </a:p>
+          <a:p>
+            <a:pPr marL="457200" marR="0">
+              <a:lnSpc>
+                <a:spcPct val="107000"/>
+              </a:lnSpc>
+              <a:spcBef>
+                <a:spcPts val="0"/>
+              </a:spcBef>
+              <a:spcAft>
+                <a:spcPts val="0"/>
+              </a:spcAft>
+            </a:pPr>
+            <a:r>
+              <a:rPr lang="en-US" sz="1800" kern="100" dirty="0">
+                <a:effectLst/>
+                <a:latin typeface="Calibri" panose="020F0502020204030204" pitchFamily="34" charset="0"/>
+                <a:ea typeface="Calibri" panose="020F0502020204030204" pitchFamily="34" charset="0"/>
+                <a:cs typeface="Calibri" panose="020F0502020204030204" pitchFamily="34" charset="0"/>
+              </a:rPr>
+              <a:t> </a:t>
+            </a:r>
+            <a:endParaRPr lang="en-US" sz="1800" kern="100" dirty="0">
+              <a:effectLst/>
+              <a:latin typeface="Calibri" panose="020F0502020204030204" pitchFamily="34" charset="0"/>
+              <a:ea typeface="Calibri" panose="020F0502020204030204" pitchFamily="34" charset="0"/>
+              <a:cs typeface="Times New Roman" panose="02020603050405020304" pitchFamily="18" charset="0"/>
+            </a:endParaRPr>
+          </a:p>
+          <a:p>
+            <a:pPr marL="342900" marR="0" lvl="0" indent="-342900">
+              <a:lnSpc>
+                <a:spcPct val="107000"/>
+              </a:lnSpc>
+              <a:spcBef>
+                <a:spcPts val="0"/>
+              </a:spcBef>
+              <a:spcAft>
+                <a:spcPts val="0"/>
+              </a:spcAft>
+              <a:buFont typeface="Calibri" panose="020F0502020204030204" pitchFamily="34" charset="0"/>
+              <a:buChar char="-"/>
+            </a:pPr>
+            <a:r>
+              <a:rPr lang="en-US" sz="1800" kern="100" dirty="0">
+                <a:effectLst/>
+                <a:latin typeface="Calibri" panose="020F0502020204030204" pitchFamily="34" charset="0"/>
+                <a:ea typeface="Calibri" panose="020F0502020204030204" pitchFamily="34" charset="0"/>
+                <a:cs typeface="Calibri" panose="020F0502020204030204" pitchFamily="34" charset="0"/>
+              </a:rPr>
+              <a:t>NUCLEAR ENERGY is only counted under CONSUMPTION…..</a:t>
+            </a:r>
+            <a:endParaRPr lang="en-US" sz="1800" kern="100" dirty="0">
+              <a:effectLst/>
+              <a:latin typeface="Calibri" panose="020F0502020204030204" pitchFamily="34" charset="0"/>
+              <a:ea typeface="Calibri" panose="020F0502020204030204" pitchFamily="34" charset="0"/>
+              <a:cs typeface="Times New Roman" panose="02020603050405020304" pitchFamily="18" charset="0"/>
+            </a:endParaRPr>
+          </a:p>
+          <a:p>
+            <a:pPr marL="457200" marR="0">
+              <a:lnSpc>
+                <a:spcPct val="107000"/>
+              </a:lnSpc>
+              <a:spcBef>
+                <a:spcPts val="0"/>
+              </a:spcBef>
+              <a:spcAft>
+                <a:spcPts val="0"/>
+              </a:spcAft>
+            </a:pPr>
+            <a:r>
+              <a:rPr lang="en-US" sz="1800" kern="100" dirty="0">
+                <a:effectLst/>
+                <a:latin typeface="Calibri" panose="020F0502020204030204" pitchFamily="34" charset="0"/>
+                <a:ea typeface="Calibri" panose="020F0502020204030204" pitchFamily="34" charset="0"/>
+                <a:cs typeface="Calibri" panose="020F0502020204030204" pitchFamily="34" charset="0"/>
+              </a:rPr>
+              <a:t> </a:t>
+            </a:r>
+            <a:endParaRPr lang="en-US" sz="1800" kern="100" dirty="0">
+              <a:effectLst/>
+              <a:latin typeface="Calibri" panose="020F0502020204030204" pitchFamily="34" charset="0"/>
+              <a:ea typeface="Calibri" panose="020F0502020204030204" pitchFamily="34" charset="0"/>
+              <a:cs typeface="Times New Roman" panose="02020603050405020304" pitchFamily="18" charset="0"/>
+            </a:endParaRPr>
+          </a:p>
+          <a:p>
+            <a:pPr marL="342900" marR="0" lvl="0" indent="-342900">
+              <a:lnSpc>
+                <a:spcPct val="107000"/>
+              </a:lnSpc>
+              <a:spcBef>
+                <a:spcPts val="0"/>
+              </a:spcBef>
+              <a:spcAft>
+                <a:spcPts val="800"/>
+              </a:spcAft>
+              <a:buFont typeface="Calibri" panose="020F0502020204030204" pitchFamily="34" charset="0"/>
+              <a:buChar char="-"/>
+            </a:pPr>
+            <a:r>
+              <a:rPr lang="en-US" sz="1800" kern="100" dirty="0">
+                <a:effectLst/>
+                <a:latin typeface="Calibri" panose="020F0502020204030204" pitchFamily="34" charset="0"/>
+                <a:ea typeface="Calibri" panose="020F0502020204030204" pitchFamily="34" charset="0"/>
+                <a:cs typeface="Calibri" panose="020F0502020204030204" pitchFamily="34" charset="0"/>
+              </a:rPr>
+              <a:t>The values listed for RENEWABLES combines the values for Biofuels, Geo Thermal, Hydro, Solar, Wind, Wood, &amp; Biomass Waste</a:t>
+            </a:r>
+            <a:endParaRPr lang="en-US" sz="1800" kern="100" dirty="0">
+              <a:effectLst/>
+              <a:latin typeface="Calibri" panose="020F0502020204030204" pitchFamily="34" charset="0"/>
+              <a:ea typeface="Calibri" panose="020F0502020204030204" pitchFamily="34" charset="0"/>
+              <a:cs typeface="Times New Roman" panose="02020603050405020304" pitchFamily="18" charset="0"/>
+            </a:endParaRPr>
+          </a:p>
+          <a:p>
+            <a:pPr marL="0" marR="0">
+              <a:lnSpc>
+                <a:spcPct val="107000"/>
+              </a:lnSpc>
+              <a:spcBef>
+                <a:spcPts val="0"/>
+              </a:spcBef>
+              <a:spcAft>
+                <a:spcPts val="800"/>
+              </a:spcAft>
+            </a:pPr>
+            <a:r>
+              <a:rPr lang="en-US" sz="1800" kern="100" dirty="0">
+                <a:effectLst/>
+                <a:latin typeface="Calibri" panose="020F0502020204030204" pitchFamily="34" charset="0"/>
+                <a:ea typeface="Calibri" panose="020F0502020204030204" pitchFamily="34" charset="0"/>
+                <a:cs typeface="Calibri" panose="020F0502020204030204" pitchFamily="34" charset="0"/>
+              </a:rPr>
+              <a:t> </a:t>
+            </a:r>
+            <a:endParaRPr lang="en-US" sz="1800" kern="100" dirty="0">
+              <a:effectLst/>
+              <a:latin typeface="Calibri" panose="020F0502020204030204" pitchFamily="34" charset="0"/>
+              <a:ea typeface="Calibri" panose="020F0502020204030204" pitchFamily="34" charset="0"/>
+              <a:cs typeface="Times New Roman" panose="02020603050405020304" pitchFamily="18" charset="0"/>
+            </a:endParaRPr>
+          </a:p>
+          <a:p>
+            <a:pPr marL="0" marR="0">
+              <a:lnSpc>
+                <a:spcPct val="107000"/>
+              </a:lnSpc>
+              <a:spcBef>
+                <a:spcPts val="0"/>
+              </a:spcBef>
+              <a:spcAft>
+                <a:spcPts val="800"/>
+              </a:spcAft>
+            </a:pPr>
+            <a:r>
+              <a:rPr lang="en-US" sz="1800" kern="100" dirty="0">
+                <a:effectLst/>
+                <a:latin typeface="Calibri" panose="020F0502020204030204" pitchFamily="34" charset="0"/>
+                <a:ea typeface="Calibri" panose="020F0502020204030204" pitchFamily="34" charset="0"/>
+                <a:cs typeface="Calibri" panose="020F0502020204030204" pitchFamily="34" charset="0"/>
+              </a:rPr>
+              <a:t>And with that out of the way we will transition to the INITIAL COMPARISON…..</a:t>
+            </a:r>
+            <a:endParaRPr lang="en-US" sz="1800" kern="100" dirty="0">
+              <a:effectLst/>
+              <a:latin typeface="Calibri" panose="020F0502020204030204" pitchFamily="34" charset="0"/>
+              <a:ea typeface="Calibri" panose="020F0502020204030204" pitchFamily="34" charset="0"/>
+              <a:cs typeface="Times New Roman" panose="02020603050405020304" pitchFamily="18" charset="0"/>
+            </a:endParaRPr>
+          </a:p>
+        </p:txBody>
+      </p:sp>
+      <p:sp>
+        <p:nvSpPr>
+          <p:cNvPr id="4" name="Slide Number Placeholder 3"/>
+          <p:cNvSpPr>
+            <a:spLocks noGrp="1"/>
+          </p:cNvSpPr>
+          <p:nvPr>
+            <p:ph type="sldNum" sz="quarter" idx="5"/>
+          </p:nvPr>
+        </p:nvSpPr>
+        <p:spPr/>
+        <p:txBody>
+          <a:bodyPr/>
+          <a:lstStyle/>
+          <a:p>
+            <a:fld id="{F97DC217-DF71-1A49-B3EA-559F1F43B0FF}" type="slidenum">
+              <a:rPr lang="en-US" smtClean="0"/>
               <a:t>4</a:t>
             </a:fld>
             <a:endParaRPr lang="en-US" dirty="0"/>
@@ -583,6 +4071,1430 @@
     <p:extLst>
       <p:ext uri="{BB962C8B-B14F-4D97-AF65-F5344CB8AC3E}">
         <p14:creationId xmlns:p14="http://schemas.microsoft.com/office/powerpoint/2010/main" val="348767031"/>
+      </p:ext>
+    </p:extLst>
+  </p:cSld>
+  <p:clrMapOvr>
+    <a:masterClrMapping/>
+  </p:clrMapOvr>
+</p:notes>
+</file>
+
+<file path=ppt/notesSlides/notesSlide5.xml><?xml version="1.0" encoding="utf-8"?>
+<p:notes xmlns:a="http://schemas.openxmlformats.org/drawingml/2006/main" xmlns:r="http://schemas.openxmlformats.org/officeDocument/2006/relationships" xmlns:p="http://schemas.openxmlformats.org/presentationml/2006/main">
+  <p:cSld>
+    <p:spTree>
+      <p:nvGrpSpPr>
+        <p:cNvPr id="1" name=""/>
+        <p:cNvGrpSpPr/>
+        <p:nvPr/>
+      </p:nvGrpSpPr>
+      <p:grpSpPr>
+        <a:xfrm>
+          <a:off x="0" y="0"/>
+          <a:ext cx="0" cy="0"/>
+          <a:chOff x="0" y="0"/>
+          <a:chExt cx="0" cy="0"/>
+        </a:xfrm>
+      </p:grpSpPr>
+      <p:sp>
+        <p:nvSpPr>
+          <p:cNvPr id="2" name="Slide Image Placeholder 1"/>
+          <p:cNvSpPr>
+            <a:spLocks noGrp="1" noRot="1" noChangeAspect="1"/>
+          </p:cNvSpPr>
+          <p:nvPr>
+            <p:ph type="sldImg"/>
+          </p:nvPr>
+        </p:nvSpPr>
+        <p:spPr/>
+      </p:sp>
+      <p:sp>
+        <p:nvSpPr>
+          <p:cNvPr id="3" name="Notes Placeholder 2"/>
+          <p:cNvSpPr>
+            <a:spLocks noGrp="1"/>
+          </p:cNvSpPr>
+          <p:nvPr>
+            <p:ph type="body" idx="1"/>
+          </p:nvPr>
+        </p:nvSpPr>
+        <p:spPr/>
+        <p:txBody>
+          <a:bodyPr/>
+          <a:lstStyle/>
+          <a:p>
+            <a:pPr marL="0" marR="0">
+              <a:lnSpc>
+                <a:spcPct val="107000"/>
+              </a:lnSpc>
+              <a:spcBef>
+                <a:spcPts val="0"/>
+              </a:spcBef>
+              <a:spcAft>
+                <a:spcPts val="800"/>
+              </a:spcAft>
+            </a:pPr>
+            <a:r>
+              <a:rPr lang="en-US" sz="1800" kern="100" dirty="0">
+                <a:effectLst/>
+                <a:latin typeface="Calibri" panose="020F0502020204030204" pitchFamily="34" charset="0"/>
+                <a:ea typeface="Calibri" panose="020F0502020204030204" pitchFamily="34" charset="0"/>
+                <a:cs typeface="Calibri" panose="020F0502020204030204" pitchFamily="34" charset="0"/>
+              </a:rPr>
+              <a:t>Utilizing this SCATTER CHART I was able to view the relative values for GDP per CAPITA based on the year and noticed:</a:t>
+            </a:r>
+          </a:p>
+          <a:p>
+            <a:pPr marL="0" marR="0">
+              <a:lnSpc>
+                <a:spcPct val="107000"/>
+              </a:lnSpc>
+              <a:spcBef>
+                <a:spcPts val="0"/>
+              </a:spcBef>
+              <a:spcAft>
+                <a:spcPts val="800"/>
+              </a:spcAft>
+            </a:pPr>
+            <a:endParaRPr lang="en-US" sz="1800" kern="100" dirty="0">
+              <a:effectLst/>
+              <a:latin typeface="Calibri" panose="020F0502020204030204" pitchFamily="34" charset="0"/>
+              <a:ea typeface="Calibri" panose="020F0502020204030204" pitchFamily="34" charset="0"/>
+              <a:cs typeface="Times New Roman" panose="02020603050405020304" pitchFamily="18" charset="0"/>
+            </a:endParaRPr>
+          </a:p>
+          <a:p>
+            <a:pPr marL="342900" marR="0" lvl="0" indent="-342900">
+              <a:lnSpc>
+                <a:spcPct val="107000"/>
+              </a:lnSpc>
+              <a:spcBef>
+                <a:spcPts val="0"/>
+              </a:spcBef>
+              <a:spcAft>
+                <a:spcPts val="800"/>
+              </a:spcAft>
+              <a:buFont typeface="Calibri" panose="020F0502020204030204" pitchFamily="34" charset="0"/>
+              <a:buChar char="-"/>
+            </a:pPr>
+            <a:r>
+              <a:rPr lang="en-US" sz="1800" kern="100" dirty="0">
+                <a:effectLst/>
+                <a:latin typeface="Calibri" panose="020F0502020204030204" pitchFamily="34" charset="0"/>
+                <a:ea typeface="Calibri" panose="020F0502020204030204" pitchFamily="34" charset="0"/>
+                <a:cs typeface="Calibri" panose="020F0502020204030204" pitchFamily="34" charset="0"/>
+              </a:rPr>
+              <a:t>Up to 5M (BN Btu) for CONSUMPTION and PRODUCTION covered most of the states</a:t>
+            </a:r>
+            <a:endParaRPr lang="en-US" sz="1800" kern="100" dirty="0">
+              <a:effectLst/>
+              <a:latin typeface="Calibri" panose="020F0502020204030204" pitchFamily="34" charset="0"/>
+              <a:ea typeface="Calibri" panose="020F0502020204030204" pitchFamily="34" charset="0"/>
+              <a:cs typeface="Times New Roman" panose="02020603050405020304" pitchFamily="18" charset="0"/>
+            </a:endParaRPr>
+          </a:p>
+          <a:p>
+            <a:pPr marL="457200" marR="0">
+              <a:lnSpc>
+                <a:spcPct val="107000"/>
+              </a:lnSpc>
+              <a:spcBef>
+                <a:spcPts val="0"/>
+              </a:spcBef>
+              <a:spcAft>
+                <a:spcPts val="800"/>
+              </a:spcAft>
+            </a:pPr>
+            <a:endParaRPr lang="en-US" sz="1800" kern="100" dirty="0">
+              <a:effectLst/>
+              <a:latin typeface="Calibri" panose="020F0502020204030204" pitchFamily="34" charset="0"/>
+              <a:ea typeface="Calibri" panose="020F0502020204030204" pitchFamily="34" charset="0"/>
+              <a:cs typeface="Calibri" panose="020F0502020204030204" pitchFamily="34" charset="0"/>
+            </a:endParaRPr>
+          </a:p>
+          <a:p>
+            <a:pPr marL="457200" marR="0">
+              <a:lnSpc>
+                <a:spcPct val="107000"/>
+              </a:lnSpc>
+              <a:spcBef>
+                <a:spcPts val="0"/>
+              </a:spcBef>
+              <a:spcAft>
+                <a:spcPts val="800"/>
+              </a:spcAft>
+            </a:pPr>
+            <a:r>
+              <a:rPr lang="en-US" sz="1800" kern="100" dirty="0">
+                <a:effectLst/>
+                <a:latin typeface="Calibri" panose="020F0502020204030204" pitchFamily="34" charset="0"/>
+                <a:ea typeface="Calibri" panose="020F0502020204030204" pitchFamily="34" charset="0"/>
+                <a:cs typeface="Calibri" panose="020F0502020204030204" pitchFamily="34" charset="0"/>
+              </a:rPr>
+              <a:t>Considering 2020…..</a:t>
+            </a:r>
+          </a:p>
+          <a:p>
+            <a:pPr marL="457200" marR="0">
+              <a:lnSpc>
+                <a:spcPct val="107000"/>
+              </a:lnSpc>
+              <a:spcBef>
+                <a:spcPts val="0"/>
+              </a:spcBef>
+              <a:spcAft>
+                <a:spcPts val="800"/>
+              </a:spcAft>
+            </a:pPr>
+            <a:endParaRPr lang="en-US" sz="1800" kern="100" dirty="0">
+              <a:effectLst/>
+              <a:latin typeface="Calibri" panose="020F0502020204030204" pitchFamily="34" charset="0"/>
+              <a:ea typeface="Calibri" panose="020F0502020204030204" pitchFamily="34" charset="0"/>
+              <a:cs typeface="Times New Roman" panose="02020603050405020304" pitchFamily="18" charset="0"/>
+            </a:endParaRPr>
+          </a:p>
+          <a:p>
+            <a:pPr marL="342900" marR="0" lvl="0" indent="-342900">
+              <a:lnSpc>
+                <a:spcPct val="107000"/>
+              </a:lnSpc>
+              <a:spcBef>
+                <a:spcPts val="0"/>
+              </a:spcBef>
+              <a:spcAft>
+                <a:spcPts val="0"/>
+              </a:spcAft>
+              <a:buFont typeface="Calibri" panose="020F0502020204030204" pitchFamily="34" charset="0"/>
+              <a:buChar char="-"/>
+            </a:pPr>
+            <a:r>
+              <a:rPr lang="en-US" sz="1800" kern="100" dirty="0">
+                <a:effectLst/>
+                <a:latin typeface="Calibri" panose="020F0502020204030204" pitchFamily="34" charset="0"/>
+                <a:ea typeface="Calibri" panose="020F0502020204030204" pitchFamily="34" charset="0"/>
+                <a:cs typeface="Calibri" panose="020F0502020204030204" pitchFamily="34" charset="0"/>
+              </a:rPr>
+              <a:t>TX &amp; CA were outliers for CONSUMPTION and WA, MA, &amp; NY had significantly higher GDP per CAPITA than their peers. </a:t>
+            </a:r>
+            <a:endParaRPr lang="en-US" sz="1800" kern="100" dirty="0">
+              <a:effectLst/>
+              <a:latin typeface="Calibri" panose="020F0502020204030204" pitchFamily="34" charset="0"/>
+              <a:ea typeface="Calibri" panose="020F0502020204030204" pitchFamily="34" charset="0"/>
+              <a:cs typeface="Times New Roman" panose="02020603050405020304" pitchFamily="18" charset="0"/>
+            </a:endParaRPr>
+          </a:p>
+          <a:p>
+            <a:pPr marL="685800" marR="0">
+              <a:lnSpc>
+                <a:spcPct val="107000"/>
+              </a:lnSpc>
+              <a:spcBef>
+                <a:spcPts val="0"/>
+              </a:spcBef>
+              <a:spcAft>
+                <a:spcPts val="0"/>
+              </a:spcAft>
+            </a:pPr>
+            <a:r>
+              <a:rPr lang="en-US" sz="1800" kern="100" dirty="0">
+                <a:effectLst/>
+                <a:latin typeface="Calibri" panose="020F0502020204030204" pitchFamily="34" charset="0"/>
+                <a:ea typeface="Calibri" panose="020F0502020204030204" pitchFamily="34" charset="0"/>
+                <a:cs typeface="Calibri" panose="020F0502020204030204" pitchFamily="34" charset="0"/>
+              </a:rPr>
+              <a:t> </a:t>
+            </a:r>
+            <a:endParaRPr lang="en-US" sz="1800" kern="100" dirty="0">
+              <a:effectLst/>
+              <a:latin typeface="Calibri" panose="020F0502020204030204" pitchFamily="34" charset="0"/>
+              <a:ea typeface="Calibri" panose="020F0502020204030204" pitchFamily="34" charset="0"/>
+              <a:cs typeface="Times New Roman" panose="02020603050405020304" pitchFamily="18" charset="0"/>
+            </a:endParaRPr>
+          </a:p>
+          <a:p>
+            <a:pPr marL="342900" marR="0" lvl="0" indent="-342900">
+              <a:lnSpc>
+                <a:spcPct val="107000"/>
+              </a:lnSpc>
+              <a:spcBef>
+                <a:spcPts val="0"/>
+              </a:spcBef>
+              <a:spcAft>
+                <a:spcPts val="800"/>
+              </a:spcAft>
+              <a:buFont typeface="Calibri" panose="020F0502020204030204" pitchFamily="34" charset="0"/>
+              <a:buChar char="-"/>
+            </a:pPr>
+            <a:r>
+              <a:rPr lang="en-US" sz="1800" kern="100" dirty="0">
+                <a:effectLst/>
+                <a:latin typeface="Calibri" panose="020F0502020204030204" pitchFamily="34" charset="0"/>
+                <a:ea typeface="Calibri" panose="020F0502020204030204" pitchFamily="34" charset="0"/>
+                <a:cs typeface="Calibri" panose="020F0502020204030204" pitchFamily="34" charset="0"/>
+              </a:rPr>
+              <a:t>And for PRODUCTION I noted TX as my outlier </a:t>
+            </a:r>
+            <a:endParaRPr lang="en-US" sz="1800" kern="100" dirty="0">
+              <a:effectLst/>
+              <a:latin typeface="Calibri" panose="020F0502020204030204" pitchFamily="34" charset="0"/>
+              <a:ea typeface="Calibri" panose="020F0502020204030204" pitchFamily="34" charset="0"/>
+              <a:cs typeface="Times New Roman" panose="02020603050405020304" pitchFamily="18" charset="0"/>
+            </a:endParaRPr>
+          </a:p>
+          <a:p>
+            <a:endParaRPr lang="en-US" dirty="0"/>
+          </a:p>
+        </p:txBody>
+      </p:sp>
+      <p:sp>
+        <p:nvSpPr>
+          <p:cNvPr id="4" name="Slide Number Placeholder 3"/>
+          <p:cNvSpPr>
+            <a:spLocks noGrp="1"/>
+          </p:cNvSpPr>
+          <p:nvPr>
+            <p:ph type="sldNum" sz="quarter" idx="5"/>
+          </p:nvPr>
+        </p:nvSpPr>
+        <p:spPr/>
+        <p:txBody>
+          <a:bodyPr/>
+          <a:lstStyle/>
+          <a:p>
+            <a:fld id="{F97DC217-DF71-1A49-B3EA-559F1F43B0FF}" type="slidenum">
+              <a:rPr lang="en-US" smtClean="0"/>
+              <a:t>6</a:t>
+            </a:fld>
+            <a:endParaRPr lang="en-US" dirty="0"/>
+          </a:p>
+        </p:txBody>
+      </p:sp>
+    </p:spTree>
+    <p:extLst>
+      <p:ext uri="{BB962C8B-B14F-4D97-AF65-F5344CB8AC3E}">
+        <p14:creationId xmlns:p14="http://schemas.microsoft.com/office/powerpoint/2010/main" val="2940371820"/>
+      </p:ext>
+    </p:extLst>
+  </p:cSld>
+  <p:clrMapOvr>
+    <a:masterClrMapping/>
+  </p:clrMapOvr>
+</p:notes>
+</file>
+
+<file path=ppt/notesSlides/notesSlide6.xml><?xml version="1.0" encoding="utf-8"?>
+<p:notes xmlns:a="http://schemas.openxmlformats.org/drawingml/2006/main" xmlns:r="http://schemas.openxmlformats.org/officeDocument/2006/relationships" xmlns:p="http://schemas.openxmlformats.org/presentationml/2006/main">
+  <p:cSld>
+    <p:spTree>
+      <p:nvGrpSpPr>
+        <p:cNvPr id="1" name=""/>
+        <p:cNvGrpSpPr/>
+        <p:nvPr/>
+      </p:nvGrpSpPr>
+      <p:grpSpPr>
+        <a:xfrm>
+          <a:off x="0" y="0"/>
+          <a:ext cx="0" cy="0"/>
+          <a:chOff x="0" y="0"/>
+          <a:chExt cx="0" cy="0"/>
+        </a:xfrm>
+      </p:grpSpPr>
+      <p:sp>
+        <p:nvSpPr>
+          <p:cNvPr id="2" name="Slide Image Placeholder 1"/>
+          <p:cNvSpPr>
+            <a:spLocks noGrp="1" noRot="1" noChangeAspect="1"/>
+          </p:cNvSpPr>
+          <p:nvPr>
+            <p:ph type="sldImg"/>
+          </p:nvPr>
+        </p:nvSpPr>
+        <p:spPr/>
+      </p:sp>
+      <p:sp>
+        <p:nvSpPr>
+          <p:cNvPr id="3" name="Notes Placeholder 2"/>
+          <p:cNvSpPr>
+            <a:spLocks noGrp="1"/>
+          </p:cNvSpPr>
+          <p:nvPr>
+            <p:ph type="body" idx="1"/>
+          </p:nvPr>
+        </p:nvSpPr>
+        <p:spPr/>
+        <p:txBody>
+          <a:bodyPr/>
+          <a:lstStyle/>
+          <a:p>
+            <a:pPr marL="0" marR="0">
+              <a:lnSpc>
+                <a:spcPct val="107000"/>
+              </a:lnSpc>
+              <a:spcBef>
+                <a:spcPts val="0"/>
+              </a:spcBef>
+              <a:spcAft>
+                <a:spcPts val="800"/>
+              </a:spcAft>
+            </a:pPr>
+            <a:r>
+              <a:rPr lang="en-US" sz="1800" kern="100" dirty="0">
+                <a:effectLst/>
+                <a:latin typeface="Calibri" panose="020F0502020204030204" pitchFamily="34" charset="0"/>
+                <a:ea typeface="Calibri" panose="020F0502020204030204" pitchFamily="34" charset="0"/>
+                <a:cs typeface="Calibri" panose="020F0502020204030204" pitchFamily="34" charset="0"/>
+              </a:rPr>
+              <a:t>I also wanted to look at how CONSUMPTION compared among the MIX of ENERGY TYPES….</a:t>
+            </a:r>
+            <a:endParaRPr lang="en-US" sz="1800" kern="100" dirty="0">
+              <a:effectLst/>
+              <a:latin typeface="Calibri" panose="020F0502020204030204" pitchFamily="34" charset="0"/>
+              <a:ea typeface="Calibri" panose="020F0502020204030204" pitchFamily="34" charset="0"/>
+              <a:cs typeface="Times New Roman" panose="02020603050405020304" pitchFamily="18" charset="0"/>
+            </a:endParaRPr>
+          </a:p>
+          <a:p>
+            <a:pPr marL="0" marR="0">
+              <a:lnSpc>
+                <a:spcPct val="107000"/>
+              </a:lnSpc>
+              <a:spcBef>
+                <a:spcPts val="0"/>
+              </a:spcBef>
+              <a:spcAft>
+                <a:spcPts val="800"/>
+              </a:spcAft>
+            </a:pPr>
+            <a:r>
+              <a:rPr lang="en-US" sz="1800" kern="100" dirty="0">
+                <a:effectLst/>
+                <a:latin typeface="Calibri" panose="020F0502020204030204" pitchFamily="34" charset="0"/>
+                <a:ea typeface="Calibri" panose="020F0502020204030204" pitchFamily="34" charset="0"/>
+                <a:cs typeface="Calibri" panose="020F0502020204030204" pitchFamily="34" charset="0"/>
+              </a:rPr>
+              <a:t> </a:t>
+            </a:r>
+            <a:endParaRPr lang="en-US" sz="1800" kern="100" dirty="0">
+              <a:effectLst/>
+              <a:latin typeface="Calibri" panose="020F0502020204030204" pitchFamily="34" charset="0"/>
+              <a:ea typeface="Calibri" panose="020F0502020204030204" pitchFamily="34" charset="0"/>
+              <a:cs typeface="Times New Roman" panose="02020603050405020304" pitchFamily="18" charset="0"/>
+            </a:endParaRPr>
+          </a:p>
+          <a:p>
+            <a:pPr marL="342900" marR="0" lvl="0" indent="-342900">
+              <a:lnSpc>
+                <a:spcPct val="107000"/>
+              </a:lnSpc>
+              <a:spcBef>
+                <a:spcPts val="0"/>
+              </a:spcBef>
+              <a:spcAft>
+                <a:spcPts val="800"/>
+              </a:spcAft>
+              <a:buFont typeface="Calibri" panose="020F0502020204030204" pitchFamily="34" charset="0"/>
+              <a:buChar char="-"/>
+            </a:pPr>
+            <a:r>
+              <a:rPr lang="en-US" sz="1800" kern="100" dirty="0">
+                <a:effectLst/>
+                <a:latin typeface="Calibri" panose="020F0502020204030204" pitchFamily="34" charset="0"/>
+                <a:ea typeface="Calibri" panose="020F0502020204030204" pitchFamily="34" charset="0"/>
+                <a:cs typeface="Calibri" panose="020F0502020204030204" pitchFamily="34" charset="0"/>
+              </a:rPr>
+              <a:t>From the review of FOSSIL FUEL to NUCLEAR it was clear that the greatest CONSUMPTION of NUCLEAR fell to IL, PA, &amp; SC</a:t>
+            </a:r>
+            <a:endParaRPr lang="en-US" sz="1800" kern="100" dirty="0">
+              <a:effectLst/>
+              <a:latin typeface="Calibri" panose="020F0502020204030204" pitchFamily="34" charset="0"/>
+              <a:ea typeface="Calibri" panose="020F0502020204030204" pitchFamily="34" charset="0"/>
+              <a:cs typeface="Times New Roman" panose="02020603050405020304" pitchFamily="18" charset="0"/>
+            </a:endParaRPr>
+          </a:p>
+          <a:p>
+            <a:pPr marL="685800" marR="0">
+              <a:lnSpc>
+                <a:spcPct val="107000"/>
+              </a:lnSpc>
+              <a:spcBef>
+                <a:spcPts val="0"/>
+              </a:spcBef>
+              <a:spcAft>
+                <a:spcPts val="0"/>
+              </a:spcAft>
+            </a:pPr>
+            <a:r>
+              <a:rPr lang="en-US" sz="1800" kern="100" dirty="0">
+                <a:effectLst/>
+                <a:latin typeface="Calibri" panose="020F0502020204030204" pitchFamily="34" charset="0"/>
+                <a:ea typeface="Calibri" panose="020F0502020204030204" pitchFamily="34" charset="0"/>
+                <a:cs typeface="Calibri" panose="020F0502020204030204" pitchFamily="34" charset="0"/>
+              </a:rPr>
+              <a:t> </a:t>
+            </a:r>
+            <a:endParaRPr lang="en-US" sz="1800" kern="100" dirty="0">
+              <a:effectLst/>
+              <a:latin typeface="Calibri" panose="020F0502020204030204" pitchFamily="34" charset="0"/>
+              <a:ea typeface="Calibri" panose="020F0502020204030204" pitchFamily="34" charset="0"/>
+              <a:cs typeface="Times New Roman" panose="02020603050405020304" pitchFamily="18" charset="0"/>
+            </a:endParaRPr>
+          </a:p>
+          <a:p>
+            <a:pPr marL="342900" marR="0" lvl="0" indent="-342900">
+              <a:lnSpc>
+                <a:spcPct val="107000"/>
+              </a:lnSpc>
+              <a:spcBef>
+                <a:spcPts val="0"/>
+              </a:spcBef>
+              <a:spcAft>
+                <a:spcPts val="0"/>
+              </a:spcAft>
+              <a:buFont typeface="Calibri" panose="020F0502020204030204" pitchFamily="34" charset="0"/>
+              <a:buChar char="-"/>
+            </a:pPr>
+            <a:r>
+              <a:rPr lang="en-US" sz="1800" kern="100" dirty="0">
+                <a:effectLst/>
+                <a:latin typeface="Calibri" panose="020F0502020204030204" pitchFamily="34" charset="0"/>
+                <a:ea typeface="Calibri" panose="020F0502020204030204" pitchFamily="34" charset="0"/>
+                <a:cs typeface="Calibri" panose="020F0502020204030204" pitchFamily="34" charset="0"/>
+              </a:rPr>
+              <a:t>When reviewing FOSSIL FUEL to RENEWABLES I was surprised to find TX in the lead for RENEWABLE CONSUMPTION</a:t>
+            </a:r>
+          </a:p>
+          <a:p>
+            <a:pPr marL="342900" marR="0" lvl="0" indent="-342900">
+              <a:lnSpc>
+                <a:spcPct val="107000"/>
+              </a:lnSpc>
+              <a:spcBef>
+                <a:spcPts val="0"/>
+              </a:spcBef>
+              <a:spcAft>
+                <a:spcPts val="0"/>
+              </a:spcAft>
+              <a:buFont typeface="Calibri" panose="020F0502020204030204" pitchFamily="34" charset="0"/>
+              <a:buChar char="-"/>
+            </a:pPr>
+            <a:endParaRPr lang="en-US" sz="1800" kern="100" dirty="0">
+              <a:effectLst/>
+              <a:latin typeface="Calibri" panose="020F0502020204030204" pitchFamily="34" charset="0"/>
+              <a:ea typeface="Calibri" panose="020F0502020204030204" pitchFamily="34" charset="0"/>
+              <a:cs typeface="Times New Roman" panose="02020603050405020304" pitchFamily="18" charset="0"/>
+            </a:endParaRPr>
+          </a:p>
+          <a:p>
+            <a:pPr marL="342900" marR="0" lvl="0" indent="-342900">
+              <a:lnSpc>
+                <a:spcPct val="107000"/>
+              </a:lnSpc>
+              <a:spcBef>
+                <a:spcPts val="0"/>
+              </a:spcBef>
+              <a:spcAft>
+                <a:spcPts val="800"/>
+              </a:spcAft>
+              <a:buFont typeface="Calibri" panose="020F0502020204030204" pitchFamily="34" charset="0"/>
+              <a:buChar char="-"/>
+            </a:pPr>
+            <a:r>
+              <a:rPr lang="en-US" sz="1800" kern="100" dirty="0">
+                <a:effectLst/>
+                <a:latin typeface="Calibri" panose="020F0502020204030204" pitchFamily="34" charset="0"/>
+                <a:ea typeface="Calibri" panose="020F0502020204030204" pitchFamily="34" charset="0"/>
+                <a:cs typeface="Calibri" panose="020F0502020204030204" pitchFamily="34" charset="0"/>
+              </a:rPr>
+              <a:t>Additionally, I noted most states with less than 200K (BN Btu) across all years considered. </a:t>
+            </a:r>
+            <a:endParaRPr lang="en-US" sz="1800" kern="100" dirty="0">
+              <a:effectLst/>
+              <a:latin typeface="Calibri" panose="020F0502020204030204" pitchFamily="34" charset="0"/>
+              <a:ea typeface="Calibri" panose="020F0502020204030204" pitchFamily="34" charset="0"/>
+              <a:cs typeface="Times New Roman" panose="02020603050405020304" pitchFamily="18" charset="0"/>
+            </a:endParaRPr>
+          </a:p>
+          <a:p>
+            <a:endParaRPr lang="en-US" dirty="0"/>
+          </a:p>
+        </p:txBody>
+      </p:sp>
+      <p:sp>
+        <p:nvSpPr>
+          <p:cNvPr id="4" name="Slide Number Placeholder 3"/>
+          <p:cNvSpPr>
+            <a:spLocks noGrp="1"/>
+          </p:cNvSpPr>
+          <p:nvPr>
+            <p:ph type="sldNum" sz="quarter" idx="5"/>
+          </p:nvPr>
+        </p:nvSpPr>
+        <p:spPr/>
+        <p:txBody>
+          <a:bodyPr/>
+          <a:lstStyle/>
+          <a:p>
+            <a:fld id="{F97DC217-DF71-1A49-B3EA-559F1F43B0FF}" type="slidenum">
+              <a:rPr lang="en-US" smtClean="0"/>
+              <a:t>7</a:t>
+            </a:fld>
+            <a:endParaRPr lang="en-US" dirty="0"/>
+          </a:p>
+        </p:txBody>
+      </p:sp>
+    </p:spTree>
+    <p:extLst>
+      <p:ext uri="{BB962C8B-B14F-4D97-AF65-F5344CB8AC3E}">
+        <p14:creationId xmlns:p14="http://schemas.microsoft.com/office/powerpoint/2010/main" val="481528646"/>
+      </p:ext>
+    </p:extLst>
+  </p:cSld>
+  <p:clrMapOvr>
+    <a:masterClrMapping/>
+  </p:clrMapOvr>
+</p:notes>
+</file>
+
+<file path=ppt/notesSlides/notesSlide7.xml><?xml version="1.0" encoding="utf-8"?>
+<p:notes xmlns:a="http://schemas.openxmlformats.org/drawingml/2006/main" xmlns:r="http://schemas.openxmlformats.org/officeDocument/2006/relationships" xmlns:p="http://schemas.openxmlformats.org/presentationml/2006/main">
+  <p:cSld>
+    <p:spTree>
+      <p:nvGrpSpPr>
+        <p:cNvPr id="1" name=""/>
+        <p:cNvGrpSpPr/>
+        <p:nvPr/>
+      </p:nvGrpSpPr>
+      <p:grpSpPr>
+        <a:xfrm>
+          <a:off x="0" y="0"/>
+          <a:ext cx="0" cy="0"/>
+          <a:chOff x="0" y="0"/>
+          <a:chExt cx="0" cy="0"/>
+        </a:xfrm>
+      </p:grpSpPr>
+      <p:sp>
+        <p:nvSpPr>
+          <p:cNvPr id="2" name="Slide Image Placeholder 1"/>
+          <p:cNvSpPr>
+            <a:spLocks noGrp="1" noRot="1" noChangeAspect="1"/>
+          </p:cNvSpPr>
+          <p:nvPr>
+            <p:ph type="sldImg"/>
+          </p:nvPr>
+        </p:nvSpPr>
+        <p:spPr/>
+      </p:sp>
+      <p:sp>
+        <p:nvSpPr>
+          <p:cNvPr id="3" name="Notes Placeholder 2"/>
+          <p:cNvSpPr>
+            <a:spLocks noGrp="1"/>
+          </p:cNvSpPr>
+          <p:nvPr>
+            <p:ph type="body" idx="1"/>
+          </p:nvPr>
+        </p:nvSpPr>
+        <p:spPr/>
+        <p:txBody>
+          <a:bodyPr/>
+          <a:lstStyle/>
+          <a:p>
+            <a:pPr marL="0" marR="0">
+              <a:lnSpc>
+                <a:spcPct val="107000"/>
+              </a:lnSpc>
+              <a:spcBef>
+                <a:spcPts val="0"/>
+              </a:spcBef>
+              <a:spcAft>
+                <a:spcPts val="800"/>
+              </a:spcAft>
+            </a:pPr>
+            <a:r>
+              <a:rPr lang="en-US" sz="1800" kern="100" dirty="0">
+                <a:effectLst/>
+                <a:latin typeface="Calibri" panose="020F0502020204030204" pitchFamily="34" charset="0"/>
+                <a:ea typeface="Calibri" panose="020F0502020204030204" pitchFamily="34" charset="0"/>
+                <a:cs typeface="Calibri" panose="020F0502020204030204" pitchFamily="34" charset="0"/>
+              </a:rPr>
+              <a:t>Taking this a step further I wanted to look compare the MIX of ENERGY to GDP per CAPITA….</a:t>
+            </a:r>
+          </a:p>
+          <a:p>
+            <a:pPr marL="0" marR="0">
+              <a:lnSpc>
+                <a:spcPct val="107000"/>
+              </a:lnSpc>
+              <a:spcBef>
+                <a:spcPts val="0"/>
+              </a:spcBef>
+              <a:spcAft>
+                <a:spcPts val="800"/>
+              </a:spcAft>
+            </a:pPr>
+            <a:endParaRPr lang="en-US" sz="1800" kern="100" dirty="0">
+              <a:effectLst/>
+              <a:latin typeface="Calibri" panose="020F0502020204030204" pitchFamily="34" charset="0"/>
+              <a:ea typeface="Calibri" panose="020F0502020204030204" pitchFamily="34" charset="0"/>
+              <a:cs typeface="Times New Roman" panose="02020603050405020304" pitchFamily="18" charset="0"/>
+            </a:endParaRPr>
+          </a:p>
+          <a:p>
+            <a:pPr marL="342900" marR="0" lvl="0" indent="-342900">
+              <a:lnSpc>
+                <a:spcPct val="107000"/>
+              </a:lnSpc>
+              <a:spcBef>
+                <a:spcPts val="0"/>
+              </a:spcBef>
+              <a:spcAft>
+                <a:spcPts val="800"/>
+              </a:spcAft>
+              <a:buFont typeface="Calibri" panose="020F0502020204030204" pitchFamily="34" charset="0"/>
+              <a:buChar char="-"/>
+            </a:pPr>
+            <a:r>
+              <a:rPr lang="en-US" sz="1800" kern="100" dirty="0">
+                <a:effectLst/>
+                <a:latin typeface="Calibri" panose="020F0502020204030204" pitchFamily="34" charset="0"/>
+                <a:ea typeface="Calibri" panose="020F0502020204030204" pitchFamily="34" charset="0"/>
+                <a:cs typeface="Calibri" panose="020F0502020204030204" pitchFamily="34" charset="0"/>
+              </a:rPr>
+              <a:t>These charts remained generally consistent with the overall CONSUMPTION chart</a:t>
+            </a:r>
+            <a:endParaRPr lang="en-US" sz="1800" kern="100" dirty="0">
+              <a:effectLst/>
+              <a:latin typeface="Calibri" panose="020F0502020204030204" pitchFamily="34" charset="0"/>
+              <a:ea typeface="Calibri" panose="020F0502020204030204" pitchFamily="34" charset="0"/>
+              <a:cs typeface="Times New Roman" panose="02020603050405020304" pitchFamily="18" charset="0"/>
+            </a:endParaRPr>
+          </a:p>
+          <a:p>
+            <a:endParaRPr lang="en-US" dirty="0"/>
+          </a:p>
+        </p:txBody>
+      </p:sp>
+      <p:sp>
+        <p:nvSpPr>
+          <p:cNvPr id="4" name="Slide Number Placeholder 3"/>
+          <p:cNvSpPr>
+            <a:spLocks noGrp="1"/>
+          </p:cNvSpPr>
+          <p:nvPr>
+            <p:ph type="sldNum" sz="quarter" idx="5"/>
+          </p:nvPr>
+        </p:nvSpPr>
+        <p:spPr/>
+        <p:txBody>
+          <a:bodyPr/>
+          <a:lstStyle/>
+          <a:p>
+            <a:fld id="{F97DC217-DF71-1A49-B3EA-559F1F43B0FF}" type="slidenum">
+              <a:rPr lang="en-US" smtClean="0"/>
+              <a:t>8</a:t>
+            </a:fld>
+            <a:endParaRPr lang="en-US" dirty="0"/>
+          </a:p>
+        </p:txBody>
+      </p:sp>
+    </p:spTree>
+    <p:extLst>
+      <p:ext uri="{BB962C8B-B14F-4D97-AF65-F5344CB8AC3E}">
+        <p14:creationId xmlns:p14="http://schemas.microsoft.com/office/powerpoint/2010/main" val="454278521"/>
+      </p:ext>
+    </p:extLst>
+  </p:cSld>
+  <p:clrMapOvr>
+    <a:masterClrMapping/>
+  </p:clrMapOvr>
+</p:notes>
+</file>
+
+<file path=ppt/notesSlides/notesSlide8.xml><?xml version="1.0" encoding="utf-8"?>
+<p:notes xmlns:a="http://schemas.openxmlformats.org/drawingml/2006/main" xmlns:r="http://schemas.openxmlformats.org/officeDocument/2006/relationships" xmlns:p="http://schemas.openxmlformats.org/presentationml/2006/main">
+  <p:cSld>
+    <p:spTree>
+      <p:nvGrpSpPr>
+        <p:cNvPr id="1" name=""/>
+        <p:cNvGrpSpPr/>
+        <p:nvPr/>
+      </p:nvGrpSpPr>
+      <p:grpSpPr>
+        <a:xfrm>
+          <a:off x="0" y="0"/>
+          <a:ext cx="0" cy="0"/>
+          <a:chOff x="0" y="0"/>
+          <a:chExt cx="0" cy="0"/>
+        </a:xfrm>
+      </p:grpSpPr>
+      <p:sp>
+        <p:nvSpPr>
+          <p:cNvPr id="2" name="Slide Image Placeholder 1"/>
+          <p:cNvSpPr>
+            <a:spLocks noGrp="1" noRot="1" noChangeAspect="1"/>
+          </p:cNvSpPr>
+          <p:nvPr>
+            <p:ph type="sldImg"/>
+          </p:nvPr>
+        </p:nvSpPr>
+        <p:spPr/>
+      </p:sp>
+      <p:sp>
+        <p:nvSpPr>
+          <p:cNvPr id="3" name="Notes Placeholder 2"/>
+          <p:cNvSpPr>
+            <a:spLocks noGrp="1"/>
+          </p:cNvSpPr>
+          <p:nvPr>
+            <p:ph type="body" idx="1"/>
+          </p:nvPr>
+        </p:nvSpPr>
+        <p:spPr/>
+        <p:txBody>
+          <a:bodyPr/>
+          <a:lstStyle/>
+          <a:p>
+            <a:pPr marL="0" marR="0">
+              <a:lnSpc>
+                <a:spcPct val="107000"/>
+              </a:lnSpc>
+              <a:spcBef>
+                <a:spcPts val="0"/>
+              </a:spcBef>
+              <a:spcAft>
+                <a:spcPts val="800"/>
+              </a:spcAft>
+            </a:pPr>
+            <a:r>
+              <a:rPr lang="en-US" sz="1800" kern="100" dirty="0">
+                <a:effectLst/>
+                <a:latin typeface="Calibri" panose="020F0502020204030204" pitchFamily="34" charset="0"/>
+                <a:ea typeface="Calibri" panose="020F0502020204030204" pitchFamily="34" charset="0"/>
+                <a:cs typeface="Calibri" panose="020F0502020204030204" pitchFamily="34" charset="0"/>
+              </a:rPr>
+              <a:t>Next, I wanted to look at GDP across the country…..</a:t>
+            </a:r>
+          </a:p>
+          <a:p>
+            <a:pPr marL="0" marR="0">
+              <a:lnSpc>
+                <a:spcPct val="107000"/>
+              </a:lnSpc>
+              <a:spcBef>
+                <a:spcPts val="0"/>
+              </a:spcBef>
+              <a:spcAft>
+                <a:spcPts val="800"/>
+              </a:spcAft>
+            </a:pPr>
+            <a:endParaRPr lang="en-US" sz="1800" kern="100" dirty="0">
+              <a:effectLst/>
+              <a:latin typeface="Calibri" panose="020F0502020204030204" pitchFamily="34" charset="0"/>
+              <a:ea typeface="Calibri" panose="020F0502020204030204" pitchFamily="34" charset="0"/>
+              <a:cs typeface="Times New Roman" panose="02020603050405020304" pitchFamily="18" charset="0"/>
+            </a:endParaRPr>
+          </a:p>
+          <a:p>
+            <a:pPr marL="342900" marR="0" lvl="0" indent="-342900">
+              <a:lnSpc>
+                <a:spcPct val="107000"/>
+              </a:lnSpc>
+              <a:spcBef>
+                <a:spcPts val="0"/>
+              </a:spcBef>
+              <a:spcAft>
+                <a:spcPts val="0"/>
+              </a:spcAft>
+              <a:buFont typeface="Calibri" panose="020F0502020204030204" pitchFamily="34" charset="0"/>
+              <a:buChar char="-"/>
+            </a:pPr>
+            <a:r>
+              <a:rPr lang="en-US" sz="1800" kern="100" dirty="0">
+                <a:effectLst/>
+                <a:latin typeface="Calibri" panose="020F0502020204030204" pitchFamily="34" charset="0"/>
+                <a:ea typeface="Calibri" panose="020F0502020204030204" pitchFamily="34" charset="0"/>
+                <a:cs typeface="Calibri" panose="020F0502020204030204" pitchFamily="34" charset="0"/>
+              </a:rPr>
+              <a:t>Diving into the values I noticed the minimum GDP per CAPITA was MS with $3.3K in 1970 which was approximately $1.7K below the national average of $5K</a:t>
+            </a:r>
+            <a:endParaRPr lang="en-US" sz="1800" kern="100" dirty="0">
+              <a:effectLst/>
+              <a:latin typeface="Calibri" panose="020F0502020204030204" pitchFamily="34" charset="0"/>
+              <a:ea typeface="Calibri" panose="020F0502020204030204" pitchFamily="34" charset="0"/>
+              <a:cs typeface="Times New Roman" panose="02020603050405020304" pitchFamily="18" charset="0"/>
+            </a:endParaRPr>
+          </a:p>
+          <a:p>
+            <a:pPr marL="685800" marR="0">
+              <a:lnSpc>
+                <a:spcPct val="107000"/>
+              </a:lnSpc>
+              <a:spcBef>
+                <a:spcPts val="0"/>
+              </a:spcBef>
+              <a:spcAft>
+                <a:spcPts val="0"/>
+              </a:spcAft>
+            </a:pPr>
+            <a:r>
+              <a:rPr lang="en-US" sz="1800" kern="100" dirty="0">
+                <a:effectLst/>
+                <a:latin typeface="Calibri" panose="020F0502020204030204" pitchFamily="34" charset="0"/>
+                <a:ea typeface="Calibri" panose="020F0502020204030204" pitchFamily="34" charset="0"/>
+                <a:cs typeface="Calibri" panose="020F0502020204030204" pitchFamily="34" charset="0"/>
+              </a:rPr>
+              <a:t> </a:t>
+            </a:r>
+            <a:endParaRPr lang="en-US" sz="1800" kern="100" dirty="0">
+              <a:effectLst/>
+              <a:latin typeface="Calibri" panose="020F0502020204030204" pitchFamily="34" charset="0"/>
+              <a:ea typeface="Calibri" panose="020F0502020204030204" pitchFamily="34" charset="0"/>
+              <a:cs typeface="Times New Roman" panose="02020603050405020304" pitchFamily="18" charset="0"/>
+            </a:endParaRPr>
+          </a:p>
+          <a:p>
+            <a:pPr marL="342900" marR="0" lvl="0" indent="-342900">
+              <a:lnSpc>
+                <a:spcPct val="107000"/>
+              </a:lnSpc>
+              <a:spcBef>
+                <a:spcPts val="0"/>
+              </a:spcBef>
+              <a:spcAft>
+                <a:spcPts val="800"/>
+              </a:spcAft>
+              <a:buFont typeface="Calibri" panose="020F0502020204030204" pitchFamily="34" charset="0"/>
+              <a:buChar char="-"/>
+            </a:pPr>
+            <a:r>
+              <a:rPr lang="en-US" sz="1800" kern="100" dirty="0">
+                <a:effectLst/>
+                <a:latin typeface="Calibri" panose="020F0502020204030204" pitchFamily="34" charset="0"/>
+                <a:ea typeface="Calibri" panose="020F0502020204030204" pitchFamily="34" charset="0"/>
+                <a:cs typeface="Calibri" panose="020F0502020204030204" pitchFamily="34" charset="0"/>
+              </a:rPr>
+              <a:t>NY had the highest single GDP per CAPITA with $86.2K in 2020 which was almost 23K higher than the national average. </a:t>
+            </a:r>
+          </a:p>
+          <a:p>
+            <a:pPr marL="342900" marR="0" lvl="0" indent="-342900">
+              <a:lnSpc>
+                <a:spcPct val="107000"/>
+              </a:lnSpc>
+              <a:spcBef>
+                <a:spcPts val="0"/>
+              </a:spcBef>
+              <a:spcAft>
+                <a:spcPts val="800"/>
+              </a:spcAft>
+              <a:buFont typeface="Calibri" panose="020F0502020204030204" pitchFamily="34" charset="0"/>
+              <a:buChar char="-"/>
+            </a:pPr>
+            <a:endParaRPr lang="en-US" sz="1800" kern="100" dirty="0">
+              <a:effectLst/>
+              <a:latin typeface="Calibri" panose="020F0502020204030204" pitchFamily="34" charset="0"/>
+              <a:ea typeface="Calibri" panose="020F0502020204030204" pitchFamily="34" charset="0"/>
+              <a:cs typeface="Times New Roman" panose="02020603050405020304" pitchFamily="18" charset="0"/>
+            </a:endParaRPr>
+          </a:p>
+          <a:p>
+            <a:pPr marL="0" marR="0">
+              <a:lnSpc>
+                <a:spcPct val="107000"/>
+              </a:lnSpc>
+              <a:spcBef>
+                <a:spcPts val="0"/>
+              </a:spcBef>
+              <a:spcAft>
+                <a:spcPts val="800"/>
+              </a:spcAft>
+            </a:pPr>
+            <a:r>
+              <a:rPr lang="en-US" sz="1800" kern="100" dirty="0">
+                <a:effectLst/>
+                <a:latin typeface="Calibri" panose="020F0502020204030204" pitchFamily="34" charset="0"/>
+                <a:ea typeface="Calibri" panose="020F0502020204030204" pitchFamily="34" charset="0"/>
+                <a:cs typeface="Calibri" panose="020F0502020204030204" pitchFamily="34" charset="0"/>
+              </a:rPr>
+              <a:t>And from there I wanted to look and how the values changed over the years…</a:t>
+            </a:r>
+            <a:endParaRPr lang="en-US" sz="1800" kern="100" dirty="0">
+              <a:effectLst/>
+              <a:latin typeface="Calibri" panose="020F0502020204030204" pitchFamily="34" charset="0"/>
+              <a:ea typeface="Calibri" panose="020F0502020204030204" pitchFamily="34" charset="0"/>
+              <a:cs typeface="Times New Roman" panose="02020603050405020304" pitchFamily="18" charset="0"/>
+            </a:endParaRPr>
+          </a:p>
+          <a:p>
+            <a:endParaRPr lang="en-US" dirty="0"/>
+          </a:p>
+        </p:txBody>
+      </p:sp>
+      <p:sp>
+        <p:nvSpPr>
+          <p:cNvPr id="4" name="Slide Number Placeholder 3"/>
+          <p:cNvSpPr>
+            <a:spLocks noGrp="1"/>
+          </p:cNvSpPr>
+          <p:nvPr>
+            <p:ph type="sldNum" sz="quarter" idx="5"/>
+          </p:nvPr>
+        </p:nvSpPr>
+        <p:spPr/>
+        <p:txBody>
+          <a:bodyPr/>
+          <a:lstStyle/>
+          <a:p>
+            <a:fld id="{F97DC217-DF71-1A49-B3EA-559F1F43B0FF}" type="slidenum">
+              <a:rPr lang="en-US" smtClean="0"/>
+              <a:t>9</a:t>
+            </a:fld>
+            <a:endParaRPr lang="en-US" dirty="0"/>
+          </a:p>
+        </p:txBody>
+      </p:sp>
+    </p:spTree>
+    <p:extLst>
+      <p:ext uri="{BB962C8B-B14F-4D97-AF65-F5344CB8AC3E}">
+        <p14:creationId xmlns:p14="http://schemas.microsoft.com/office/powerpoint/2010/main" val="75640955"/>
+      </p:ext>
+    </p:extLst>
+  </p:cSld>
+  <p:clrMapOvr>
+    <a:masterClrMapping/>
+  </p:clrMapOvr>
+</p:notes>
+</file>
+
+<file path=ppt/notesSlides/notesSlide9.xml><?xml version="1.0" encoding="utf-8"?>
+<p:notes xmlns:a="http://schemas.openxmlformats.org/drawingml/2006/main" xmlns:r="http://schemas.openxmlformats.org/officeDocument/2006/relationships" xmlns:p="http://schemas.openxmlformats.org/presentationml/2006/main">
+  <p:cSld>
+    <p:spTree>
+      <p:nvGrpSpPr>
+        <p:cNvPr id="1" name=""/>
+        <p:cNvGrpSpPr/>
+        <p:nvPr/>
+      </p:nvGrpSpPr>
+      <p:grpSpPr>
+        <a:xfrm>
+          <a:off x="0" y="0"/>
+          <a:ext cx="0" cy="0"/>
+          <a:chOff x="0" y="0"/>
+          <a:chExt cx="0" cy="0"/>
+        </a:xfrm>
+      </p:grpSpPr>
+      <p:sp>
+        <p:nvSpPr>
+          <p:cNvPr id="2" name="Slide Image Placeholder 1"/>
+          <p:cNvSpPr>
+            <a:spLocks noGrp="1" noRot="1" noChangeAspect="1"/>
+          </p:cNvSpPr>
+          <p:nvPr>
+            <p:ph type="sldImg"/>
+          </p:nvPr>
+        </p:nvSpPr>
+        <p:spPr/>
+      </p:sp>
+      <p:sp>
+        <p:nvSpPr>
+          <p:cNvPr id="3" name="Notes Placeholder 2"/>
+          <p:cNvSpPr>
+            <a:spLocks noGrp="1"/>
+          </p:cNvSpPr>
+          <p:nvPr>
+            <p:ph type="body" idx="1"/>
+          </p:nvPr>
+        </p:nvSpPr>
+        <p:spPr/>
+        <p:txBody>
+          <a:bodyPr/>
+          <a:lstStyle/>
+          <a:p>
+            <a:pPr marL="0" marR="0">
+              <a:lnSpc>
+                <a:spcPct val="107000"/>
+              </a:lnSpc>
+              <a:spcBef>
+                <a:spcPts val="0"/>
+              </a:spcBef>
+              <a:spcAft>
+                <a:spcPts val="800"/>
+              </a:spcAft>
+            </a:pPr>
+            <a:r>
+              <a:rPr lang="en-US" sz="1800" kern="100" dirty="0">
+                <a:effectLst/>
+                <a:latin typeface="Calibri" panose="020F0502020204030204" pitchFamily="34" charset="0"/>
+                <a:ea typeface="Calibri" panose="020F0502020204030204" pitchFamily="34" charset="0"/>
+                <a:cs typeface="Calibri" panose="020F0502020204030204" pitchFamily="34" charset="0"/>
+              </a:rPr>
+              <a:t>To start my comparison for change I took an average of all 50 states and looked at the shift in AMOUNTS for CONSUMPTION and PRODUCTION….</a:t>
+            </a:r>
+            <a:endParaRPr lang="en-US" sz="1800" kern="100" dirty="0">
+              <a:effectLst/>
+              <a:latin typeface="Calibri" panose="020F0502020204030204" pitchFamily="34" charset="0"/>
+              <a:ea typeface="Calibri" panose="020F0502020204030204" pitchFamily="34" charset="0"/>
+              <a:cs typeface="Times New Roman" panose="02020603050405020304" pitchFamily="18" charset="0"/>
+            </a:endParaRPr>
+          </a:p>
+          <a:p>
+            <a:pPr marL="0" marR="0">
+              <a:lnSpc>
+                <a:spcPct val="107000"/>
+              </a:lnSpc>
+              <a:spcBef>
+                <a:spcPts val="0"/>
+              </a:spcBef>
+              <a:spcAft>
+                <a:spcPts val="800"/>
+              </a:spcAft>
+            </a:pPr>
+            <a:r>
+              <a:rPr lang="en-US" sz="1800" kern="100" dirty="0">
+                <a:effectLst/>
+                <a:latin typeface="Calibri" panose="020F0502020204030204" pitchFamily="34" charset="0"/>
+                <a:ea typeface="Calibri" panose="020F0502020204030204" pitchFamily="34" charset="0"/>
+                <a:cs typeface="Calibri" panose="020F0502020204030204" pitchFamily="34" charset="0"/>
+              </a:rPr>
+              <a:t>	</a:t>
+            </a:r>
+          </a:p>
+          <a:p>
+            <a:pPr marL="0" marR="0">
+              <a:lnSpc>
+                <a:spcPct val="107000"/>
+              </a:lnSpc>
+              <a:spcBef>
+                <a:spcPts val="0"/>
+              </a:spcBef>
+              <a:spcAft>
+                <a:spcPts val="800"/>
+              </a:spcAft>
+            </a:pPr>
+            <a:r>
+              <a:rPr lang="en-US" sz="1800" kern="100" dirty="0">
+                <a:effectLst/>
+                <a:latin typeface="Calibri" panose="020F0502020204030204" pitchFamily="34" charset="0"/>
+                <a:ea typeface="Calibri" panose="020F0502020204030204" pitchFamily="34" charset="0"/>
+                <a:cs typeface="Calibri" panose="020F0502020204030204" pitchFamily="34" charset="0"/>
+              </a:rPr>
+              <a:t>Considering CONSUMPTION….</a:t>
+            </a:r>
+          </a:p>
+          <a:p>
+            <a:pPr marL="0" marR="0">
+              <a:lnSpc>
+                <a:spcPct val="107000"/>
+              </a:lnSpc>
+              <a:spcBef>
+                <a:spcPts val="0"/>
+              </a:spcBef>
+              <a:spcAft>
+                <a:spcPts val="800"/>
+              </a:spcAft>
+            </a:pPr>
+            <a:endParaRPr lang="en-US" sz="1800" kern="100" dirty="0">
+              <a:effectLst/>
+              <a:latin typeface="Calibri" panose="020F0502020204030204" pitchFamily="34" charset="0"/>
+              <a:ea typeface="Calibri" panose="020F0502020204030204" pitchFamily="34" charset="0"/>
+              <a:cs typeface="Times New Roman" panose="02020603050405020304" pitchFamily="18" charset="0"/>
+            </a:endParaRPr>
+          </a:p>
+          <a:p>
+            <a:pPr marL="342900" marR="0" lvl="0" indent="-342900">
+              <a:lnSpc>
+                <a:spcPct val="107000"/>
+              </a:lnSpc>
+              <a:spcBef>
+                <a:spcPts val="0"/>
+              </a:spcBef>
+              <a:spcAft>
+                <a:spcPts val="0"/>
+              </a:spcAft>
+              <a:buFont typeface="Calibri" panose="020F0502020204030204" pitchFamily="34" charset="0"/>
+              <a:buChar char="-"/>
+            </a:pPr>
+            <a:r>
+              <a:rPr lang="en-US" sz="1800" kern="100" dirty="0">
+                <a:effectLst/>
+                <a:latin typeface="Calibri" panose="020F0502020204030204" pitchFamily="34" charset="0"/>
+                <a:ea typeface="Calibri" panose="020F0502020204030204" pitchFamily="34" charset="0"/>
+                <a:cs typeface="Calibri" panose="020F0502020204030204" pitchFamily="34" charset="0"/>
+              </a:rPr>
+              <a:t>It looked like 1980vs1990 was the highest year for NUCLEAR CONSUMPTION</a:t>
+            </a:r>
+            <a:endParaRPr lang="en-US" sz="1800" kern="100" dirty="0">
+              <a:effectLst/>
+              <a:latin typeface="Calibri" panose="020F0502020204030204" pitchFamily="34" charset="0"/>
+              <a:ea typeface="Calibri" panose="020F0502020204030204" pitchFamily="34" charset="0"/>
+              <a:cs typeface="Times New Roman" panose="02020603050405020304" pitchFamily="18" charset="0"/>
+            </a:endParaRPr>
+          </a:p>
+          <a:p>
+            <a:pPr marL="685800" marR="0">
+              <a:lnSpc>
+                <a:spcPct val="107000"/>
+              </a:lnSpc>
+              <a:spcBef>
+                <a:spcPts val="0"/>
+              </a:spcBef>
+              <a:spcAft>
+                <a:spcPts val="0"/>
+              </a:spcAft>
+            </a:pPr>
+            <a:r>
+              <a:rPr lang="en-US" sz="1800" kern="100" dirty="0">
+                <a:effectLst/>
+                <a:latin typeface="Calibri" panose="020F0502020204030204" pitchFamily="34" charset="0"/>
+                <a:ea typeface="Calibri" panose="020F0502020204030204" pitchFamily="34" charset="0"/>
+                <a:cs typeface="Calibri" panose="020F0502020204030204" pitchFamily="34" charset="0"/>
+              </a:rPr>
+              <a:t> </a:t>
+            </a:r>
+            <a:endParaRPr lang="en-US" sz="1800" kern="100" dirty="0">
+              <a:effectLst/>
+              <a:latin typeface="Calibri" panose="020F0502020204030204" pitchFamily="34" charset="0"/>
+              <a:ea typeface="Calibri" panose="020F0502020204030204" pitchFamily="34" charset="0"/>
+              <a:cs typeface="Times New Roman" panose="02020603050405020304" pitchFamily="18" charset="0"/>
+            </a:endParaRPr>
+          </a:p>
+          <a:p>
+            <a:pPr marL="342900" marR="0" lvl="0" indent="-342900">
+              <a:lnSpc>
+                <a:spcPct val="107000"/>
+              </a:lnSpc>
+              <a:spcBef>
+                <a:spcPts val="0"/>
+              </a:spcBef>
+              <a:spcAft>
+                <a:spcPts val="0"/>
+              </a:spcAft>
+              <a:buFont typeface="Calibri" panose="020F0502020204030204" pitchFamily="34" charset="0"/>
+              <a:buChar char="-"/>
+            </a:pPr>
+            <a:r>
+              <a:rPr lang="en-US" sz="1800" kern="100" dirty="0">
+                <a:effectLst/>
+                <a:latin typeface="Calibri" panose="020F0502020204030204" pitchFamily="34" charset="0"/>
+                <a:ea typeface="Calibri" panose="020F0502020204030204" pitchFamily="34" charset="0"/>
+                <a:cs typeface="Calibri" panose="020F0502020204030204" pitchFamily="34" charset="0"/>
+              </a:rPr>
+              <a:t>1990vs2000 was the highest year for FOSSIL FUEL and a significant decline after 2000</a:t>
+            </a:r>
+            <a:endParaRPr lang="en-US" sz="1800" kern="100" dirty="0">
+              <a:effectLst/>
+              <a:latin typeface="Calibri" panose="020F0502020204030204" pitchFamily="34" charset="0"/>
+              <a:ea typeface="Calibri" panose="020F0502020204030204" pitchFamily="34" charset="0"/>
+              <a:cs typeface="Times New Roman" panose="02020603050405020304" pitchFamily="18" charset="0"/>
+            </a:endParaRPr>
+          </a:p>
+          <a:p>
+            <a:pPr marL="685800" marR="0">
+              <a:lnSpc>
+                <a:spcPct val="107000"/>
+              </a:lnSpc>
+              <a:spcBef>
+                <a:spcPts val="0"/>
+              </a:spcBef>
+              <a:spcAft>
+                <a:spcPts val="0"/>
+              </a:spcAft>
+            </a:pPr>
+            <a:r>
+              <a:rPr lang="en-US" sz="1800" kern="100" dirty="0">
+                <a:effectLst/>
+                <a:latin typeface="Calibri" panose="020F0502020204030204" pitchFamily="34" charset="0"/>
+                <a:ea typeface="Calibri" panose="020F0502020204030204" pitchFamily="34" charset="0"/>
+                <a:cs typeface="Calibri" panose="020F0502020204030204" pitchFamily="34" charset="0"/>
+              </a:rPr>
+              <a:t> </a:t>
+            </a:r>
+            <a:endParaRPr lang="en-US" sz="1800" kern="100" dirty="0">
+              <a:effectLst/>
+              <a:latin typeface="Calibri" panose="020F0502020204030204" pitchFamily="34" charset="0"/>
+              <a:ea typeface="Calibri" panose="020F0502020204030204" pitchFamily="34" charset="0"/>
+              <a:cs typeface="Times New Roman" panose="02020603050405020304" pitchFamily="18" charset="0"/>
+            </a:endParaRPr>
+          </a:p>
+          <a:p>
+            <a:pPr marL="342900" marR="0" lvl="0" indent="-342900">
+              <a:lnSpc>
+                <a:spcPct val="107000"/>
+              </a:lnSpc>
+              <a:spcBef>
+                <a:spcPts val="0"/>
+              </a:spcBef>
+              <a:spcAft>
+                <a:spcPts val="800"/>
+              </a:spcAft>
+              <a:buFont typeface="Calibri" panose="020F0502020204030204" pitchFamily="34" charset="0"/>
+              <a:buChar char="-"/>
+            </a:pPr>
+            <a:r>
+              <a:rPr lang="en-US" sz="1800" kern="100" dirty="0">
+                <a:effectLst/>
+                <a:latin typeface="Calibri" panose="020F0502020204030204" pitchFamily="34" charset="0"/>
+                <a:ea typeface="Calibri" panose="020F0502020204030204" pitchFamily="34" charset="0"/>
+                <a:cs typeface="Calibri" panose="020F0502020204030204" pitchFamily="34" charset="0"/>
+              </a:rPr>
+              <a:t>While RENEWABLES began their increase at the same time</a:t>
+            </a:r>
+            <a:endParaRPr lang="en-US" sz="1800" kern="100" dirty="0">
+              <a:effectLst/>
+              <a:latin typeface="Calibri" panose="020F0502020204030204" pitchFamily="34" charset="0"/>
+              <a:ea typeface="Calibri" panose="020F0502020204030204" pitchFamily="34" charset="0"/>
+              <a:cs typeface="Times New Roman" panose="02020603050405020304" pitchFamily="18" charset="0"/>
+            </a:endParaRPr>
+          </a:p>
+          <a:p>
+            <a:pPr marL="457200" marR="0">
+              <a:lnSpc>
+                <a:spcPct val="107000"/>
+              </a:lnSpc>
+              <a:spcBef>
+                <a:spcPts val="0"/>
+              </a:spcBef>
+              <a:spcAft>
+                <a:spcPts val="800"/>
+              </a:spcAft>
+            </a:pPr>
+            <a:r>
+              <a:rPr lang="en-US" sz="1800" kern="100" dirty="0">
+                <a:effectLst/>
+                <a:latin typeface="Calibri" panose="020F0502020204030204" pitchFamily="34" charset="0"/>
+                <a:ea typeface="Calibri" panose="020F0502020204030204" pitchFamily="34" charset="0"/>
+                <a:cs typeface="Calibri" panose="020F0502020204030204" pitchFamily="34" charset="0"/>
+              </a:rPr>
+              <a:t>Considering PRODUCTION….</a:t>
+            </a:r>
+            <a:endParaRPr lang="en-US" sz="1800" kern="100" dirty="0">
+              <a:effectLst/>
+              <a:latin typeface="Calibri" panose="020F0502020204030204" pitchFamily="34" charset="0"/>
+              <a:ea typeface="Calibri" panose="020F0502020204030204" pitchFamily="34" charset="0"/>
+              <a:cs typeface="Times New Roman" panose="02020603050405020304" pitchFamily="18" charset="0"/>
+            </a:endParaRPr>
+          </a:p>
+          <a:p>
+            <a:pPr marL="342900" marR="0" lvl="0" indent="-342900">
+              <a:lnSpc>
+                <a:spcPct val="107000"/>
+              </a:lnSpc>
+              <a:spcBef>
+                <a:spcPts val="0"/>
+              </a:spcBef>
+              <a:spcAft>
+                <a:spcPts val="0"/>
+              </a:spcAft>
+              <a:buFont typeface="Calibri" panose="020F0502020204030204" pitchFamily="34" charset="0"/>
+              <a:buChar char="-"/>
+            </a:pPr>
+            <a:r>
+              <a:rPr lang="en-US" sz="1800" kern="100" dirty="0">
+                <a:effectLst/>
+                <a:latin typeface="Calibri" panose="020F0502020204030204" pitchFamily="34" charset="0"/>
+                <a:ea typeface="Calibri" panose="020F0502020204030204" pitchFamily="34" charset="0"/>
+                <a:cs typeface="Calibri" panose="020F0502020204030204" pitchFamily="34" charset="0"/>
+              </a:rPr>
+              <a:t>FOSSIL FUEL took its biggest hit for 1990vs2000</a:t>
+            </a:r>
+            <a:endParaRPr lang="en-US" sz="1800" kern="100" dirty="0">
+              <a:effectLst/>
+              <a:latin typeface="Calibri" panose="020F0502020204030204" pitchFamily="34" charset="0"/>
+              <a:ea typeface="Calibri" panose="020F0502020204030204" pitchFamily="34" charset="0"/>
+              <a:cs typeface="Times New Roman" panose="02020603050405020304" pitchFamily="18" charset="0"/>
+            </a:endParaRPr>
+          </a:p>
+          <a:p>
+            <a:pPr marL="685800" marR="0">
+              <a:lnSpc>
+                <a:spcPct val="107000"/>
+              </a:lnSpc>
+              <a:spcBef>
+                <a:spcPts val="0"/>
+              </a:spcBef>
+              <a:spcAft>
+                <a:spcPts val="0"/>
+              </a:spcAft>
+            </a:pPr>
+            <a:r>
+              <a:rPr lang="en-US" sz="1800" kern="100" dirty="0">
+                <a:effectLst/>
+                <a:latin typeface="Calibri" panose="020F0502020204030204" pitchFamily="34" charset="0"/>
+                <a:ea typeface="Calibri" panose="020F0502020204030204" pitchFamily="34" charset="0"/>
+                <a:cs typeface="Calibri" panose="020F0502020204030204" pitchFamily="34" charset="0"/>
+              </a:rPr>
+              <a:t> </a:t>
+            </a:r>
+            <a:endParaRPr lang="en-US" sz="1800" kern="100" dirty="0">
+              <a:effectLst/>
+              <a:latin typeface="Calibri" panose="020F0502020204030204" pitchFamily="34" charset="0"/>
+              <a:ea typeface="Calibri" panose="020F0502020204030204" pitchFamily="34" charset="0"/>
+              <a:cs typeface="Times New Roman" panose="02020603050405020304" pitchFamily="18" charset="0"/>
+            </a:endParaRPr>
+          </a:p>
+          <a:p>
+            <a:pPr marL="342900" marR="0" lvl="0" indent="-342900">
+              <a:lnSpc>
+                <a:spcPct val="107000"/>
+              </a:lnSpc>
+              <a:spcBef>
+                <a:spcPts val="0"/>
+              </a:spcBef>
+              <a:spcAft>
+                <a:spcPts val="800"/>
+              </a:spcAft>
+              <a:buFont typeface="Calibri" panose="020F0502020204030204" pitchFamily="34" charset="0"/>
+              <a:buChar char="-"/>
+            </a:pPr>
+            <a:r>
+              <a:rPr lang="en-US" sz="1800" kern="100" dirty="0">
+                <a:effectLst/>
+                <a:latin typeface="Calibri" panose="020F0502020204030204" pitchFamily="34" charset="0"/>
+                <a:ea typeface="Calibri" panose="020F0502020204030204" pitchFamily="34" charset="0"/>
+                <a:cs typeface="Calibri" panose="020F0502020204030204" pitchFamily="34" charset="0"/>
+              </a:rPr>
+              <a:t>RENEWABLES showed increasing gains with 2010vs2020 being the biggest year</a:t>
+            </a:r>
+            <a:endParaRPr lang="en-US" sz="1800" kern="100" dirty="0">
+              <a:effectLst/>
+              <a:latin typeface="Calibri" panose="020F0502020204030204" pitchFamily="34" charset="0"/>
+              <a:ea typeface="Calibri" panose="020F0502020204030204" pitchFamily="34" charset="0"/>
+              <a:cs typeface="Times New Roman" panose="02020603050405020304" pitchFamily="18" charset="0"/>
+            </a:endParaRPr>
+          </a:p>
+          <a:p>
+            <a:endParaRPr lang="en-US" dirty="0"/>
+          </a:p>
+        </p:txBody>
+      </p:sp>
+      <p:sp>
+        <p:nvSpPr>
+          <p:cNvPr id="4" name="Slide Number Placeholder 3"/>
+          <p:cNvSpPr>
+            <a:spLocks noGrp="1"/>
+          </p:cNvSpPr>
+          <p:nvPr>
+            <p:ph type="sldNum" sz="quarter" idx="5"/>
+          </p:nvPr>
+        </p:nvSpPr>
+        <p:spPr/>
+        <p:txBody>
+          <a:bodyPr/>
+          <a:lstStyle/>
+          <a:p>
+            <a:fld id="{F97DC217-DF71-1A49-B3EA-559F1F43B0FF}" type="slidenum">
+              <a:rPr lang="en-US" smtClean="0"/>
+              <a:t>11</a:t>
+            </a:fld>
+            <a:endParaRPr lang="en-US" dirty="0"/>
+          </a:p>
+        </p:txBody>
+      </p:sp>
+    </p:spTree>
+    <p:extLst>
+      <p:ext uri="{BB962C8B-B14F-4D97-AF65-F5344CB8AC3E}">
+        <p14:creationId xmlns:p14="http://schemas.microsoft.com/office/powerpoint/2010/main" val="4230185341"/>
       </p:ext>
     </p:extLst>
   </p:cSld>
@@ -13813,7 +18725,7 @@
           <p:nvPr/>
         </p:nvPicPr>
         <p:blipFill>
-          <a:blip r:embed="rId2"/>
+          <a:blip r:embed="rId3"/>
           <a:stretch>
             <a:fillRect/>
           </a:stretch>
@@ -13843,7 +18755,7 @@
           <p:nvPr/>
         </p:nvPicPr>
         <p:blipFill>
-          <a:blip r:embed="rId3"/>
+          <a:blip r:embed="rId4"/>
           <a:stretch>
             <a:fillRect/>
           </a:stretch>
@@ -14237,7 +19149,7 @@
           <p:nvPr/>
         </p:nvPicPr>
         <p:blipFill>
-          <a:blip r:embed="rId2"/>
+          <a:blip r:embed="rId3"/>
           <a:stretch>
             <a:fillRect/>
           </a:stretch>
@@ -15284,7 +20196,7 @@
           <p:nvPr/>
         </p:nvPicPr>
         <p:blipFill>
-          <a:blip r:embed="rId2"/>
+          <a:blip r:embed="rId3"/>
           <a:stretch>
             <a:fillRect/>
           </a:stretch>
@@ -17153,7 +22065,7 @@
           <p:nvPr/>
         </p:nvPicPr>
         <p:blipFill>
-          <a:blip r:embed="rId2"/>
+          <a:blip r:embed="rId3"/>
           <a:stretch>
             <a:fillRect/>
           </a:stretch>
@@ -18602,7 +23514,7 @@
           <p:nvPr/>
         </p:nvPicPr>
         <p:blipFill>
-          <a:blip r:embed="rId2"/>
+          <a:blip r:embed="rId3"/>
           <a:stretch>
             <a:fillRect/>
           </a:stretch>
@@ -18996,7 +23908,7 @@
           <p:nvPr/>
         </p:nvPicPr>
         <p:blipFill>
-          <a:blip r:embed="rId2"/>
+          <a:blip r:embed="rId3"/>
           <a:stretch>
             <a:fillRect/>
           </a:stretch>
@@ -19641,7 +24553,7 @@
           <p:nvPr/>
         </p:nvPicPr>
         <p:blipFill>
-          <a:blip r:embed="rId2"/>
+          <a:blip r:embed="rId3"/>
           <a:stretch>
             <a:fillRect/>
           </a:stretch>
@@ -19886,7 +24798,7 @@
           <p:nvPr/>
         </p:nvPicPr>
         <p:blipFill>
-          <a:blip r:embed="rId3"/>
+          <a:blip r:embed="rId4"/>
           <a:stretch>
             <a:fillRect/>
           </a:stretch>
@@ -20985,7 +25897,7 @@
           <p:nvPr/>
         </p:nvPicPr>
         <p:blipFill>
-          <a:blip r:embed="rId2"/>
+          <a:blip r:embed="rId3"/>
           <a:stretch>
             <a:fillRect/>
           </a:stretch>
@@ -21898,7 +26810,7 @@
           <p:nvPr/>
         </p:nvPicPr>
         <p:blipFill>
-          <a:blip r:embed="rId2"/>
+          <a:blip r:embed="rId3"/>
           <a:stretch>
             <a:fillRect/>
           </a:stretch>
@@ -22888,7 +27800,7 @@
           <p:nvPr/>
         </p:nvPicPr>
         <p:blipFill>
-          <a:blip r:embed="rId2"/>
+          <a:blip r:embed="rId3"/>
           <a:stretch>
             <a:fillRect/>
           </a:stretch>
@@ -26590,7 +31502,7 @@
           <p:nvPr/>
         </p:nvPicPr>
         <p:blipFill>
-          <a:blip r:embed="rId2"/>
+          <a:blip r:embed="rId3"/>
           <a:stretch>
             <a:fillRect/>
           </a:stretch>
@@ -27974,7 +32886,7 @@
           <p:nvPr/>
         </p:nvPicPr>
         <p:blipFill>
-          <a:blip r:embed="rId2"/>
+          <a:blip r:embed="rId3"/>
           <a:stretch>
             <a:fillRect/>
           </a:stretch>
@@ -29337,7 +34249,7 @@
           <p:nvPr/>
         </p:nvPicPr>
         <p:blipFill>
-          <a:blip r:embed="rId2"/>
+          <a:blip r:embed="rId3"/>
           <a:stretch>
             <a:fillRect/>
           </a:stretch>
@@ -29893,7 +34805,7 @@
           <p:nvPr/>
         </p:nvPicPr>
         <p:blipFill>
-          <a:blip r:embed="rId2"/>
+          <a:blip r:embed="rId3"/>
           <a:stretch>
             <a:fillRect/>
           </a:stretch>
@@ -31088,6 +36000,15 @@
 </file>
 
 <file path=customXml/item1.xml><?xml version="1.0" encoding="utf-8"?>
+<?mso-contentType ?>
+<FormTemplates xmlns="http://schemas.microsoft.com/sharepoint/v3/contenttype/forms">
+  <Display>DocumentLibraryForm</Display>
+  <Edit>DocumentLibraryForm</Edit>
+  <New>DocumentLibraryForm</New>
+</FormTemplates>
+</file>
+
+<file path=customXml/item2.xml><?xml version="1.0" encoding="utf-8"?>
 <p:properties xmlns:p="http://schemas.microsoft.com/office/2006/metadata/properties" xmlns:xsi="http://www.w3.org/2001/XMLSchema-instance" xmlns:pc="http://schemas.microsoft.com/office/infopath/2007/PartnerControls">
   <documentManagement>
     <_ip_UnifiedCompliancePolicyUIAction xmlns="http://schemas.microsoft.com/sharepoint/v3" xsi:nil="true"/>
@@ -31104,15 +36025,6 @@
     <MediaServiceKeyPoints xmlns="71af3243-3dd4-4a8d-8c0d-dd76da1f02a5" xsi:nil="true"/>
   </documentManagement>
 </p:properties>
-</file>
-
-<file path=customXml/item2.xml><?xml version="1.0" encoding="utf-8"?>
-<?mso-contentType ?>
-<FormTemplates xmlns="http://schemas.microsoft.com/sharepoint/v3/contenttype/forms">
-  <Display>DocumentLibraryForm</Display>
-  <Edit>DocumentLibraryForm</Edit>
-  <New>DocumentLibraryForm</New>
-</FormTemplates>
 </file>
 
 <file path=customXml/item3.xml><?xml version="1.0" encoding="utf-8"?>
@@ -31398,21 +36310,28 @@
 </file>
 
 <file path=customXml/itemProps1.xml><?xml version="1.0" encoding="utf-8"?>
-<ds:datastoreItem xmlns:ds="http://schemas.openxmlformats.org/officeDocument/2006/customXml" ds:itemID="{4D5BAB77-79E1-4739-AA51-10C9079186D6}">
+<ds:datastoreItem xmlns:ds="http://schemas.openxmlformats.org/officeDocument/2006/customXml" ds:itemID="{85334180-0405-413B-834A-44FA9E05ADB7}">
   <ds:schemaRefs>
-    <ds:schemaRef ds:uri="http://schemas.microsoft.com/office/2006/metadata/properties"/>
-    <ds:schemaRef ds:uri="http://schemas.microsoft.com/office/infopath/2007/PartnerControls"/>
-    <ds:schemaRef ds:uri="http://schemas.microsoft.com/sharepoint/v3"/>
-    <ds:schemaRef ds:uri="71af3243-3dd4-4a8d-8c0d-dd76da1f02a5"/>
-    <ds:schemaRef ds:uri="230e9df3-be65-4c73-a93b-d1236ebd677e"/>
+    <ds:schemaRef ds:uri="http://schemas.microsoft.com/sharepoint/v3/contenttype/forms"/>
   </ds:schemaRefs>
 </ds:datastoreItem>
 </file>
 
 <file path=customXml/itemProps2.xml><?xml version="1.0" encoding="utf-8"?>
-<ds:datastoreItem xmlns:ds="http://schemas.openxmlformats.org/officeDocument/2006/customXml" ds:itemID="{85334180-0405-413B-834A-44FA9E05ADB7}">
+<ds:datastoreItem xmlns:ds="http://schemas.openxmlformats.org/officeDocument/2006/customXml" ds:itemID="{4D5BAB77-79E1-4739-AA51-10C9079186D6}">
   <ds:schemaRefs>
-    <ds:schemaRef ds:uri="http://schemas.microsoft.com/sharepoint/v3/contenttype/forms"/>
+    <ds:schemaRef ds:uri="http://schemas.microsoft.com/office/2006/documentManagement/types"/>
+    <ds:schemaRef ds:uri="http://www.w3.org/XML/1998/namespace"/>
+    <ds:schemaRef ds:uri="http://purl.org/dc/elements/1.1/"/>
+    <ds:schemaRef ds:uri="16c05727-aa75-4e4a-9b5f-8a80a1165891"/>
+    <ds:schemaRef ds:uri="http://schemas.microsoft.com/office/infopath/2007/PartnerControls"/>
+    <ds:schemaRef ds:uri="http://purl.org/dc/terms/"/>
+    <ds:schemaRef ds:uri="http://schemas.openxmlformats.org/package/2006/metadata/core-properties"/>
+    <ds:schemaRef ds:uri="71af3243-3dd4-4a8d-8c0d-dd76da1f02a5"/>
+    <ds:schemaRef ds:uri="230e9df3-be65-4c73-a93b-d1236ebd677e"/>
+    <ds:schemaRef ds:uri="http://schemas.microsoft.com/sharepoint/v3"/>
+    <ds:schemaRef ds:uri="http://schemas.microsoft.com/office/2006/metadata/properties"/>
+    <ds:schemaRef ds:uri="http://purl.org/dc/dcmitype/"/>
   </ds:schemaRefs>
 </ds:datastoreItem>
 </file>

--- a/presentation/haggerty_energy_gdp_1.pptx
+++ b/presentation/haggerty_energy_gdp_1.pptx
@@ -232,7 +232,7 @@
           <a:p>
             <a:fld id="{7487ADD9-2083-264C-A652-8D52D02F7E72}" type="datetimeFigureOut">
               <a:rPr lang="en-US" smtClean="0"/>
-              <a:t>6/20/2023</a:t>
+              <a:t>6/21/2023</a:t>
             </a:fld>
             <a:endParaRPr lang="en-US" dirty="0"/>
           </a:p>
@@ -563,6 +563,19 @@
               </a:rPr>
               <a:t>Good evening….</a:t>
             </a:r>
+          </a:p>
+          <a:p>
+            <a:pPr marL="0" marR="0">
+              <a:lnSpc>
+                <a:spcPct val="107000"/>
+              </a:lnSpc>
+              <a:spcBef>
+                <a:spcPts val="0"/>
+              </a:spcBef>
+              <a:spcAft>
+                <a:spcPts val="800"/>
+              </a:spcAft>
+            </a:pPr>
             <a:endParaRPr lang="en-US" sz="1800" kern="100" dirty="0">
               <a:effectLst/>
               <a:latin typeface="Calibri" panose="020F0502020204030204" pitchFamily="34" charset="0"/>
@@ -591,6 +604,19 @@
               </a:rPr>
               <a:t>My name is Larry Haggerty, Data Analytics Student at Nashville Software School.</a:t>
             </a:r>
+          </a:p>
+          <a:p>
+            <a:pPr marL="0" marR="0">
+              <a:lnSpc>
+                <a:spcPct val="107000"/>
+              </a:lnSpc>
+              <a:spcBef>
+                <a:spcPts val="0"/>
+              </a:spcBef>
+              <a:spcAft>
+                <a:spcPts val="800"/>
+              </a:spcAft>
+            </a:pPr>
             <a:endParaRPr lang="en-US" sz="1800" kern="100" dirty="0">
               <a:effectLst/>
               <a:latin typeface="Calibri" panose="020F0502020204030204" pitchFamily="34" charset="0"/>
@@ -619,6 +645,19 @@
               </a:rPr>
               <a:t>My presentation this evening is titled “ENERGY to GDP per CAPITA Comparison”</a:t>
             </a:r>
+          </a:p>
+          <a:p>
+            <a:pPr marL="0" marR="0">
+              <a:lnSpc>
+                <a:spcPct val="107000"/>
+              </a:lnSpc>
+              <a:spcBef>
+                <a:spcPts val="0"/>
+              </a:spcBef>
+              <a:spcAft>
+                <a:spcPts val="800"/>
+              </a:spcAft>
+            </a:pPr>
             <a:endParaRPr lang="en-US" sz="1800" kern="100" dirty="0">
               <a:effectLst/>
               <a:latin typeface="Calibri" panose="020F0502020204030204" pitchFamily="34" charset="0"/>
@@ -757,7 +796,7 @@
                 <a:ea typeface="Calibri" panose="020F0502020204030204" pitchFamily="34" charset="0"/>
                 <a:cs typeface="Calibri" panose="020F0502020204030204" pitchFamily="34" charset="0"/>
               </a:rPr>
-              <a:t>Next I wanted to review the changes by PERCENT of CHANGE…..Once again using an average of all 50 states….</a:t>
+              <a:t>Next, I wanted to review the changes by PERCENT of CHANGE…..Once again using an average of all 50 states….</a:t>
             </a:r>
           </a:p>
           <a:p>
@@ -1708,7 +1747,7 @@
                 <a:ea typeface="Calibri" panose="020F0502020204030204" pitchFamily="34" charset="0"/>
                 <a:cs typeface="Calibri" panose="020F0502020204030204" pitchFamily="34" charset="0"/>
               </a:rPr>
-              <a:t>First I noticed a shift in the states listed….</a:t>
+              <a:t>First, I noticed a shift in the states listed….</a:t>
             </a:r>
             <a:endParaRPr lang="en-US" sz="1800" kern="100" dirty="0">
               <a:effectLst/>
@@ -2090,7 +2129,7 @@
                 <a:ea typeface="Calibri" panose="020F0502020204030204" pitchFamily="34" charset="0"/>
                 <a:cs typeface="Calibri" panose="020F0502020204030204" pitchFamily="34" charset="0"/>
               </a:rPr>
-              <a:t>My Key Thesis Starting this Project was that I would readily find a correlation between GDP per CAPITA to ENERGY CONSUMPTION…..My thought was that CONSUMPTION means Commerce means Money, and More Commerce would equal More Money….</a:t>
+              <a:t>My Key Thesis Starting this Project was that I would readily find a correlation between GDP per CAPITA to ENERGY CONSUMPTION…..My thought was that CONSUMPTION means Commerce which means Money, and More Commerce would equal More Money….and a higher GDP per Capita.</a:t>
             </a:r>
           </a:p>
           <a:p>
@@ -2213,7 +2252,7 @@
                 <a:ea typeface="Calibri" panose="020F0502020204030204" pitchFamily="34" charset="0"/>
                 <a:cs typeface="Calibri" panose="020F0502020204030204" pitchFamily="34" charset="0"/>
               </a:rPr>
-              <a:t>The dispersion observed in the charts for GDP per CAPITA to CONSUMPTION Indicates a lack of correlation.</a:t>
+              <a:t>The wide dispersion of values observed in the charts for GDP per CAPITA to CONSUMPTION Indicates a lack of correlation.</a:t>
             </a:r>
           </a:p>
           <a:p>
@@ -2601,7 +2640,7 @@
                 <a:ea typeface="Calibri" panose="020F0502020204030204" pitchFamily="34" charset="0"/>
                 <a:cs typeface="Calibri" panose="020F0502020204030204" pitchFamily="34" charset="0"/>
               </a:rPr>
-              <a:t>A Key Divers for Innovation is Funding….With this thought in mind I conducted a review of Government and Private Industry funding for Renewable Research &amp; Development. </a:t>
+              <a:t>A Key Driver for Innovation is Funding….With this thought in mind I conducted a review of Government and Private Industry funding for Renewable Research &amp; Development. </a:t>
             </a:r>
           </a:p>
           <a:p>
@@ -2652,7 +2691,7 @@
             </a:endParaRPr>
           </a:p>
           <a:p>
-            <a:pPr marL="342900" marR="0" lvl="0" indent="-342900">
+            <a:pPr marL="0" marR="0" lvl="0" indent="0">
               <a:lnSpc>
                 <a:spcPct val="107000"/>
               </a:lnSpc>
@@ -2663,7 +2702,7 @@
                 <a:spcPts val="0"/>
               </a:spcAft>
               <a:buFont typeface="Calibri" panose="020F0502020204030204" pitchFamily="34" charset="0"/>
-              <a:buChar char="-"/>
+              <a:buNone/>
             </a:pPr>
             <a:r>
               <a:rPr lang="en-US" sz="1800" kern="100" dirty="0">
@@ -2672,65 +2711,7 @@
                 <a:ea typeface="Calibri" panose="020F0502020204030204" pitchFamily="34" charset="0"/>
                 <a:cs typeface="Calibri" panose="020F0502020204030204" pitchFamily="34" charset="0"/>
               </a:rPr>
-              <a:t> </a:t>
-            </a:r>
-            <a:endParaRPr lang="en-US" sz="1800" kern="100" dirty="0">
-              <a:effectLst/>
-              <a:latin typeface="Calibri" panose="020F0502020204030204" pitchFamily="34" charset="0"/>
-              <a:ea typeface="Calibri" panose="020F0502020204030204" pitchFamily="34" charset="0"/>
-              <a:cs typeface="Times New Roman" panose="02020603050405020304" pitchFamily="18" charset="0"/>
-            </a:endParaRPr>
-          </a:p>
-          <a:p>
-            <a:pPr marL="342900" marR="0" lvl="0" indent="-342900">
-              <a:lnSpc>
-                <a:spcPct val="107000"/>
-              </a:lnSpc>
-              <a:spcBef>
-                <a:spcPts val="0"/>
-              </a:spcBef>
-              <a:spcAft>
-                <a:spcPts val="0"/>
-              </a:spcAft>
-              <a:buFont typeface="Calibri" panose="020F0502020204030204" pitchFamily="34" charset="0"/>
-              <a:buChar char="-"/>
-            </a:pPr>
-            <a:r>
-              <a:rPr lang="en-US" sz="1800" kern="100" dirty="0">
-                <a:effectLst/>
-                <a:latin typeface="Calibri" panose="020F0502020204030204" pitchFamily="34" charset="0"/>
-                <a:ea typeface="Calibri" panose="020F0502020204030204" pitchFamily="34" charset="0"/>
-                <a:cs typeface="Calibri" panose="020F0502020204030204" pitchFamily="34" charset="0"/>
-              </a:rPr>
-              <a:t>With the median investment from Private Industry is $1.2B while our Government’s contribution sits at $786M</a:t>
-            </a:r>
-            <a:endParaRPr lang="en-US" sz="1800" kern="100" dirty="0">
-              <a:effectLst/>
-              <a:latin typeface="Calibri" panose="020F0502020204030204" pitchFamily="34" charset="0"/>
-              <a:ea typeface="Calibri" panose="020F0502020204030204" pitchFamily="34" charset="0"/>
-              <a:cs typeface="Times New Roman" panose="02020603050405020304" pitchFamily="18" charset="0"/>
-            </a:endParaRPr>
-          </a:p>
-          <a:p>
-            <a:pPr marL="685800" marR="0">
-              <a:lnSpc>
-                <a:spcPct val="107000"/>
-              </a:lnSpc>
-              <a:spcBef>
-                <a:spcPts val="0"/>
-              </a:spcBef>
-              <a:spcAft>
-                <a:spcPts val="0"/>
-              </a:spcAft>
-            </a:pPr>
-            <a:r>
-              <a:rPr lang="en-US" sz="1800" kern="100" dirty="0">
-                <a:effectLst/>
-                <a:latin typeface="Calibri" panose="020F0502020204030204" pitchFamily="34" charset="0"/>
-                <a:ea typeface="Calibri" panose="020F0502020204030204" pitchFamily="34" charset="0"/>
-                <a:cs typeface="Calibri" panose="020F0502020204030204" pitchFamily="34" charset="0"/>
-              </a:rPr>
-              <a:t> </a:t>
+              <a:t>  </a:t>
             </a:r>
             <a:endParaRPr lang="en-US" sz="1800" kern="100" dirty="0">
               <a:effectLst/>
@@ -2762,6 +2743,76 @@
               </a:rPr>
               <a:t>2009 was the highest year for Private Industry investing $3B and 2012 was the highest year for the US Government investing $1.9B</a:t>
             </a:r>
+          </a:p>
+          <a:p>
+            <a:pPr marL="342900" marR="0" lvl="0" indent="-342900">
+              <a:lnSpc>
+                <a:spcPct val="107000"/>
+              </a:lnSpc>
+              <a:spcBef>
+                <a:spcPts val="0"/>
+              </a:spcBef>
+              <a:spcAft>
+                <a:spcPts val="800"/>
+              </a:spcAft>
+              <a:buFont typeface="Calibri" panose="020F0502020204030204" pitchFamily="34" charset="0"/>
+              <a:buChar char="-"/>
+            </a:pPr>
+            <a:endParaRPr lang="en-US" sz="1800" kern="100" dirty="0">
+              <a:effectLst/>
+              <a:latin typeface="Calibri" panose="020F0502020204030204" pitchFamily="34" charset="0"/>
+              <a:ea typeface="Calibri" panose="020F0502020204030204" pitchFamily="34" charset="0"/>
+              <a:cs typeface="Calibri" panose="020F0502020204030204" pitchFamily="34" charset="0"/>
+            </a:endParaRPr>
+          </a:p>
+          <a:p>
+            <a:pPr marL="342900" marR="0" lvl="0" indent="-342900" algn="l" defTabSz="914400" rtl="0" eaLnBrk="1" fontAlgn="auto" latinLnBrk="0" hangingPunct="1">
+              <a:lnSpc>
+                <a:spcPct val="107000"/>
+              </a:lnSpc>
+              <a:spcBef>
+                <a:spcPts val="0"/>
+              </a:spcBef>
+              <a:spcAft>
+                <a:spcPts val="800"/>
+              </a:spcAft>
+              <a:buClrTx/>
+              <a:buSzTx/>
+              <a:buFont typeface="Calibri" panose="020F0502020204030204" pitchFamily="34" charset="0"/>
+              <a:buChar char="-"/>
+              <a:tabLst/>
+              <a:defRPr/>
+            </a:pPr>
+            <a:r>
+              <a:rPr lang="en-US" sz="1800" kern="100" dirty="0">
+                <a:effectLst/>
+                <a:latin typeface="Calibri" panose="020F0502020204030204" pitchFamily="34" charset="0"/>
+                <a:ea typeface="Calibri" panose="020F0502020204030204" pitchFamily="34" charset="0"/>
+                <a:cs typeface="Calibri" panose="020F0502020204030204" pitchFamily="34" charset="0"/>
+              </a:rPr>
+              <a:t>With the median investment from Private Industry at $1.2B while our Government’s contribution sits at $786M</a:t>
+            </a:r>
+            <a:endParaRPr lang="en-US" sz="1800" kern="100" dirty="0">
+              <a:effectLst/>
+              <a:latin typeface="Calibri" panose="020F0502020204030204" pitchFamily="34" charset="0"/>
+              <a:ea typeface="Calibri" panose="020F0502020204030204" pitchFamily="34" charset="0"/>
+              <a:cs typeface="Times New Roman" panose="02020603050405020304" pitchFamily="18" charset="0"/>
+            </a:endParaRPr>
+          </a:p>
+          <a:p>
+            <a:pPr marL="0" marR="0" lvl="0" indent="0">
+              <a:lnSpc>
+                <a:spcPct val="107000"/>
+              </a:lnSpc>
+              <a:spcBef>
+                <a:spcPts val="0"/>
+              </a:spcBef>
+              <a:spcAft>
+                <a:spcPts val="800"/>
+              </a:spcAft>
+              <a:buFont typeface="Calibri" panose="020F0502020204030204" pitchFamily="34" charset="0"/>
+              <a:buNone/>
+            </a:pPr>
             <a:endParaRPr lang="en-US" sz="1800" kern="100" dirty="0">
               <a:effectLst/>
               <a:latin typeface="Calibri" panose="020F0502020204030204" pitchFamily="34" charset="0"/>
@@ -3707,8 +3758,21 @@
                 <a:ea typeface="Calibri" panose="020F0502020204030204" pitchFamily="34" charset="0"/>
                 <a:cs typeface="Calibri" panose="020F0502020204030204" pitchFamily="34" charset="0"/>
               </a:rPr>
-              <a:t>My analysis included datasets from Bureau of Economic Analysis, US Census Bureau, ENERGY Information Agency, &amp; International Information Agency and data for the years 1970, 1980, 1990, 2000, 2010, &amp; 2020.</a:t>
-            </a:r>
+              <a:t>My analysis included datasets from Bureau of Economic Analysis, US Census Bureau, ENERGY Information Agency, &amp; International Energy Agency and data for the years 1970, 1980, 1990, 2000, 2010, &amp; 2020.</a:t>
+            </a:r>
+          </a:p>
+          <a:p>
+            <a:pPr marL="0" marR="0">
+              <a:lnSpc>
+                <a:spcPct val="107000"/>
+              </a:lnSpc>
+              <a:spcBef>
+                <a:spcPts val="0"/>
+              </a:spcBef>
+              <a:spcAft>
+                <a:spcPts val="800"/>
+              </a:spcAft>
+            </a:pPr>
             <a:endParaRPr lang="en-US" sz="1800" kern="100" dirty="0">
               <a:effectLst/>
               <a:latin typeface="Calibri" panose="020F0502020204030204" pitchFamily="34" charset="0"/>
@@ -4142,7 +4206,7 @@
                 <a:ea typeface="Calibri" panose="020F0502020204030204" pitchFamily="34" charset="0"/>
                 <a:cs typeface="Calibri" panose="020F0502020204030204" pitchFamily="34" charset="0"/>
               </a:rPr>
-              <a:t>Utilizing this SCATTER CHART I was able to view the relative values for GDP per CAPITA based on the year and noticed:</a:t>
+              <a:t>Utilizing this SCATTER CHART I was able to view the relative values for GDP per CAPITA by year and noticed:</a:t>
             </a:r>
           </a:p>
           <a:p>
@@ -4873,7 +4937,7 @@
                 <a:ea typeface="Calibri" panose="020F0502020204030204" pitchFamily="34" charset="0"/>
                 <a:cs typeface="Calibri" panose="020F0502020204030204" pitchFamily="34" charset="0"/>
               </a:rPr>
-              <a:t>Next, I wanted to look at GDP across the country…..</a:t>
+              <a:t>Next, I wanted to look at GDP per CAPITA across the country…..</a:t>
             </a:r>
           </a:p>
           <a:p>
@@ -5017,7 +5081,7 @@
                 <a:ea typeface="Calibri" panose="020F0502020204030204" pitchFamily="34" charset="0"/>
                 <a:cs typeface="Calibri" panose="020F0502020204030204" pitchFamily="34" charset="0"/>
               </a:rPr>
-              <a:t>And from there I wanted to look and how the values changed over the years…</a:t>
+              <a:t>And from here I wanted to investigate how the values for ENERGY changed over the years…</a:t>
             </a:r>
             <a:endParaRPr lang="en-US" sz="1800" kern="100" dirty="0">
               <a:effectLst/>
@@ -5280,7 +5344,7 @@
                 <a:ea typeface="Calibri" panose="020F0502020204030204" pitchFamily="34" charset="0"/>
                 <a:cs typeface="Calibri" panose="020F0502020204030204" pitchFamily="34" charset="0"/>
               </a:rPr>
-              <a:t>1990vs2000 was the highest year for FOSSIL FUEL and a significant decline after 2000</a:t>
+              <a:t>1990vs2000 was the highest year for FOSSIL FUEL with a significant decline after 2000</a:t>
             </a:r>
             <a:endParaRPr lang="en-US" sz="1800" kern="100" dirty="0">
               <a:effectLst/>
@@ -5340,6 +5404,19 @@
               </a:rPr>
               <a:t>While RENEWABLES began their increase at the same time</a:t>
             </a:r>
+          </a:p>
+          <a:p>
+            <a:pPr marL="457200" marR="0">
+              <a:lnSpc>
+                <a:spcPct val="107000"/>
+              </a:lnSpc>
+              <a:spcBef>
+                <a:spcPts val="0"/>
+              </a:spcBef>
+              <a:spcAft>
+                <a:spcPts val="800"/>
+              </a:spcAft>
+            </a:pPr>
             <a:endParaRPr lang="en-US" sz="1800" kern="100" dirty="0">
               <a:effectLst/>
               <a:latin typeface="Calibri" panose="020F0502020204030204" pitchFamily="34" charset="0"/>
@@ -5368,6 +5445,19 @@
               </a:rPr>
               <a:t>Considering PRODUCTION….</a:t>
             </a:r>
+          </a:p>
+          <a:p>
+            <a:pPr marL="457200" marR="0">
+              <a:lnSpc>
+                <a:spcPct val="107000"/>
+              </a:lnSpc>
+              <a:spcBef>
+                <a:spcPts val="0"/>
+              </a:spcBef>
+              <a:spcAft>
+                <a:spcPts val="800"/>
+              </a:spcAft>
+            </a:pPr>
             <a:endParaRPr lang="en-US" sz="1800" kern="100" dirty="0">
               <a:effectLst/>
               <a:latin typeface="Calibri" panose="020F0502020204030204" pitchFamily="34" charset="0"/>
@@ -6894,7 +6984,7 @@
             <a:fld id="{5F02DCD1-2C6B-F948-9F72-3BB0CF3D512E}" type="datetime1">
               <a:rPr lang="en-US" smtClean="0"/>
               <a:pPr/>
-              <a:t>6/20/2023</a:t>
+              <a:t>6/21/2023</a:t>
             </a:fld>
             <a:endParaRPr lang="en-US" dirty="0"/>
           </a:p>
@@ -7779,7 +7869,7 @@
             <a:fld id="{C1583C39-01BF-7F43-854C-FBB4E9AB6B0C}" type="datetime1">
               <a:rPr lang="en-US" smtClean="0"/>
               <a:pPr/>
-              <a:t>6/20/2023</a:t>
+              <a:t>6/21/2023</a:t>
             </a:fld>
             <a:endParaRPr lang="en-US" dirty="0"/>
           </a:p>
@@ -8956,7 +9046,7 @@
             <a:fld id="{4B103E64-1627-9140-8127-1849FED275E1}" type="datetime1">
               <a:rPr lang="en-US" smtClean="0"/>
               <a:pPr/>
-              <a:t>6/20/2023</a:t>
+              <a:t>6/21/2023</a:t>
             </a:fld>
             <a:endParaRPr lang="en-US" dirty="0"/>
           </a:p>
@@ -11036,7 +11126,7 @@
             <a:fld id="{DD9C8446-696E-6942-B6C8-CC9CAD0B34E0}" type="datetime1">
               <a:rPr lang="en-US" smtClean="0"/>
               <a:pPr/>
-              <a:t>6/20/2023</a:t>
+              <a:t>6/21/2023</a:t>
             </a:fld>
             <a:endParaRPr lang="en-US" dirty="0"/>
           </a:p>
@@ -11754,7 +11844,7 @@
             <a:fld id="{F5592931-05C6-8543-8B6E-A8BD29BD5C2B}" type="datetime1">
               <a:rPr lang="en-US" smtClean="0"/>
               <a:pPr/>
-              <a:t>6/20/2023</a:t>
+              <a:t>6/21/2023</a:t>
             </a:fld>
             <a:endParaRPr lang="en-US" dirty="0"/>
           </a:p>
@@ -12982,7 +13072,7 @@
             <a:fld id="{7E7AB22C-8B7E-9B4A-8C65-396C3C874D86}" type="datetime1">
               <a:rPr lang="en-US" smtClean="0"/>
               <a:pPr/>
-              <a:t>6/20/2023</a:t>
+              <a:t>6/21/2023</a:t>
             </a:fld>
             <a:endParaRPr lang="en-US" dirty="0"/>
           </a:p>
@@ -13574,7 +13664,7 @@
             <a:fld id="{8CE9AC2A-20AD-8C48-B5EB-B5322BDBCDEE}" type="datetime1">
               <a:rPr lang="en-US" smtClean="0"/>
               <a:pPr/>
-              <a:t>6/20/2023</a:t>
+              <a:t>6/21/2023</a:t>
             </a:fld>
             <a:endParaRPr lang="en-US" dirty="0"/>
           </a:p>
@@ -14047,7 +14137,7 @@
             <a:fld id="{4CF75428-5BE0-934D-BB71-675F8E23A386}" type="datetime1">
               <a:rPr lang="en-US" smtClean="0"/>
               <a:pPr/>
-              <a:t>6/20/2023</a:t>
+              <a:t>6/21/2023</a:t>
             </a:fld>
             <a:endParaRPr lang="en-US" dirty="0"/>
           </a:p>
@@ -14897,7 +14987,7 @@
             <a:fld id="{9A85C5CA-AE29-AB4C-8F85-0373C72001D8}" type="datetime1">
               <a:rPr lang="en-US" smtClean="0"/>
               <a:pPr/>
-              <a:t>6/20/2023</a:t>
+              <a:t>6/21/2023</a:t>
             </a:fld>
             <a:endParaRPr lang="en-US" dirty="0"/>
           </a:p>
@@ -17122,7 +17212,7 @@
             <a:fld id="{75594855-01E8-5A4B-B2B8-E2ECEF879100}" type="datetime1">
               <a:rPr lang="en-US" smtClean="0"/>
               <a:pPr/>
-              <a:t>6/20/2023</a:t>
+              <a:t>6/21/2023</a:t>
             </a:fld>
             <a:endParaRPr lang="en-US" dirty="0"/>
           </a:p>
@@ -17391,7 +17481,7 @@
             <a:fld id="{B562DF68-3089-814D-8A14-C651FE91885E}" type="datetime1">
               <a:rPr lang="en-US" smtClean="0"/>
               <a:pPr/>
-              <a:t>6/20/2023</a:t>
+              <a:t>6/21/2023</a:t>
             </a:fld>
             <a:endParaRPr lang="en-US" dirty="0"/>
           </a:p>
@@ -18167,7 +18257,7 @@
                 <a:tabLst/>
                 <a:defRPr/>
               </a:pPr>
-              <a:t>6/20/2023</a:t>
+              <a:t>6/21/2023</a:t>
             </a:fld>
             <a:endParaRPr kumimoji="0" lang="en-US" sz="1200" b="0" i="0" u="none" strike="noStrike" kern="1200" cap="none" spc="0" normalizeH="0" baseline="0" noProof="0" dirty="0">
               <a:ln>
@@ -18870,7 +18960,7 @@
                 <a:tabLst/>
                 <a:defRPr/>
               </a:pPr>
-              <a:t>6/20/2023</a:t>
+              <a:t>6/21/2023</a:t>
             </a:fld>
             <a:endParaRPr kumimoji="0" lang="en-US" sz="1200" b="0" i="0" u="none" strike="noStrike" kern="1200" cap="none" spc="0" normalizeH="0" baseline="0" noProof="0" dirty="0">
               <a:ln>
@@ -19514,7 +19604,7 @@
                 <a:tabLst/>
                 <a:defRPr/>
               </a:pPr>
-              <a:t>6/20/2023</a:t>
+              <a:t>6/21/2023</a:t>
             </a:fld>
             <a:endParaRPr kumimoji="0" lang="en-US" sz="1200" b="0" i="0" u="none" strike="noStrike" kern="1200" cap="none" spc="0" normalizeH="0" baseline="0" noProof="0" dirty="0">
               <a:ln>
@@ -21383,7 +21473,7 @@
                 <a:tabLst/>
                 <a:defRPr/>
               </a:pPr>
-              <a:t>6/20/2023</a:t>
+              <a:t>6/21/2023</a:t>
             </a:fld>
             <a:endParaRPr kumimoji="0" lang="en-US" sz="1200" b="0" i="0" u="none" strike="noStrike" kern="1200" cap="none" spc="0" normalizeH="0" baseline="0" noProof="0" dirty="0">
               <a:ln>
@@ -22984,7 +23074,7 @@
                 <a:tabLst/>
                 <a:defRPr/>
               </a:pPr>
-              <a:t>6/20/2023</a:t>
+              <a:t>6/21/2023</a:t>
             </a:fld>
             <a:endParaRPr kumimoji="0" lang="en-US" sz="1200" b="0" i="0" u="none" strike="noStrike" kern="1200" cap="none" spc="0" normalizeH="0" baseline="0" noProof="0" dirty="0">
               <a:ln>
@@ -23629,7 +23719,7 @@
                 <a:tabLst/>
                 <a:defRPr/>
               </a:pPr>
-              <a:t>6/20/2023</a:t>
+              <a:t>6/21/2023</a:t>
             </a:fld>
             <a:endParaRPr kumimoji="0" lang="en-US" sz="1200" b="0" i="0" u="none" strike="noStrike" kern="1200" cap="none" spc="0" normalizeH="0" baseline="0" noProof="0" dirty="0">
               <a:ln>
@@ -24274,7 +24364,7 @@
                 <a:tabLst/>
                 <a:defRPr/>
               </a:pPr>
-              <a:t>6/20/2023</a:t>
+              <a:t>6/21/2023</a:t>
             </a:fld>
             <a:endParaRPr kumimoji="0" lang="en-US" sz="1200" b="0" i="0" u="none" strike="noStrike" kern="1200" cap="none" spc="0" normalizeH="0" baseline="0" noProof="0" dirty="0">
               <a:ln>
@@ -25253,7 +25343,7 @@
                 <a:tabLst/>
                 <a:defRPr/>
               </a:pPr>
-              <a:t>6/20/2023</a:t>
+              <a:t>6/21/2023</a:t>
             </a:fld>
             <a:endParaRPr kumimoji="0" lang="en-US" sz="1200" b="0" i="0" u="none" strike="noStrike" kern="1200" cap="none" spc="0" normalizeH="0" baseline="0" noProof="0" dirty="0">
               <a:ln>
@@ -26357,7 +26447,7 @@
             <a:fld id="{495D8227-9DE4-4D42-8C1B-E10C828BC634}" type="datetime1">
               <a:rPr lang="en-US" smtClean="0"/>
               <a:pPr/>
-              <a:t>6/20/2023</a:t>
+              <a:t>6/21/2023</a:t>
             </a:fld>
             <a:endParaRPr lang="en-US" dirty="0"/>
           </a:p>
@@ -26531,7 +26621,7 @@
                 <a:tabLst/>
                 <a:defRPr/>
               </a:pPr>
-              <a:t>6/20/2023</a:t>
+              <a:t>6/21/2023</a:t>
             </a:fld>
             <a:endParaRPr kumimoji="0" lang="en-US" sz="1200" b="0" i="0" u="none" strike="noStrike" kern="1200" cap="none" spc="0" normalizeH="0" baseline="0" noProof="0" dirty="0">
               <a:ln>
@@ -27521,7 +27611,7 @@
                 <a:tabLst/>
                 <a:defRPr/>
               </a:pPr>
-              <a:t>6/20/2023</a:t>
+              <a:t>6/21/2023</a:t>
             </a:fld>
             <a:endParaRPr kumimoji="0" lang="en-US" sz="1200" b="0" i="0" u="none" strike="noStrike" kern="1200" cap="none" spc="0" normalizeH="0" baseline="0" noProof="0" dirty="0">
               <a:ln>
@@ -29146,7 +29236,7 @@
             <a:fld id="{7FA0C2EE-8499-394A-A22C-DABDB4752AEE}" type="datetime1">
               <a:rPr lang="en-US" smtClean="0"/>
               <a:pPr/>
-              <a:t>6/20/2023</a:t>
+              <a:t>6/21/2023</a:t>
             </a:fld>
             <a:endParaRPr lang="en-US" dirty="0"/>
           </a:p>
@@ -29770,7 +29860,7 @@
             <a:fld id="{0B931EDA-BCF8-BB4B-B4D1-2CFE062FA080}" type="datetime1">
               <a:rPr lang="en-US" smtClean="0"/>
               <a:pPr/>
-              <a:t>6/20/2023</a:t>
+              <a:t>6/21/2023</a:t>
             </a:fld>
             <a:endParaRPr lang="en-US" dirty="0"/>
           </a:p>
@@ -30015,7 +30105,7 @@
             <a:fld id="{E1707CF3-9BC4-A745-ACDA-A73543D800FE}" type="datetime1">
               <a:rPr lang="en-US" smtClean="0"/>
               <a:pPr/>
-              <a:t>6/20/2023</a:t>
+              <a:t>6/21/2023</a:t>
             </a:fld>
             <a:endParaRPr lang="en-US" dirty="0"/>
           </a:p>
@@ -30219,7 +30309,7 @@
             </a:pPr>
             <a:r>
               <a:rPr lang="en-US" dirty="0"/>
-              <a:t>Analysis utilized energy &amp; economic related data sets from the Bureau of Economic Analysis, US Census Bureau, Energy Information Agency, &amp; International Information Agency.</a:t>
+              <a:t>Analysis utilized energy &amp; economic related data sets from the Bureau of Economic Analysis, US Census Bureau, Energy Information Agency, &amp; International Energy Agency.</a:t>
             </a:r>
           </a:p>
           <a:p>
@@ -30432,7 +30522,7 @@
                 <a:tabLst/>
                 <a:defRPr/>
               </a:pPr>
-              <a:t>6/20/2023</a:t>
+              <a:t>6/21/2023</a:t>
             </a:fld>
             <a:endParaRPr kumimoji="0" lang="en-US" sz="1200" b="0" i="0" u="none" strike="noStrike" kern="1200" cap="none" spc="0" normalizeH="0" baseline="0" noProof="0" dirty="0">
               <a:ln>
@@ -30776,7 +30866,7 @@
                 <a:tabLst/>
                 <a:defRPr/>
               </a:pPr>
-              <a:t>6/20/2023</a:t>
+              <a:t>6/21/2023</a:t>
             </a:fld>
             <a:endParaRPr kumimoji="0" lang="en-US" sz="1200" b="0" i="0" u="none" strike="noStrike" kern="1200" cap="none" spc="0" normalizeH="0" baseline="0" noProof="0" dirty="0">
               <a:ln>
@@ -32607,7 +32697,7 @@
                 <a:tabLst/>
                 <a:defRPr/>
               </a:pPr>
-              <a:t>6/20/2023</a:t>
+              <a:t>6/21/2023</a:t>
             </a:fld>
             <a:endParaRPr kumimoji="0" lang="en-US" sz="1200" b="0" i="0" u="none" strike="noStrike" kern="1200" cap="none" spc="0" normalizeH="0" baseline="0" noProof="0" dirty="0">
               <a:ln>
@@ -33826,7 +33916,7 @@
                 <a:tabLst/>
                 <a:defRPr/>
               </a:pPr>
-              <a:t>6/20/2023</a:t>
+              <a:t>6/21/2023</a:t>
             </a:fld>
             <a:endParaRPr kumimoji="0" lang="en-US" sz="1200" b="0" i="0" u="none" strike="noStrike" kern="1200" cap="none" spc="0" normalizeH="0" baseline="0" noProof="0" dirty="0">
               <a:ln>
@@ -34364,7 +34454,7 @@
                 <a:tabLst/>
                 <a:defRPr/>
               </a:pPr>
-              <a:t>6/20/2023</a:t>
+              <a:t>6/21/2023</a:t>
             </a:fld>
             <a:endParaRPr kumimoji="0" lang="en-US" sz="1200" b="0" i="0" u="none" strike="noStrike" kern="1200" cap="none" spc="0" normalizeH="0" baseline="0" noProof="0" dirty="0">
               <a:ln>
@@ -36000,15 +36090,6 @@
 </file>
 
 <file path=customXml/item1.xml><?xml version="1.0" encoding="utf-8"?>
-<?mso-contentType ?>
-<FormTemplates xmlns="http://schemas.microsoft.com/sharepoint/v3/contenttype/forms">
-  <Display>DocumentLibraryForm</Display>
-  <Edit>DocumentLibraryForm</Edit>
-  <New>DocumentLibraryForm</New>
-</FormTemplates>
-</file>
-
-<file path=customXml/item2.xml><?xml version="1.0" encoding="utf-8"?>
 <p:properties xmlns:p="http://schemas.microsoft.com/office/2006/metadata/properties" xmlns:xsi="http://www.w3.org/2001/XMLSchema-instance" xmlns:pc="http://schemas.microsoft.com/office/infopath/2007/PartnerControls">
   <documentManagement>
     <_ip_UnifiedCompliancePolicyUIAction xmlns="http://schemas.microsoft.com/sharepoint/v3" xsi:nil="true"/>
@@ -36025,6 +36106,15 @@
     <MediaServiceKeyPoints xmlns="71af3243-3dd4-4a8d-8c0d-dd76da1f02a5" xsi:nil="true"/>
   </documentManagement>
 </p:properties>
+</file>
+
+<file path=customXml/item2.xml><?xml version="1.0" encoding="utf-8"?>
+<?mso-contentType ?>
+<FormTemplates xmlns="http://schemas.microsoft.com/sharepoint/v3/contenttype/forms">
+  <Display>DocumentLibraryForm</Display>
+  <Edit>DocumentLibraryForm</Edit>
+  <New>DocumentLibraryForm</New>
+</FormTemplates>
 </file>
 
 <file path=customXml/item3.xml><?xml version="1.0" encoding="utf-8"?>
@@ -36310,14 +36400,6 @@
 </file>
 
 <file path=customXml/itemProps1.xml><?xml version="1.0" encoding="utf-8"?>
-<ds:datastoreItem xmlns:ds="http://schemas.openxmlformats.org/officeDocument/2006/customXml" ds:itemID="{85334180-0405-413B-834A-44FA9E05ADB7}">
-  <ds:schemaRefs>
-    <ds:schemaRef ds:uri="http://schemas.microsoft.com/sharepoint/v3/contenttype/forms"/>
-  </ds:schemaRefs>
-</ds:datastoreItem>
-</file>
-
-<file path=customXml/itemProps2.xml><?xml version="1.0" encoding="utf-8"?>
 <ds:datastoreItem xmlns:ds="http://schemas.openxmlformats.org/officeDocument/2006/customXml" ds:itemID="{4D5BAB77-79E1-4739-AA51-10C9079186D6}">
   <ds:schemaRefs>
     <ds:schemaRef ds:uri="http://schemas.microsoft.com/office/2006/documentManagement/types"/>
@@ -36332,6 +36414,14 @@
     <ds:schemaRef ds:uri="http://schemas.microsoft.com/sharepoint/v3"/>
     <ds:schemaRef ds:uri="http://schemas.microsoft.com/office/2006/metadata/properties"/>
     <ds:schemaRef ds:uri="http://purl.org/dc/dcmitype/"/>
+  </ds:schemaRefs>
+</ds:datastoreItem>
+</file>
+
+<file path=customXml/itemProps2.xml><?xml version="1.0" encoding="utf-8"?>
+<ds:datastoreItem xmlns:ds="http://schemas.openxmlformats.org/officeDocument/2006/customXml" ds:itemID="{85334180-0405-413B-834A-44FA9E05ADB7}">
+  <ds:schemaRefs>
+    <ds:schemaRef ds:uri="http://schemas.microsoft.com/sharepoint/v3/contenttype/forms"/>
   </ds:schemaRefs>
 </ds:datastoreItem>
 </file>

--- a/presentation/haggerty_energy_gdp_1.pptx
+++ b/presentation/haggerty_energy_gdp_1.pptx
@@ -232,7 +232,7 @@
           <a:p>
             <a:fld id="{7487ADD9-2083-264C-A652-8D52D02F7E72}" type="datetimeFigureOut">
               <a:rPr lang="en-US" smtClean="0"/>
-              <a:t>6/21/2023</a:t>
+              <a:t>6/22/2023</a:t>
             </a:fld>
             <a:endParaRPr lang="en-US" dirty="0"/>
           </a:p>
@@ -1704,7 +1704,7 @@
                 <a:ea typeface="Calibri" panose="020F0502020204030204" pitchFamily="34" charset="0"/>
                 <a:cs typeface="Calibri" panose="020F0502020204030204" pitchFamily="34" charset="0"/>
               </a:rPr>
-              <a:t>Now moving to PERCENT CHANGE for the TOP 5 &amp; BOTTOM 5for PRODUCTION….</a:t>
+              <a:t>Now moving to PERCENT CHANGE for the TOP 5 &amp; BOTTOM 5 for CONSUMPTION….</a:t>
             </a:r>
           </a:p>
           <a:p>
@@ -1719,36 +1719,6 @@
                 <a:spcPts val="800"/>
               </a:spcAft>
             </a:pPr>
-            <a:endParaRPr lang="en-US" sz="1800" kern="100" dirty="0">
-              <a:effectLst/>
-              <a:latin typeface="Calibri" panose="020F0502020204030204" pitchFamily="34" charset="0"/>
-              <a:ea typeface="Calibri" panose="020F0502020204030204" pitchFamily="34" charset="0"/>
-              <a:cs typeface="Times New Roman" panose="02020603050405020304" pitchFamily="18" charset="0"/>
-            </a:endParaRPr>
-          </a:p>
-          <a:p>
-            <a:pPr marL="342900" marR="0" lvl="0" indent="-342900">
-              <a:lnSpc>
-                <a:spcPct val="107000"/>
-              </a:lnSpc>
-              <a:spcBef>
-                <a:spcPts val="0"/>
-              </a:spcBef>
-              <a:spcAft>
-                <a:spcPts val="0"/>
-              </a:spcAft>
-              <a:buFont typeface="Calibri" panose="020F0502020204030204" pitchFamily="34" charset="0"/>
-              <a:buChar char="-"/>
-            </a:pPr>
-            <a:r>
-              <a:rPr lang="en-US" sz="1800" kern="100" dirty="0">
-                <a:effectLst/>
-                <a:latin typeface="Calibri" panose="020F0502020204030204" pitchFamily="34" charset="0"/>
-                <a:ea typeface="Calibri" panose="020F0502020204030204" pitchFamily="34" charset="0"/>
-                <a:cs typeface="Calibri" panose="020F0502020204030204" pitchFamily="34" charset="0"/>
-              </a:rPr>
-              <a:t>First, I noticed a shift in the states listed….</a:t>
-            </a:r>
             <a:endParaRPr lang="en-US" sz="1800" kern="100" dirty="0">
               <a:effectLst/>
               <a:latin typeface="Calibri" panose="020F0502020204030204" pitchFamily="34" charset="0"/>
@@ -2017,7 +1987,7 @@
                 <a:ea typeface="Calibri" panose="020F0502020204030204" pitchFamily="34" charset="0"/>
                 <a:cs typeface="Calibri" panose="020F0502020204030204" pitchFamily="34" charset="0"/>
               </a:rPr>
-              <a:t>- This shift remains consistent for Percent of Change in RENEWABLES PRODUCTION</a:t>
+              <a:t>- This shift remains consistent for Percent of Change in PRODUCTION</a:t>
             </a:r>
             <a:endParaRPr lang="en-US" sz="1200" kern="100" dirty="0">
               <a:effectLst/>
@@ -2293,7 +2263,7 @@
                 <a:ea typeface="Calibri" panose="020F0502020204030204" pitchFamily="34" charset="0"/>
                 <a:cs typeface="Calibri" panose="020F0502020204030204" pitchFamily="34" charset="0"/>
               </a:rPr>
-              <a:t>Using the Data, I made the same comparison using Population to CONSUMPTION and realized that this a much stronger correlation than GDP per CAPITA correlation.</a:t>
+              <a:t>Leveraging my Datasets, I made the same comparison using Population to CONSUMPTION and realized that this displays a much stronger correlation than GDP per CAPITA.</a:t>
             </a:r>
           </a:p>
           <a:p>
@@ -3020,7 +2990,7 @@
                 <a:ea typeface="Calibri" panose="020F0502020204030204" pitchFamily="34" charset="0"/>
                 <a:cs typeface="Calibri" panose="020F0502020204030204" pitchFamily="34" charset="0"/>
               </a:rPr>
-              <a:t>Overall, we can expect approximately 16.6M (BN Btu) from RENEWABLE ENERGY sources</a:t>
+              <a:t>Overall, we can expect approximately 16.6M (BN Btu) from RENEWABLE ENERGY sources from 2030 - 2050</a:t>
             </a:r>
             <a:endParaRPr lang="en-US" sz="1800" kern="100" dirty="0">
               <a:effectLst/>
@@ -3175,7 +3145,25 @@
                 <a:ea typeface="Calibri" panose="020F0502020204030204" pitchFamily="34" charset="0"/>
                 <a:cs typeface="Calibri" panose="020F0502020204030204" pitchFamily="34" charset="0"/>
               </a:rPr>
-              <a:t>Looking at our current Stated Policies” for ENERGY we can expect our use of RENEWABLES to grow to 35% of our Total ENERGY Supply</a:t>
+              <a:t>Looking at our </a:t>
+            </a:r>
+            <a:r>
+              <a:rPr lang="en-US" sz="1800" kern="100">
+                <a:effectLst/>
+                <a:latin typeface="Calibri" panose="020F0502020204030204" pitchFamily="34" charset="0"/>
+                <a:ea typeface="Calibri" panose="020F0502020204030204" pitchFamily="34" charset="0"/>
+                <a:cs typeface="Calibri" panose="020F0502020204030204" pitchFamily="34" charset="0"/>
+              </a:rPr>
+              <a:t>current “Stated </a:t>
+            </a:r>
+            <a:r>
+              <a:rPr lang="en-US" sz="1800" kern="100" dirty="0">
+                <a:effectLst/>
+                <a:latin typeface="Calibri" panose="020F0502020204030204" pitchFamily="34" charset="0"/>
+                <a:ea typeface="Calibri" panose="020F0502020204030204" pitchFamily="34" charset="0"/>
+                <a:cs typeface="Calibri" panose="020F0502020204030204" pitchFamily="34" charset="0"/>
+              </a:rPr>
+              <a:t>Policies” for ENERGY we can expect our use of RENEWABLES to grow to 35% of our Total ENERGY Supply</a:t>
             </a:r>
             <a:endParaRPr lang="en-US" sz="1800" kern="100" dirty="0">
               <a:effectLst/>
@@ -3605,7 +3593,7 @@
                 <a:ea typeface="Calibri" panose="020F0502020204030204" pitchFamily="34" charset="0"/>
                 <a:cs typeface="Calibri" panose="020F0502020204030204" pitchFamily="34" charset="0"/>
               </a:rPr>
-              <a:t>The primary goal of this project was to compare ENERGY CONSUMPTION and PRODUCTION to GDP per CAPITA at the state and national level while understanding the nation’s shift away from FOSSIL FUELS and if / how this relates to the nation’s leading fiscal metric. </a:t>
+              <a:t>The primary goal of this project was to compare ENERGY CONSUMPTION and PRODUCTION to GDP per CAPITA at the state and national level while understanding the nation’s shift away from FOSSIL FUELS and how this relates to the nation’s leading fiscal metric. </a:t>
             </a:r>
           </a:p>
           <a:p>
@@ -4206,7 +4194,7 @@
                 <a:ea typeface="Calibri" panose="020F0502020204030204" pitchFamily="34" charset="0"/>
                 <a:cs typeface="Calibri" panose="020F0502020204030204" pitchFamily="34" charset="0"/>
               </a:rPr>
-              <a:t>Utilizing this SCATTER CHART I was able to view the relative values for GDP per CAPITA by year and noticed:</a:t>
+              <a:t>Utilizing this SCATTER CHART I was able to view the relative values for GDP per CAPITA  and ENERGY by year and noticed:</a:t>
             </a:r>
           </a:p>
           <a:p>
@@ -4249,7 +4237,7 @@
                 <a:ea typeface="Calibri" panose="020F0502020204030204" pitchFamily="34" charset="0"/>
                 <a:cs typeface="Calibri" panose="020F0502020204030204" pitchFamily="34" charset="0"/>
               </a:rPr>
-              <a:t>Up to 5M (BN Btu) for CONSUMPTION and PRODUCTION covered most of the states</a:t>
+              <a:t>Up to 5M (BN Btu) was the highest value for CONSUMPTION and PRODUCTION across most of the states</a:t>
             </a:r>
             <a:endParaRPr lang="en-US" sz="1800" kern="100" dirty="0">
               <a:effectLst/>
@@ -4670,7 +4658,7 @@
                 <a:ea typeface="Calibri" panose="020F0502020204030204" pitchFamily="34" charset="0"/>
                 <a:cs typeface="Calibri" panose="020F0502020204030204" pitchFamily="34" charset="0"/>
               </a:rPr>
-              <a:t>Additionally, I noted most states with less than 200K (BN Btu) across all years considered. </a:t>
+              <a:t>Additionally, I noted most states sat at less than 200K (BN Btu) across all years considered for RENEWABLES. </a:t>
             </a:r>
             <a:endParaRPr lang="en-US" sz="1800" kern="100" dirty="0">
               <a:effectLst/>
@@ -4782,7 +4770,48 @@
                 <a:ea typeface="Calibri" panose="020F0502020204030204" pitchFamily="34" charset="0"/>
                 <a:cs typeface="Calibri" panose="020F0502020204030204" pitchFamily="34" charset="0"/>
               </a:rPr>
-              <a:t>Taking this a step further I wanted to look compare the MIX of ENERGY to GDP per CAPITA….</a:t>
+              <a:t>Taking this a step further I wanted to compare the MIX of ENERGY to GDP per CAPITA….</a:t>
+            </a:r>
+          </a:p>
+          <a:p>
+            <a:pPr marL="0" marR="0">
+              <a:lnSpc>
+                <a:spcPct val="107000"/>
+              </a:lnSpc>
+              <a:spcBef>
+                <a:spcPts val="0"/>
+              </a:spcBef>
+              <a:spcAft>
+                <a:spcPts val="800"/>
+              </a:spcAft>
+            </a:pPr>
+            <a:endParaRPr lang="en-US" sz="1800" kern="100" dirty="0">
+              <a:effectLst/>
+              <a:latin typeface="Calibri" panose="020F0502020204030204" pitchFamily="34" charset="0"/>
+              <a:ea typeface="Calibri" panose="020F0502020204030204" pitchFamily="34" charset="0"/>
+              <a:cs typeface="Calibri" panose="020F0502020204030204" pitchFamily="34" charset="0"/>
+            </a:endParaRPr>
+          </a:p>
+          <a:p>
+            <a:pPr marL="0" marR="0">
+              <a:lnSpc>
+                <a:spcPct val="107000"/>
+              </a:lnSpc>
+              <a:spcBef>
+                <a:spcPts val="0"/>
+              </a:spcBef>
+              <a:spcAft>
+                <a:spcPts val="800"/>
+              </a:spcAft>
+            </a:pPr>
+            <a:r>
+              <a:rPr lang="en-US" sz="1800" kern="100" dirty="0">
+                <a:effectLst/>
+                <a:latin typeface="Calibri" panose="020F0502020204030204" pitchFamily="34" charset="0"/>
+                <a:ea typeface="Calibri" panose="020F0502020204030204" pitchFamily="34" charset="0"/>
+                <a:cs typeface="Calibri" panose="020F0502020204030204" pitchFamily="34" charset="0"/>
+              </a:rPr>
+              <a:t>-       No Surprises Here…</a:t>
             </a:r>
           </a:p>
           <a:p>
@@ -6984,7 +7013,7 @@
             <a:fld id="{5F02DCD1-2C6B-F948-9F72-3BB0CF3D512E}" type="datetime1">
               <a:rPr lang="en-US" smtClean="0"/>
               <a:pPr/>
-              <a:t>6/21/2023</a:t>
+              <a:t>6/22/2023</a:t>
             </a:fld>
             <a:endParaRPr lang="en-US" dirty="0"/>
           </a:p>
@@ -7869,7 +7898,7 @@
             <a:fld id="{C1583C39-01BF-7F43-854C-FBB4E9AB6B0C}" type="datetime1">
               <a:rPr lang="en-US" smtClean="0"/>
               <a:pPr/>
-              <a:t>6/21/2023</a:t>
+              <a:t>6/22/2023</a:t>
             </a:fld>
             <a:endParaRPr lang="en-US" dirty="0"/>
           </a:p>
@@ -9046,7 +9075,7 @@
             <a:fld id="{4B103E64-1627-9140-8127-1849FED275E1}" type="datetime1">
               <a:rPr lang="en-US" smtClean="0"/>
               <a:pPr/>
-              <a:t>6/21/2023</a:t>
+              <a:t>6/22/2023</a:t>
             </a:fld>
             <a:endParaRPr lang="en-US" dirty="0"/>
           </a:p>
@@ -11126,7 +11155,7 @@
             <a:fld id="{DD9C8446-696E-6942-B6C8-CC9CAD0B34E0}" type="datetime1">
               <a:rPr lang="en-US" smtClean="0"/>
               <a:pPr/>
-              <a:t>6/21/2023</a:t>
+              <a:t>6/22/2023</a:t>
             </a:fld>
             <a:endParaRPr lang="en-US" dirty="0"/>
           </a:p>
@@ -11844,7 +11873,7 @@
             <a:fld id="{F5592931-05C6-8543-8B6E-A8BD29BD5C2B}" type="datetime1">
               <a:rPr lang="en-US" smtClean="0"/>
               <a:pPr/>
-              <a:t>6/21/2023</a:t>
+              <a:t>6/22/2023</a:t>
             </a:fld>
             <a:endParaRPr lang="en-US" dirty="0"/>
           </a:p>
@@ -13072,7 +13101,7 @@
             <a:fld id="{7E7AB22C-8B7E-9B4A-8C65-396C3C874D86}" type="datetime1">
               <a:rPr lang="en-US" smtClean="0"/>
               <a:pPr/>
-              <a:t>6/21/2023</a:t>
+              <a:t>6/22/2023</a:t>
             </a:fld>
             <a:endParaRPr lang="en-US" dirty="0"/>
           </a:p>
@@ -13664,7 +13693,7 @@
             <a:fld id="{8CE9AC2A-20AD-8C48-B5EB-B5322BDBCDEE}" type="datetime1">
               <a:rPr lang="en-US" smtClean="0"/>
               <a:pPr/>
-              <a:t>6/21/2023</a:t>
+              <a:t>6/22/2023</a:t>
             </a:fld>
             <a:endParaRPr lang="en-US" dirty="0"/>
           </a:p>
@@ -14137,7 +14166,7 @@
             <a:fld id="{4CF75428-5BE0-934D-BB71-675F8E23A386}" type="datetime1">
               <a:rPr lang="en-US" smtClean="0"/>
               <a:pPr/>
-              <a:t>6/21/2023</a:t>
+              <a:t>6/22/2023</a:t>
             </a:fld>
             <a:endParaRPr lang="en-US" dirty="0"/>
           </a:p>
@@ -14987,7 +15016,7 @@
             <a:fld id="{9A85C5CA-AE29-AB4C-8F85-0373C72001D8}" type="datetime1">
               <a:rPr lang="en-US" smtClean="0"/>
               <a:pPr/>
-              <a:t>6/21/2023</a:t>
+              <a:t>6/22/2023</a:t>
             </a:fld>
             <a:endParaRPr lang="en-US" dirty="0"/>
           </a:p>
@@ -17212,7 +17241,7 @@
             <a:fld id="{75594855-01E8-5A4B-B2B8-E2ECEF879100}" type="datetime1">
               <a:rPr lang="en-US" smtClean="0"/>
               <a:pPr/>
-              <a:t>6/21/2023</a:t>
+              <a:t>6/22/2023</a:t>
             </a:fld>
             <a:endParaRPr lang="en-US" dirty="0"/>
           </a:p>
@@ -17481,7 +17510,7 @@
             <a:fld id="{B562DF68-3089-814D-8A14-C651FE91885E}" type="datetime1">
               <a:rPr lang="en-US" smtClean="0"/>
               <a:pPr/>
-              <a:t>6/21/2023</a:t>
+              <a:t>6/22/2023</a:t>
             </a:fld>
             <a:endParaRPr lang="en-US" dirty="0"/>
           </a:p>
@@ -18257,7 +18286,7 @@
                 <a:tabLst/>
                 <a:defRPr/>
               </a:pPr>
-              <a:t>6/21/2023</a:t>
+              <a:t>6/22/2023</a:t>
             </a:fld>
             <a:endParaRPr kumimoji="0" lang="en-US" sz="1200" b="0" i="0" u="none" strike="noStrike" kern="1200" cap="none" spc="0" normalizeH="0" baseline="0" noProof="0" dirty="0">
               <a:ln>
@@ -18960,7 +18989,7 @@
                 <a:tabLst/>
                 <a:defRPr/>
               </a:pPr>
-              <a:t>6/21/2023</a:t>
+              <a:t>6/22/2023</a:t>
             </a:fld>
             <a:endParaRPr kumimoji="0" lang="en-US" sz="1200" b="0" i="0" u="none" strike="noStrike" kern="1200" cap="none" spc="0" normalizeH="0" baseline="0" noProof="0" dirty="0">
               <a:ln>
@@ -19604,7 +19633,7 @@
                 <a:tabLst/>
                 <a:defRPr/>
               </a:pPr>
-              <a:t>6/21/2023</a:t>
+              <a:t>6/22/2023</a:t>
             </a:fld>
             <a:endParaRPr kumimoji="0" lang="en-US" sz="1200" b="0" i="0" u="none" strike="noStrike" kern="1200" cap="none" spc="0" normalizeH="0" baseline="0" noProof="0" dirty="0">
               <a:ln>
@@ -21473,7 +21502,7 @@
                 <a:tabLst/>
                 <a:defRPr/>
               </a:pPr>
-              <a:t>6/21/2023</a:t>
+              <a:t>6/22/2023</a:t>
             </a:fld>
             <a:endParaRPr kumimoji="0" lang="en-US" sz="1200" b="0" i="0" u="none" strike="noStrike" kern="1200" cap="none" spc="0" normalizeH="0" baseline="0" noProof="0" dirty="0">
               <a:ln>
@@ -23074,7 +23103,7 @@
                 <a:tabLst/>
                 <a:defRPr/>
               </a:pPr>
-              <a:t>6/21/2023</a:t>
+              <a:t>6/22/2023</a:t>
             </a:fld>
             <a:endParaRPr kumimoji="0" lang="en-US" sz="1200" b="0" i="0" u="none" strike="noStrike" kern="1200" cap="none" spc="0" normalizeH="0" baseline="0" noProof="0" dirty="0">
               <a:ln>
@@ -23719,7 +23748,7 @@
                 <a:tabLst/>
                 <a:defRPr/>
               </a:pPr>
-              <a:t>6/21/2023</a:t>
+              <a:t>6/22/2023</a:t>
             </a:fld>
             <a:endParaRPr kumimoji="0" lang="en-US" sz="1200" b="0" i="0" u="none" strike="noStrike" kern="1200" cap="none" spc="0" normalizeH="0" baseline="0" noProof="0" dirty="0">
               <a:ln>
@@ -24364,7 +24393,7 @@
                 <a:tabLst/>
                 <a:defRPr/>
               </a:pPr>
-              <a:t>6/21/2023</a:t>
+              <a:t>6/22/2023</a:t>
             </a:fld>
             <a:endParaRPr kumimoji="0" lang="en-US" sz="1200" b="0" i="0" u="none" strike="noStrike" kern="1200" cap="none" spc="0" normalizeH="0" baseline="0" noProof="0" dirty="0">
               <a:ln>
@@ -25343,7 +25372,7 @@
                 <a:tabLst/>
                 <a:defRPr/>
               </a:pPr>
-              <a:t>6/21/2023</a:t>
+              <a:t>6/22/2023</a:t>
             </a:fld>
             <a:endParaRPr kumimoji="0" lang="en-US" sz="1200" b="0" i="0" u="none" strike="noStrike" kern="1200" cap="none" spc="0" normalizeH="0" baseline="0" noProof="0" dirty="0">
               <a:ln>
@@ -26447,7 +26476,7 @@
             <a:fld id="{495D8227-9DE4-4D42-8C1B-E10C828BC634}" type="datetime1">
               <a:rPr lang="en-US" smtClean="0"/>
               <a:pPr/>
-              <a:t>6/21/2023</a:t>
+              <a:t>6/22/2023</a:t>
             </a:fld>
             <a:endParaRPr lang="en-US" dirty="0"/>
           </a:p>
@@ -26621,7 +26650,7 @@
                 <a:tabLst/>
                 <a:defRPr/>
               </a:pPr>
-              <a:t>6/21/2023</a:t>
+              <a:t>6/22/2023</a:t>
             </a:fld>
             <a:endParaRPr kumimoji="0" lang="en-US" sz="1200" b="0" i="0" u="none" strike="noStrike" kern="1200" cap="none" spc="0" normalizeH="0" baseline="0" noProof="0" dirty="0">
               <a:ln>
@@ -27611,7 +27640,7 @@
                 <a:tabLst/>
                 <a:defRPr/>
               </a:pPr>
-              <a:t>6/21/2023</a:t>
+              <a:t>6/22/2023</a:t>
             </a:fld>
             <a:endParaRPr kumimoji="0" lang="en-US" sz="1200" b="0" i="0" u="none" strike="noStrike" kern="1200" cap="none" spc="0" normalizeH="0" baseline="0" noProof="0" dirty="0">
               <a:ln>
@@ -29236,7 +29265,7 @@
             <a:fld id="{7FA0C2EE-8499-394A-A22C-DABDB4752AEE}" type="datetime1">
               <a:rPr lang="en-US" smtClean="0"/>
               <a:pPr/>
-              <a:t>6/21/2023</a:t>
+              <a:t>6/22/2023</a:t>
             </a:fld>
             <a:endParaRPr lang="en-US" dirty="0"/>
           </a:p>
@@ -29860,7 +29889,7 @@
             <a:fld id="{0B931EDA-BCF8-BB4B-B4D1-2CFE062FA080}" type="datetime1">
               <a:rPr lang="en-US" smtClean="0"/>
               <a:pPr/>
-              <a:t>6/21/2023</a:t>
+              <a:t>6/22/2023</a:t>
             </a:fld>
             <a:endParaRPr lang="en-US" dirty="0"/>
           </a:p>
@@ -30105,7 +30134,7 @@
             <a:fld id="{E1707CF3-9BC4-A745-ACDA-A73543D800FE}" type="datetime1">
               <a:rPr lang="en-US" smtClean="0"/>
               <a:pPr/>
-              <a:t>6/21/2023</a:t>
+              <a:t>6/22/2023</a:t>
             </a:fld>
             <a:endParaRPr lang="en-US" dirty="0"/>
           </a:p>
@@ -30522,7 +30551,7 @@
                 <a:tabLst/>
                 <a:defRPr/>
               </a:pPr>
-              <a:t>6/21/2023</a:t>
+              <a:t>6/22/2023</a:t>
             </a:fld>
             <a:endParaRPr kumimoji="0" lang="en-US" sz="1200" b="0" i="0" u="none" strike="noStrike" kern="1200" cap="none" spc="0" normalizeH="0" baseline="0" noProof="0" dirty="0">
               <a:ln>
@@ -30866,7 +30895,7 @@
                 <a:tabLst/>
                 <a:defRPr/>
               </a:pPr>
-              <a:t>6/21/2023</a:t>
+              <a:t>6/22/2023</a:t>
             </a:fld>
             <a:endParaRPr kumimoji="0" lang="en-US" sz="1200" b="0" i="0" u="none" strike="noStrike" kern="1200" cap="none" spc="0" normalizeH="0" baseline="0" noProof="0" dirty="0">
               <a:ln>
@@ -32697,7 +32726,7 @@
                 <a:tabLst/>
                 <a:defRPr/>
               </a:pPr>
-              <a:t>6/21/2023</a:t>
+              <a:t>6/22/2023</a:t>
             </a:fld>
             <a:endParaRPr kumimoji="0" lang="en-US" sz="1200" b="0" i="0" u="none" strike="noStrike" kern="1200" cap="none" spc="0" normalizeH="0" baseline="0" noProof="0" dirty="0">
               <a:ln>
@@ -33916,7 +33945,7 @@
                 <a:tabLst/>
                 <a:defRPr/>
               </a:pPr>
-              <a:t>6/21/2023</a:t>
+              <a:t>6/22/2023</a:t>
             </a:fld>
             <a:endParaRPr kumimoji="0" lang="en-US" sz="1200" b="0" i="0" u="none" strike="noStrike" kern="1200" cap="none" spc="0" normalizeH="0" baseline="0" noProof="0" dirty="0">
               <a:ln>
@@ -34454,7 +34483,7 @@
                 <a:tabLst/>
                 <a:defRPr/>
               </a:pPr>
-              <a:t>6/21/2023</a:t>
+              <a:t>6/22/2023</a:t>
             </a:fld>
             <a:endParaRPr kumimoji="0" lang="en-US" sz="1200" b="0" i="0" u="none" strike="noStrike" kern="1200" cap="none" spc="0" normalizeH="0" baseline="0" noProof="0" dirty="0">
               <a:ln>
